--- a/1512211-1412235.pptx
+++ b/1512211-1412235.pptx
@@ -871,7 +871,7 @@
           <a:p>
             <a:fld id="{A2DD742E-5A9F-465A-8E2B-D3DD7D539B86}" type="datetimeFigureOut">
               <a:rPr lang="en-US" smtClean="0"/>
-              <a:t>1/6/2020</a:t>
+              <a:t>1/7/2020</a:t>
             </a:fld>
             <a:endParaRPr lang="en-US"/>
           </a:p>
@@ -1122,7 +1122,7 @@
           <a:p>
             <a:fld id="{A2DD742E-5A9F-465A-8E2B-D3DD7D539B86}" type="datetimeFigureOut">
               <a:rPr lang="en-US" smtClean="0"/>
-              <a:t>1/6/2020</a:t>
+              <a:t>1/7/2020</a:t>
             </a:fld>
             <a:endParaRPr lang="en-US"/>
           </a:p>
@@ -1436,7 +1436,7 @@
           <a:p>
             <a:fld id="{A2DD742E-5A9F-465A-8E2B-D3DD7D539B86}" type="datetimeFigureOut">
               <a:rPr lang="en-US" smtClean="0"/>
-              <a:t>1/6/2020</a:t>
+              <a:t>1/7/2020</a:t>
             </a:fld>
             <a:endParaRPr lang="en-US"/>
           </a:p>
@@ -1777,7 +1777,7 @@
           <a:p>
             <a:fld id="{A2DD742E-5A9F-465A-8E2B-D3DD7D539B86}" type="datetimeFigureOut">
               <a:rPr lang="en-US" smtClean="0"/>
-              <a:t>1/6/2020</a:t>
+              <a:t>1/7/2020</a:t>
             </a:fld>
             <a:endParaRPr lang="en-US"/>
           </a:p>
@@ -2091,7 +2091,7 @@
           <a:p>
             <a:fld id="{A2DD742E-5A9F-465A-8E2B-D3DD7D539B86}" type="datetimeFigureOut">
               <a:rPr lang="en-US" smtClean="0"/>
-              <a:t>1/6/2020</a:t>
+              <a:t>1/7/2020</a:t>
             </a:fld>
             <a:endParaRPr lang="en-US"/>
           </a:p>
@@ -2484,7 +2484,7 @@
           <a:p>
             <a:fld id="{A2DD742E-5A9F-465A-8E2B-D3DD7D539B86}" type="datetimeFigureOut">
               <a:rPr lang="en-US" smtClean="0"/>
-              <a:t>1/6/2020</a:t>
+              <a:t>1/7/2020</a:t>
             </a:fld>
             <a:endParaRPr lang="en-US"/>
           </a:p>
@@ -2654,7 +2654,7 @@
           <a:p>
             <a:fld id="{A2DD742E-5A9F-465A-8E2B-D3DD7D539B86}" type="datetimeFigureOut">
               <a:rPr lang="en-US" smtClean="0"/>
-              <a:t>1/6/2020</a:t>
+              <a:t>1/7/2020</a:t>
             </a:fld>
             <a:endParaRPr lang="en-US"/>
           </a:p>
@@ -2834,7 +2834,7 @@
           <a:p>
             <a:fld id="{A2DD742E-5A9F-465A-8E2B-D3DD7D539B86}" type="datetimeFigureOut">
               <a:rPr lang="en-US" smtClean="0"/>
-              <a:t>1/6/2020</a:t>
+              <a:t>1/7/2020</a:t>
             </a:fld>
             <a:endParaRPr lang="en-US"/>
           </a:p>
@@ -3010,7 +3010,7 @@
           <a:p>
             <a:fld id="{A2DD742E-5A9F-465A-8E2B-D3DD7D539B86}" type="datetimeFigureOut">
               <a:rPr lang="en-US" smtClean="0"/>
-              <a:t>1/6/2020</a:t>
+              <a:t>1/7/2020</a:t>
             </a:fld>
             <a:endParaRPr lang="en-US"/>
           </a:p>
@@ -3257,7 +3257,7 @@
           <a:p>
             <a:fld id="{A2DD742E-5A9F-465A-8E2B-D3DD7D539B86}" type="datetimeFigureOut">
               <a:rPr lang="en-US" smtClean="0"/>
-              <a:t>1/6/2020</a:t>
+              <a:t>1/7/2020</a:t>
             </a:fld>
             <a:endParaRPr lang="en-US"/>
           </a:p>
@@ -3489,7 +3489,7 @@
           <a:p>
             <a:fld id="{A2DD742E-5A9F-465A-8E2B-D3DD7D539B86}" type="datetimeFigureOut">
               <a:rPr lang="en-US" smtClean="0"/>
-              <a:t>1/6/2020</a:t>
+              <a:t>1/7/2020</a:t>
             </a:fld>
             <a:endParaRPr lang="en-US"/>
           </a:p>
@@ -3863,7 +3863,7 @@
           <a:p>
             <a:fld id="{A2DD742E-5A9F-465A-8E2B-D3DD7D539B86}" type="datetimeFigureOut">
               <a:rPr lang="en-US" smtClean="0"/>
-              <a:t>1/6/2020</a:t>
+              <a:t>1/7/2020</a:t>
             </a:fld>
             <a:endParaRPr lang="en-US"/>
           </a:p>
@@ -3986,7 +3986,7 @@
           <a:p>
             <a:fld id="{A2DD742E-5A9F-465A-8E2B-D3DD7D539B86}" type="datetimeFigureOut">
               <a:rPr lang="en-US" smtClean="0"/>
-              <a:t>1/6/2020</a:t>
+              <a:t>1/7/2020</a:t>
             </a:fld>
             <a:endParaRPr lang="en-US"/>
           </a:p>
@@ -4081,7 +4081,7 @@
           <a:p>
             <a:fld id="{A2DD742E-5A9F-465A-8E2B-D3DD7D539B86}" type="datetimeFigureOut">
               <a:rPr lang="en-US" smtClean="0"/>
-              <a:t>1/6/2020</a:t>
+              <a:t>1/7/2020</a:t>
             </a:fld>
             <a:endParaRPr lang="en-US"/>
           </a:p>
@@ -4336,7 +4336,7 @@
           <a:p>
             <a:fld id="{A2DD742E-5A9F-465A-8E2B-D3DD7D539B86}" type="datetimeFigureOut">
               <a:rPr lang="en-US" smtClean="0"/>
-              <a:t>1/6/2020</a:t>
+              <a:t>1/7/2020</a:t>
             </a:fld>
             <a:endParaRPr lang="en-US"/>
           </a:p>
@@ -4599,7 +4599,7 @@
           <a:p>
             <a:fld id="{A2DD742E-5A9F-465A-8E2B-D3DD7D539B86}" type="datetimeFigureOut">
               <a:rPr lang="en-US" smtClean="0"/>
-              <a:t>1/6/2020</a:t>
+              <a:t>1/7/2020</a:t>
             </a:fld>
             <a:endParaRPr lang="en-US"/>
           </a:p>
@@ -5342,7 +5342,7 @@
           <a:p>
             <a:fld id="{A2DD742E-5A9F-465A-8E2B-D3DD7D539B86}" type="datetimeFigureOut">
               <a:rPr lang="en-US" smtClean="0"/>
-              <a:t>1/6/2020</a:t>
+              <a:t>1/7/2020</a:t>
             </a:fld>
             <a:endParaRPr lang="en-US"/>
           </a:p>
@@ -6930,8 +6930,65 @@
           <a:p>
             <a:r>
               <a:rPr lang="en-US" dirty="0"/>
-              <a:t>I. BASELINE</a:t>
-            </a:r>
+              <a:t>I. BASELINE (</a:t>
+            </a:r>
+            <a:r>
+              <a:rPr lang="en-US" dirty="0" err="1"/>
+              <a:t>Thời</a:t>
+            </a:r>
+            <a:r>
+              <a:rPr lang="en-US" dirty="0"/>
+              <a:t> </a:t>
+            </a:r>
+            <a:r>
+              <a:rPr lang="en-US" dirty="0" err="1"/>
+              <a:t>gian</a:t>
+            </a:r>
+            <a:r>
+              <a:rPr lang="en-US" dirty="0"/>
+              <a:t> </a:t>
+            </a:r>
+            <a:r>
+              <a:rPr lang="en-US" dirty="0" err="1"/>
+              <a:t>trung</a:t>
+            </a:r>
+            <a:r>
+              <a:rPr lang="en-US" dirty="0"/>
+              <a:t> </a:t>
+            </a:r>
+            <a:r>
+              <a:rPr lang="en-US" dirty="0" err="1"/>
+              <a:t>bình</a:t>
+            </a:r>
+            <a:r>
+              <a:rPr lang="en-US" dirty="0"/>
+              <a:t> </a:t>
+            </a:r>
+            <a:r>
+              <a:rPr lang="en-US" dirty="0" err="1"/>
+              <a:t>trong</a:t>
+            </a:r>
+            <a:r>
+              <a:rPr lang="en-US" dirty="0"/>
+              <a:t> 5 </a:t>
+            </a:r>
+            <a:r>
+              <a:rPr lang="en-US" dirty="0" err="1"/>
+              <a:t>lần</a:t>
+            </a:r>
+            <a:r>
+              <a:rPr lang="en-US" dirty="0"/>
+              <a:t> </a:t>
+            </a:r>
+            <a:r>
+              <a:rPr lang="en-US" dirty="0" err="1"/>
+              <a:t>chạy</a:t>
+            </a:r>
+            <a:r>
+              <a:rPr lang="en-US"/>
+              <a:t>)</a:t>
+            </a:r>
+            <a:endParaRPr lang="en-US" dirty="0"/>
           </a:p>
         </p:txBody>
       </p:sp>
@@ -9957,7 +10014,54 @@
           <a:bodyPr/>
           <a:lstStyle/>
           <a:p>
-            <a:endParaRPr lang="en-US"/>
+            <a:r>
+              <a:rPr lang="en-US" dirty="0" err="1"/>
+              <a:t>Thời</a:t>
+            </a:r>
+            <a:r>
+              <a:rPr lang="en-US" dirty="0"/>
+              <a:t> </a:t>
+            </a:r>
+            <a:r>
+              <a:rPr lang="en-US" dirty="0" err="1"/>
+              <a:t>gian</a:t>
+            </a:r>
+            <a:r>
+              <a:rPr lang="en-US" dirty="0"/>
+              <a:t> </a:t>
+            </a:r>
+            <a:r>
+              <a:rPr lang="en-US" dirty="0" err="1"/>
+              <a:t>trung</a:t>
+            </a:r>
+            <a:r>
+              <a:rPr lang="en-US" dirty="0"/>
+              <a:t> </a:t>
+            </a:r>
+            <a:r>
+              <a:rPr lang="en-US" dirty="0" err="1"/>
+              <a:t>bình</a:t>
+            </a:r>
+            <a:r>
+              <a:rPr lang="en-US" dirty="0"/>
+              <a:t> (5 </a:t>
+            </a:r>
+            <a:r>
+              <a:rPr lang="en-US" dirty="0" err="1"/>
+              <a:t>lần</a:t>
+            </a:r>
+            <a:r>
+              <a:rPr lang="en-US" dirty="0"/>
+              <a:t> </a:t>
+            </a:r>
+            <a:r>
+              <a:rPr lang="en-US" dirty="0" err="1"/>
+              <a:t>chạy</a:t>
+            </a:r>
+            <a:r>
+              <a:rPr lang="en-US" dirty="0"/>
+              <a:t>)</a:t>
+            </a:r>
           </a:p>
         </p:txBody>
       </p:sp>

--- a/1512211-1412235.pptx
+++ b/1512211-1412235.pptx
@@ -29,20 +29,16 @@
     <p:sldId id="285" r:id="rId23"/>
     <p:sldId id="286" r:id="rId24"/>
     <p:sldId id="287" r:id="rId25"/>
-    <p:sldId id="288" r:id="rId26"/>
-    <p:sldId id="289" r:id="rId27"/>
-    <p:sldId id="290" r:id="rId28"/>
-    <p:sldId id="291" r:id="rId29"/>
-    <p:sldId id="292" r:id="rId30"/>
-    <p:sldId id="293" r:id="rId31"/>
-    <p:sldId id="294" r:id="rId32"/>
-    <p:sldId id="295" r:id="rId33"/>
-    <p:sldId id="296" r:id="rId34"/>
-    <p:sldId id="297" r:id="rId35"/>
-    <p:sldId id="298" r:id="rId36"/>
-    <p:sldId id="299" r:id="rId37"/>
-    <p:sldId id="300" r:id="rId38"/>
-    <p:sldId id="301" r:id="rId39"/>
+    <p:sldId id="302" r:id="rId26"/>
+    <p:sldId id="303" r:id="rId27"/>
+    <p:sldId id="304" r:id="rId28"/>
+    <p:sldId id="288" r:id="rId29"/>
+    <p:sldId id="305" r:id="rId30"/>
+    <p:sldId id="306" r:id="rId31"/>
+    <p:sldId id="307" r:id="rId32"/>
+    <p:sldId id="308" r:id="rId33"/>
+    <p:sldId id="309" r:id="rId34"/>
+    <p:sldId id="301" r:id="rId35"/>
   </p:sldIdLst>
   <p:sldSz cx="12192000" cy="6858000"/>
   <p:notesSz cx="6858000" cy="9144000"/>
@@ -871,7 +867,7 @@
           <a:p>
             <a:fld id="{A2DD742E-5A9F-465A-8E2B-D3DD7D539B86}" type="datetimeFigureOut">
               <a:rPr lang="en-US" smtClean="0"/>
-              <a:t>1/7/2020</a:t>
+              <a:t>1/8/2020</a:t>
             </a:fld>
             <a:endParaRPr lang="en-US"/>
           </a:p>
@@ -1122,7 +1118,7 @@
           <a:p>
             <a:fld id="{A2DD742E-5A9F-465A-8E2B-D3DD7D539B86}" type="datetimeFigureOut">
               <a:rPr lang="en-US" smtClean="0"/>
-              <a:t>1/7/2020</a:t>
+              <a:t>1/8/2020</a:t>
             </a:fld>
             <a:endParaRPr lang="en-US"/>
           </a:p>
@@ -1436,7 +1432,7 @@
           <a:p>
             <a:fld id="{A2DD742E-5A9F-465A-8E2B-D3DD7D539B86}" type="datetimeFigureOut">
               <a:rPr lang="en-US" smtClean="0"/>
-              <a:t>1/7/2020</a:t>
+              <a:t>1/8/2020</a:t>
             </a:fld>
             <a:endParaRPr lang="en-US"/>
           </a:p>
@@ -1777,7 +1773,7 @@
           <a:p>
             <a:fld id="{A2DD742E-5A9F-465A-8E2B-D3DD7D539B86}" type="datetimeFigureOut">
               <a:rPr lang="en-US" smtClean="0"/>
-              <a:t>1/7/2020</a:t>
+              <a:t>1/8/2020</a:t>
             </a:fld>
             <a:endParaRPr lang="en-US"/>
           </a:p>
@@ -2091,7 +2087,7 @@
           <a:p>
             <a:fld id="{A2DD742E-5A9F-465A-8E2B-D3DD7D539B86}" type="datetimeFigureOut">
               <a:rPr lang="en-US" smtClean="0"/>
-              <a:t>1/7/2020</a:t>
+              <a:t>1/8/2020</a:t>
             </a:fld>
             <a:endParaRPr lang="en-US"/>
           </a:p>
@@ -2484,7 +2480,7 @@
           <a:p>
             <a:fld id="{A2DD742E-5A9F-465A-8E2B-D3DD7D539B86}" type="datetimeFigureOut">
               <a:rPr lang="en-US" smtClean="0"/>
-              <a:t>1/7/2020</a:t>
+              <a:t>1/8/2020</a:t>
             </a:fld>
             <a:endParaRPr lang="en-US"/>
           </a:p>
@@ -2654,7 +2650,7 @@
           <a:p>
             <a:fld id="{A2DD742E-5A9F-465A-8E2B-D3DD7D539B86}" type="datetimeFigureOut">
               <a:rPr lang="en-US" smtClean="0"/>
-              <a:t>1/7/2020</a:t>
+              <a:t>1/8/2020</a:t>
             </a:fld>
             <a:endParaRPr lang="en-US"/>
           </a:p>
@@ -2834,7 +2830,7 @@
           <a:p>
             <a:fld id="{A2DD742E-5A9F-465A-8E2B-D3DD7D539B86}" type="datetimeFigureOut">
               <a:rPr lang="en-US" smtClean="0"/>
-              <a:t>1/7/2020</a:t>
+              <a:t>1/8/2020</a:t>
             </a:fld>
             <a:endParaRPr lang="en-US"/>
           </a:p>
@@ -3010,7 +3006,7 @@
           <a:p>
             <a:fld id="{A2DD742E-5A9F-465A-8E2B-D3DD7D539B86}" type="datetimeFigureOut">
               <a:rPr lang="en-US" smtClean="0"/>
-              <a:t>1/7/2020</a:t>
+              <a:t>1/8/2020</a:t>
             </a:fld>
             <a:endParaRPr lang="en-US"/>
           </a:p>
@@ -3257,7 +3253,7 @@
           <a:p>
             <a:fld id="{A2DD742E-5A9F-465A-8E2B-D3DD7D539B86}" type="datetimeFigureOut">
               <a:rPr lang="en-US" smtClean="0"/>
-              <a:t>1/7/2020</a:t>
+              <a:t>1/8/2020</a:t>
             </a:fld>
             <a:endParaRPr lang="en-US"/>
           </a:p>
@@ -3489,7 +3485,7 @@
           <a:p>
             <a:fld id="{A2DD742E-5A9F-465A-8E2B-D3DD7D539B86}" type="datetimeFigureOut">
               <a:rPr lang="en-US" smtClean="0"/>
-              <a:t>1/7/2020</a:t>
+              <a:t>1/8/2020</a:t>
             </a:fld>
             <a:endParaRPr lang="en-US"/>
           </a:p>
@@ -3863,7 +3859,7 @@
           <a:p>
             <a:fld id="{A2DD742E-5A9F-465A-8E2B-D3DD7D539B86}" type="datetimeFigureOut">
               <a:rPr lang="en-US" smtClean="0"/>
-              <a:t>1/7/2020</a:t>
+              <a:t>1/8/2020</a:t>
             </a:fld>
             <a:endParaRPr lang="en-US"/>
           </a:p>
@@ -3986,7 +3982,7 @@
           <a:p>
             <a:fld id="{A2DD742E-5A9F-465A-8E2B-D3DD7D539B86}" type="datetimeFigureOut">
               <a:rPr lang="en-US" smtClean="0"/>
-              <a:t>1/7/2020</a:t>
+              <a:t>1/8/2020</a:t>
             </a:fld>
             <a:endParaRPr lang="en-US"/>
           </a:p>
@@ -4081,7 +4077,7 @@
           <a:p>
             <a:fld id="{A2DD742E-5A9F-465A-8E2B-D3DD7D539B86}" type="datetimeFigureOut">
               <a:rPr lang="en-US" smtClean="0"/>
-              <a:t>1/7/2020</a:t>
+              <a:t>1/8/2020</a:t>
             </a:fld>
             <a:endParaRPr lang="en-US"/>
           </a:p>
@@ -4336,7 +4332,7 @@
           <a:p>
             <a:fld id="{A2DD742E-5A9F-465A-8E2B-D3DD7D539B86}" type="datetimeFigureOut">
               <a:rPr lang="en-US" smtClean="0"/>
-              <a:t>1/7/2020</a:t>
+              <a:t>1/8/2020</a:t>
             </a:fld>
             <a:endParaRPr lang="en-US"/>
           </a:p>
@@ -4599,7 +4595,7 @@
           <a:p>
             <a:fld id="{A2DD742E-5A9F-465A-8E2B-D3DD7D539B86}" type="datetimeFigureOut">
               <a:rPr lang="en-US" smtClean="0"/>
-              <a:t>1/7/2020</a:t>
+              <a:t>1/8/2020</a:t>
             </a:fld>
             <a:endParaRPr lang="en-US"/>
           </a:p>
@@ -5342,7 +5338,7 @@
           <a:p>
             <a:fld id="{A2DD742E-5A9F-465A-8E2B-D3DD7D539B86}" type="datetimeFigureOut">
               <a:rPr lang="en-US" smtClean="0"/>
-              <a:t>1/7/2020</a:t>
+              <a:t>1/8/2020</a:t>
             </a:fld>
             <a:endParaRPr lang="en-US"/>
           </a:p>
@@ -7887,7 +7883,7 @@
           <p:cNvPr id="2" name="Tiêu đề 1">
             <a:extLst>
               <a:ext uri="{FF2B5EF4-FFF2-40B4-BE49-F238E27FC236}">
-                <a16:creationId xmlns:a16="http://schemas.microsoft.com/office/drawing/2014/main" id="{4961BE18-D884-495B-836F-6B00F17EDD95}"/>
+                <a16:creationId xmlns:a16="http://schemas.microsoft.com/office/drawing/2014/main" id="{C482A8F4-1EEC-46F9-B68A-45AD80E1CAC9}"/>
               </a:ext>
             </a:extLst>
           </p:cNvPr>
@@ -7904,50 +7900,51 @@
           <a:lstStyle/>
           <a:p>
             <a:r>
-              <a:rPr lang="en-US" dirty="0" err="1"/>
-              <a:t>Tổng</a:t>
-            </a:r>
-            <a:r>
               <a:rPr lang="en-US" dirty="0"/>
-              <a:t> </a:t>
-            </a:r>
-            <a:r>
-              <a:rPr lang="en-US" dirty="0" err="1"/>
-              <a:t>quát</a:t>
-            </a:r>
-            <a:endParaRPr lang="en-US" dirty="0"/>
-          </a:p>
-        </p:txBody>
-      </p:sp>
-      <p:sp>
-        <p:nvSpPr>
-          <p:cNvPr id="3" name="Chỗ dành sẵn cho Nội dung 2">
+              <a:t>Version 6</a:t>
+            </a:r>
+          </a:p>
+        </p:txBody>
+      </p:sp>
+      <p:pic>
+        <p:nvPicPr>
+          <p:cNvPr id="5" name="Chỗ dành sẵn cho Nội dung 4" descr="Ảnh có chứa ảnh chụp màn hình, màn hình&#10;&#10;Mô tả được tạo tự động">
             <a:extLst>
               <a:ext uri="{FF2B5EF4-FFF2-40B4-BE49-F238E27FC236}">
-                <a16:creationId xmlns:a16="http://schemas.microsoft.com/office/drawing/2014/main" id="{7D543481-18F6-498B-852C-D60FB43208FB}"/>
+                <a16:creationId xmlns:a16="http://schemas.microsoft.com/office/drawing/2014/main" id="{55A4C516-C941-4C1D-B44D-DD247C1C1621}"/>
               </a:ext>
             </a:extLst>
           </p:cNvPr>
-          <p:cNvSpPr>
-            <a:spLocks noGrp="1"/>
-          </p:cNvSpPr>
+          <p:cNvPicPr>
+            <a:picLocks noGrp="1" noChangeAspect="1"/>
+          </p:cNvPicPr>
           <p:nvPr>
             <p:ph idx="1"/>
           </p:nvPr>
-        </p:nvSpPr>
-        <p:spPr/>
-        <p:txBody>
-          <a:bodyPr/>
-          <a:lstStyle/>
-          <a:p>
-            <a:endParaRPr lang="en-US"/>
-          </a:p>
-        </p:txBody>
-      </p:sp>
+        </p:nvPicPr>
+        <p:blipFill>
+          <a:blip r:embed="rId2">
+            <a:extLst>
+              <a:ext uri="{28A0092B-C50C-407E-A947-70E740481C1C}">
+                <a14:useLocalDpi xmlns:a14="http://schemas.microsoft.com/office/drawing/2010/main" val="0"/>
+              </a:ext>
+            </a:extLst>
+          </a:blip>
+          <a:stretch>
+            <a:fillRect/>
+          </a:stretch>
+        </p:blipFill>
+        <p:spPr>
+          <a:xfrm>
+            <a:off x="1901660" y="2160588"/>
+            <a:ext cx="6148718" cy="3881437"/>
+          </a:xfrm>
+        </p:spPr>
+      </p:pic>
     </p:spTree>
     <p:extLst>
       <p:ext uri="{BB962C8B-B14F-4D97-AF65-F5344CB8AC3E}">
-        <p14:creationId xmlns:p14="http://schemas.microsoft.com/office/powerpoint/2010/main" val="3086330828"/>
+        <p14:creationId xmlns:p14="http://schemas.microsoft.com/office/powerpoint/2010/main" val="754054349"/>
       </p:ext>
     </p:extLst>
   </p:cSld>
@@ -7979,7 +7976,7 @@
           <p:cNvPr id="2" name="Tiêu đề 1">
             <a:extLst>
               <a:ext uri="{FF2B5EF4-FFF2-40B4-BE49-F238E27FC236}">
-                <a16:creationId xmlns:a16="http://schemas.microsoft.com/office/drawing/2014/main" id="{A2B3702B-668D-4B60-BA37-72B7C43D4ABC}"/>
+                <a16:creationId xmlns:a16="http://schemas.microsoft.com/office/drawing/2014/main" id="{72BFC725-117E-428F-95DC-12AE68DCB9B1}"/>
               </a:ext>
             </a:extLst>
           </p:cNvPr>
@@ -7995,19 +7992,16 @@
           <a:bodyPr/>
           <a:lstStyle/>
           <a:p>
-            <a:r>
-              <a:rPr lang="en-US" dirty="0"/>
-              <a:t>K = 1</a:t>
-            </a:r>
+            <a:endParaRPr lang="en-US"/>
           </a:p>
         </p:txBody>
       </p:sp>
       <p:pic>
         <p:nvPicPr>
-          <p:cNvPr id="5" name="Chỗ dành sẵn cho Nội dung 4" descr="Ảnh có chứa ảnh chụp màn hình, máy tính&#10;&#10;Mô tả được tạo tự động">
+          <p:cNvPr id="5" name="Chỗ dành sẵn cho Nội dung 4" descr="Ảnh có chứa màn hình, đang ngồi, đen, bàn&#10;&#10;Mô tả được tạo tự động">
             <a:extLst>
               <a:ext uri="{FF2B5EF4-FFF2-40B4-BE49-F238E27FC236}">
-                <a16:creationId xmlns:a16="http://schemas.microsoft.com/office/drawing/2014/main" id="{F4B15A5E-39E6-4D7C-BE00-37C5698DFA25}"/>
+                <a16:creationId xmlns:a16="http://schemas.microsoft.com/office/drawing/2014/main" id="{9337AF60-9ECB-4C0E-AB46-E21009CBCFFC}"/>
               </a:ext>
             </a:extLst>
           </p:cNvPr>
@@ -8032,15 +8026,15 @@
         </p:blipFill>
         <p:spPr>
           <a:xfrm>
-            <a:off x="1882120" y="2160588"/>
-            <a:ext cx="6187798" cy="3881437"/>
+            <a:off x="1916370" y="2160588"/>
+            <a:ext cx="6119298" cy="3881437"/>
           </a:xfrm>
         </p:spPr>
       </p:pic>
     </p:spTree>
     <p:extLst>
       <p:ext uri="{BB962C8B-B14F-4D97-AF65-F5344CB8AC3E}">
-        <p14:creationId xmlns:p14="http://schemas.microsoft.com/office/powerpoint/2010/main" val="1179781031"/>
+        <p14:creationId xmlns:p14="http://schemas.microsoft.com/office/powerpoint/2010/main" val="3135946505"/>
       </p:ext>
     </p:extLst>
   </p:cSld>
@@ -8072,7 +8066,7 @@
           <p:cNvPr id="2" name="Tiêu đề 1">
             <a:extLst>
               <a:ext uri="{FF2B5EF4-FFF2-40B4-BE49-F238E27FC236}">
-                <a16:creationId xmlns:a16="http://schemas.microsoft.com/office/drawing/2014/main" id="{17695143-7F13-4327-876E-F117044B9C6C}"/>
+                <a16:creationId xmlns:a16="http://schemas.microsoft.com/office/drawing/2014/main" id="{C15FAD8F-5246-4472-AD6D-A5B7627E6947}"/>
               </a:ext>
             </a:extLst>
           </p:cNvPr>
@@ -8094,10 +8088,10 @@
       </p:sp>
       <p:pic>
         <p:nvPicPr>
-          <p:cNvPr id="5" name="Chỗ dành sẵn cho Nội dung 4" descr="Ảnh có chứa đen&#10;&#10;Mô tả được tạo tự động">
+          <p:cNvPr id="5" name="Chỗ dành sẵn cho Nội dung 4" descr="Ảnh có chứa ảnh chụp màn hình, màn hình, đang ngồi, máy tính&#10;&#10;Mô tả được tạo tự động">
             <a:extLst>
               <a:ext uri="{FF2B5EF4-FFF2-40B4-BE49-F238E27FC236}">
-                <a16:creationId xmlns:a16="http://schemas.microsoft.com/office/drawing/2014/main" id="{F464C516-25CE-42C7-BB05-F89FA76F675F}"/>
+                <a16:creationId xmlns:a16="http://schemas.microsoft.com/office/drawing/2014/main" id="{48A82D5C-A4EA-4262-AC96-1AF21FFB2D0D}"/>
               </a:ext>
             </a:extLst>
           </p:cNvPr>
@@ -8122,15 +8116,15 @@
         </p:blipFill>
         <p:spPr>
           <a:xfrm>
-            <a:off x="1898928" y="2160588"/>
-            <a:ext cx="6154181" cy="3881437"/>
+            <a:off x="1926318" y="2160588"/>
+            <a:ext cx="6099401" cy="3881437"/>
           </a:xfrm>
         </p:spPr>
       </p:pic>
     </p:spTree>
     <p:extLst>
       <p:ext uri="{BB962C8B-B14F-4D97-AF65-F5344CB8AC3E}">
-        <p14:creationId xmlns:p14="http://schemas.microsoft.com/office/powerpoint/2010/main" val="1568808752"/>
+        <p14:creationId xmlns:p14="http://schemas.microsoft.com/office/powerpoint/2010/main" val="357533564"/>
       </p:ext>
     </p:extLst>
   </p:cSld>
@@ -8162,7 +8156,7 @@
           <p:cNvPr id="2" name="Tiêu đề 1">
             <a:extLst>
               <a:ext uri="{FF2B5EF4-FFF2-40B4-BE49-F238E27FC236}">
-                <a16:creationId xmlns:a16="http://schemas.microsoft.com/office/drawing/2014/main" id="{813ABE3E-B5A9-499F-B954-6465F0F68FB9}"/>
+                <a16:creationId xmlns:a16="http://schemas.microsoft.com/office/drawing/2014/main" id="{4961BE18-D884-495B-836F-6B00F17EDD95}"/>
               </a:ext>
             </a:extLst>
           </p:cNvPr>
@@ -8178,49 +8172,51 @@
           <a:bodyPr/>
           <a:lstStyle/>
           <a:p>
-            <a:endParaRPr lang="en-US"/>
-          </a:p>
-        </p:txBody>
-      </p:sp>
-      <p:pic>
-        <p:nvPicPr>
-          <p:cNvPr id="5" name="Chỗ dành sẵn cho Nội dung 4" descr="Ảnh có chứa ảnh chụp màn hình, màn hình, máy tính&#10;&#10;Mô tả được tạo tự động">
+            <a:r>
+              <a:rPr lang="en-US" dirty="0" err="1"/>
+              <a:t>Tổng</a:t>
+            </a:r>
+            <a:r>
+              <a:rPr lang="en-US" dirty="0"/>
+              <a:t> </a:t>
+            </a:r>
+            <a:r>
+              <a:rPr lang="en-US" dirty="0" err="1"/>
+              <a:t>quát</a:t>
+            </a:r>
+            <a:endParaRPr lang="en-US" dirty="0"/>
+          </a:p>
+        </p:txBody>
+      </p:sp>
+      <p:sp>
+        <p:nvSpPr>
+          <p:cNvPr id="3" name="Chỗ dành sẵn cho Nội dung 2">
             <a:extLst>
               <a:ext uri="{FF2B5EF4-FFF2-40B4-BE49-F238E27FC236}">
-                <a16:creationId xmlns:a16="http://schemas.microsoft.com/office/drawing/2014/main" id="{8A5141F0-25BD-4B16-8A1E-91E58FB14371}"/>
+                <a16:creationId xmlns:a16="http://schemas.microsoft.com/office/drawing/2014/main" id="{7D543481-18F6-498B-852C-D60FB43208FB}"/>
               </a:ext>
             </a:extLst>
           </p:cNvPr>
-          <p:cNvPicPr>
-            <a:picLocks noGrp="1" noChangeAspect="1"/>
-          </p:cNvPicPr>
+          <p:cNvSpPr>
+            <a:spLocks noGrp="1"/>
+          </p:cNvSpPr>
           <p:nvPr>
             <p:ph idx="1"/>
           </p:nvPr>
-        </p:nvPicPr>
-        <p:blipFill>
-          <a:blip r:embed="rId2">
-            <a:extLst>
-              <a:ext uri="{28A0092B-C50C-407E-A947-70E740481C1C}">
-                <a14:useLocalDpi xmlns:a14="http://schemas.microsoft.com/office/drawing/2010/main" val="0"/>
-              </a:ext>
-            </a:extLst>
-          </a:blip>
-          <a:stretch>
-            <a:fillRect/>
-          </a:stretch>
-        </p:blipFill>
-        <p:spPr>
-          <a:xfrm>
-            <a:off x="1902441" y="2160588"/>
-            <a:ext cx="6147155" cy="3881437"/>
-          </a:xfrm>
-        </p:spPr>
-      </p:pic>
+        </p:nvSpPr>
+        <p:spPr/>
+        <p:txBody>
+          <a:bodyPr/>
+          <a:lstStyle/>
+          <a:p>
+            <a:endParaRPr lang="en-US"/>
+          </a:p>
+        </p:txBody>
+      </p:sp>
     </p:spTree>
     <p:extLst>
       <p:ext uri="{BB962C8B-B14F-4D97-AF65-F5344CB8AC3E}">
-        <p14:creationId xmlns:p14="http://schemas.microsoft.com/office/powerpoint/2010/main" val="2539388099"/>
+        <p14:creationId xmlns:p14="http://schemas.microsoft.com/office/powerpoint/2010/main" val="3086330828"/>
       </p:ext>
     </p:extLst>
   </p:cSld>
@@ -8252,7 +8248,7 @@
           <p:cNvPr id="2" name="Tiêu đề 1">
             <a:extLst>
               <a:ext uri="{FF2B5EF4-FFF2-40B4-BE49-F238E27FC236}">
-                <a16:creationId xmlns:a16="http://schemas.microsoft.com/office/drawing/2014/main" id="{CD24BAE0-BA3B-476E-B2FD-A92BA8267E40}"/>
+                <a16:creationId xmlns:a16="http://schemas.microsoft.com/office/drawing/2014/main" id="{1F5F8870-D9CC-4896-B655-99DC1639BF75}"/>
               </a:ext>
             </a:extLst>
           </p:cNvPr>
@@ -8268,16 +8264,19 @@
           <a:bodyPr/>
           <a:lstStyle/>
           <a:p>
-            <a:endParaRPr lang="en-US"/>
+            <a:r>
+              <a:rPr lang="en-US" dirty="0"/>
+              <a:t>N = 2^24</a:t>
+            </a:r>
           </a:p>
         </p:txBody>
       </p:sp>
       <p:pic>
         <p:nvPicPr>
-          <p:cNvPr id="5" name="Chỗ dành sẵn cho Nội dung 4" descr="Ảnh có chứa ảnh chụp màn hình, màn hình, máy tính, máy tính xách tay&#10;&#10;Mô tả được tạo tự động">
+          <p:cNvPr id="5" name="Chỗ dành sẵn cho Nội dung 4" descr="Ảnh có chứa ảnh chụp màn hình, màn hình, đang ngồi, máy tính&#10;&#10;Mô tả được tạo tự động">
             <a:extLst>
               <a:ext uri="{FF2B5EF4-FFF2-40B4-BE49-F238E27FC236}">
-                <a16:creationId xmlns:a16="http://schemas.microsoft.com/office/drawing/2014/main" id="{8708167A-0AB1-4521-8688-6355EF582A3E}"/>
+                <a16:creationId xmlns:a16="http://schemas.microsoft.com/office/drawing/2014/main" id="{9D7039C5-1875-4FEF-AEEC-84EBF6895FB8}"/>
               </a:ext>
             </a:extLst>
           </p:cNvPr>
@@ -8302,15 +8301,15 @@
         </p:blipFill>
         <p:spPr>
           <a:xfrm>
-            <a:off x="1892329" y="2160588"/>
-            <a:ext cx="6167379" cy="3881437"/>
+            <a:off x="1930939" y="2160588"/>
+            <a:ext cx="6090159" cy="3881437"/>
           </a:xfrm>
         </p:spPr>
       </p:pic>
     </p:spTree>
     <p:extLst>
       <p:ext uri="{BB962C8B-B14F-4D97-AF65-F5344CB8AC3E}">
-        <p14:creationId xmlns:p14="http://schemas.microsoft.com/office/powerpoint/2010/main" val="2585976504"/>
+        <p14:creationId xmlns:p14="http://schemas.microsoft.com/office/powerpoint/2010/main" val="4152428826"/>
       </p:ext>
     </p:extLst>
   </p:cSld>
@@ -8451,7 +8450,7 @@
           <p:cNvPr id="2" name="Tiêu đề 1">
             <a:extLst>
               <a:ext uri="{FF2B5EF4-FFF2-40B4-BE49-F238E27FC236}">
-                <a16:creationId xmlns:a16="http://schemas.microsoft.com/office/drawing/2014/main" id="{EFE51944-B805-4758-B75B-D8BD30A81F9D}"/>
+                <a16:creationId xmlns:a16="http://schemas.microsoft.com/office/drawing/2014/main" id="{4EA95A4E-B784-4532-8519-727FEC65BA09}"/>
               </a:ext>
             </a:extLst>
           </p:cNvPr>
@@ -8467,16 +8466,19 @@
           <a:bodyPr/>
           <a:lstStyle/>
           <a:p>
-            <a:endParaRPr lang="en-US"/>
+            <a:r>
+              <a:rPr lang="en-US" dirty="0"/>
+              <a:t>K = 8 bit</a:t>
+            </a:r>
           </a:p>
         </p:txBody>
       </p:sp>
       <p:pic>
         <p:nvPicPr>
-          <p:cNvPr id="5" name="Chỗ dành sẵn cho Nội dung 4" descr="Ảnh có chứa màn hình, ảnh chụp màn hình, đang ngồi, đen&#10;&#10;Mô tả được tạo tự động">
+          <p:cNvPr id="5" name="Chỗ dành sẵn cho Nội dung 4" descr="Ảnh có chứa ảnh chụp màn hình, máy tính&#10;&#10;Mô tả được tạo tự động">
             <a:extLst>
               <a:ext uri="{FF2B5EF4-FFF2-40B4-BE49-F238E27FC236}">
-                <a16:creationId xmlns:a16="http://schemas.microsoft.com/office/drawing/2014/main" id="{F12CA740-86FA-41C7-A2E3-CACC2CCCA6A8}"/>
+                <a16:creationId xmlns:a16="http://schemas.microsoft.com/office/drawing/2014/main" id="{62ACFB06-CA30-4AE3-A757-05D9A58CAE76}"/>
               </a:ext>
             </a:extLst>
           </p:cNvPr>
@@ -8501,15 +8503,15 @@
         </p:blipFill>
         <p:spPr>
           <a:xfrm>
-            <a:off x="1892329" y="2160588"/>
-            <a:ext cx="6167379" cy="3881437"/>
+            <a:off x="1905145" y="2160588"/>
+            <a:ext cx="6141748" cy="3881437"/>
           </a:xfrm>
         </p:spPr>
       </p:pic>
     </p:spTree>
     <p:extLst>
       <p:ext uri="{BB962C8B-B14F-4D97-AF65-F5344CB8AC3E}">
-        <p14:creationId xmlns:p14="http://schemas.microsoft.com/office/powerpoint/2010/main" val="607940154"/>
+        <p14:creationId xmlns:p14="http://schemas.microsoft.com/office/powerpoint/2010/main" val="3735987154"/>
       </p:ext>
     </p:extLst>
   </p:cSld>
@@ -8541,7 +8543,7 @@
           <p:cNvPr id="2" name="Tiêu đề 1">
             <a:extLst>
               <a:ext uri="{FF2B5EF4-FFF2-40B4-BE49-F238E27FC236}">
-                <a16:creationId xmlns:a16="http://schemas.microsoft.com/office/drawing/2014/main" id="{E746E94F-4D59-40C0-91FD-9742A6B77156}"/>
+                <a16:creationId xmlns:a16="http://schemas.microsoft.com/office/drawing/2014/main" id="{4173C9B0-5F00-4C9F-B416-3EAC6C965843}"/>
               </a:ext>
             </a:extLst>
           </p:cNvPr>
@@ -8557,16 +8559,19 @@
           <a:bodyPr/>
           <a:lstStyle/>
           <a:p>
-            <a:endParaRPr lang="en-US"/>
+            <a:r>
+              <a:rPr lang="en-US" dirty="0"/>
+              <a:t>K = 2 bit</a:t>
+            </a:r>
           </a:p>
         </p:txBody>
       </p:sp>
       <p:pic>
         <p:nvPicPr>
-          <p:cNvPr id="5" name="Chỗ dành sẵn cho Nội dung 4" descr="Ảnh có chứa ảnh chụp màn hình, màn hình, máy tính, đang ngồi&#10;&#10;Mô tả được tạo tự động">
+          <p:cNvPr id="5" name="Chỗ dành sẵn cho Nội dung 4" descr="Ảnh có chứa ảnh chụp màn hình, máy tính, bàn&#10;&#10;Mô tả được tạo tự động">
             <a:extLst>
               <a:ext uri="{FF2B5EF4-FFF2-40B4-BE49-F238E27FC236}">
-                <a16:creationId xmlns:a16="http://schemas.microsoft.com/office/drawing/2014/main" id="{52B0AEE0-CEFA-4D5F-B484-9E3D90987522}"/>
+                <a16:creationId xmlns:a16="http://schemas.microsoft.com/office/drawing/2014/main" id="{C75C7CB4-3981-4739-A77D-EE3273D4BB80}"/>
               </a:ext>
             </a:extLst>
           </p:cNvPr>
@@ -8591,15 +8596,15 @@
         </p:blipFill>
         <p:spPr>
           <a:xfrm>
-            <a:off x="1892329" y="2160588"/>
-            <a:ext cx="6167379" cy="3881437"/>
+            <a:off x="1926318" y="2160588"/>
+            <a:ext cx="6099401" cy="3881437"/>
           </a:xfrm>
         </p:spPr>
       </p:pic>
     </p:spTree>
     <p:extLst>
       <p:ext uri="{BB962C8B-B14F-4D97-AF65-F5344CB8AC3E}">
-        <p14:creationId xmlns:p14="http://schemas.microsoft.com/office/powerpoint/2010/main" val="182574615"/>
+        <p14:creationId xmlns:p14="http://schemas.microsoft.com/office/powerpoint/2010/main" val="1912260976"/>
       </p:ext>
     </p:extLst>
   </p:cSld>
@@ -8631,7 +8636,7 @@
           <p:cNvPr id="2" name="Tiêu đề 1">
             <a:extLst>
               <a:ext uri="{FF2B5EF4-FFF2-40B4-BE49-F238E27FC236}">
-                <a16:creationId xmlns:a16="http://schemas.microsoft.com/office/drawing/2014/main" id="{C304A051-D01A-4BAB-A6B9-60146F0930D8}"/>
+                <a16:creationId xmlns:a16="http://schemas.microsoft.com/office/drawing/2014/main" id="{F7F14548-8B9E-46E1-AAEF-1C24730A6707}"/>
               </a:ext>
             </a:extLst>
           </p:cNvPr>
@@ -8647,16 +8652,19 @@
           <a:bodyPr/>
           <a:lstStyle/>
           <a:p>
-            <a:endParaRPr lang="en-US"/>
+            <a:r>
+              <a:rPr lang="en-US" dirty="0"/>
+              <a:t>Block Size = 256</a:t>
+            </a:r>
           </a:p>
         </p:txBody>
       </p:sp>
       <p:pic>
         <p:nvPicPr>
-          <p:cNvPr id="5" name="Chỗ dành sẵn cho Nội dung 4" descr="Ảnh có chứa ảnh chụp màn hình, màn hình, máy tính&#10;&#10;Mô tả được tạo tự động">
+          <p:cNvPr id="5" name="Chỗ dành sẵn cho Nội dung 4" descr="Ảnh có chứa ảnh chụp màn hình, đang ngồi, bàn, máy tính&#10;&#10;Mô tả được tạo tự động">
             <a:extLst>
               <a:ext uri="{FF2B5EF4-FFF2-40B4-BE49-F238E27FC236}">
-                <a16:creationId xmlns:a16="http://schemas.microsoft.com/office/drawing/2014/main" id="{217F86FF-3FCD-4701-B44F-E41C18784F89}"/>
+                <a16:creationId xmlns:a16="http://schemas.microsoft.com/office/drawing/2014/main" id="{62ADE9FF-8E6B-41CF-B018-5D8DD4918F34}"/>
               </a:ext>
             </a:extLst>
           </p:cNvPr>
@@ -8681,15 +8689,15 @@
         </p:blipFill>
         <p:spPr>
           <a:xfrm>
-            <a:off x="1902441" y="2160588"/>
-            <a:ext cx="6147155" cy="3881437"/>
+            <a:off x="1904378" y="2160588"/>
+            <a:ext cx="6143281" cy="3881437"/>
           </a:xfrm>
         </p:spPr>
       </p:pic>
     </p:spTree>
     <p:extLst>
       <p:ext uri="{BB962C8B-B14F-4D97-AF65-F5344CB8AC3E}">
-        <p14:creationId xmlns:p14="http://schemas.microsoft.com/office/powerpoint/2010/main" val="2671414721"/>
+        <p14:creationId xmlns:p14="http://schemas.microsoft.com/office/powerpoint/2010/main" val="1105771727"/>
       </p:ext>
     </p:extLst>
   </p:cSld>
@@ -8721,7 +8729,7 @@
           <p:cNvPr id="2" name="Tiêu đề 1">
             <a:extLst>
               <a:ext uri="{FF2B5EF4-FFF2-40B4-BE49-F238E27FC236}">
-                <a16:creationId xmlns:a16="http://schemas.microsoft.com/office/drawing/2014/main" id="{F3F1432D-43F9-431D-B7AF-747372F50B39}"/>
+                <a16:creationId xmlns:a16="http://schemas.microsoft.com/office/drawing/2014/main" id="{E93749AC-17E8-498A-B6E1-AEA092043921}"/>
               </a:ext>
             </a:extLst>
           </p:cNvPr>
@@ -8737,16 +8745,19 @@
           <a:bodyPr/>
           <a:lstStyle/>
           <a:p>
-            <a:endParaRPr lang="en-US"/>
+            <a:r>
+              <a:rPr lang="en-US" dirty="0"/>
+              <a:t>Block Size = 1024</a:t>
+            </a:r>
           </a:p>
         </p:txBody>
       </p:sp>
       <p:pic>
         <p:nvPicPr>
-          <p:cNvPr id="5" name="Chỗ dành sẵn cho Nội dung 4" descr="Ảnh có chứa ảnh chụp màn hình, màn hình, máy tính, đang ngồi&#10;&#10;Mô tả được tạo tự động">
+          <p:cNvPr id="5" name="Chỗ dành sẵn cho Nội dung 4" descr="Ảnh có chứa ảnh chụp màn hình, máy tính, máy tính xách tay&#10;&#10;Mô tả được tạo tự động">
             <a:extLst>
               <a:ext uri="{FF2B5EF4-FFF2-40B4-BE49-F238E27FC236}">
-                <a16:creationId xmlns:a16="http://schemas.microsoft.com/office/drawing/2014/main" id="{3FFAA8D2-EFC6-4DA3-803C-498E7B871255}"/>
+                <a16:creationId xmlns:a16="http://schemas.microsoft.com/office/drawing/2014/main" id="{1E8A15C0-7022-480F-8B1E-FA704AD72574}"/>
               </a:ext>
             </a:extLst>
           </p:cNvPr>
@@ -8771,15 +8782,15 @@
         </p:blipFill>
         <p:spPr>
           <a:xfrm>
-            <a:off x="1892329" y="2160588"/>
-            <a:ext cx="6167379" cy="3881437"/>
+            <a:off x="1897798" y="2160588"/>
+            <a:ext cx="6156441" cy="3881437"/>
           </a:xfrm>
         </p:spPr>
       </p:pic>
     </p:spTree>
     <p:extLst>
       <p:ext uri="{BB962C8B-B14F-4D97-AF65-F5344CB8AC3E}">
-        <p14:creationId xmlns:p14="http://schemas.microsoft.com/office/powerpoint/2010/main" val="3926576924"/>
+        <p14:creationId xmlns:p14="http://schemas.microsoft.com/office/powerpoint/2010/main" val="501074909"/>
       </p:ext>
     </p:extLst>
   </p:cSld>
@@ -8790,369 +8801,6 @@
 </file>
 
 <file path=ppt/slides/slide34.xml><?xml version="1.0" encoding="utf-8"?>
-<p:sld xmlns:a="http://schemas.openxmlformats.org/drawingml/2006/main" xmlns:r="http://schemas.openxmlformats.org/officeDocument/2006/relationships" xmlns:p="http://schemas.openxmlformats.org/presentationml/2006/main">
-  <p:cSld>
-    <p:spTree>
-      <p:nvGrpSpPr>
-        <p:cNvPr id="1" name=""/>
-        <p:cNvGrpSpPr/>
-        <p:nvPr/>
-      </p:nvGrpSpPr>
-      <p:grpSpPr>
-        <a:xfrm>
-          <a:off x="0" y="0"/>
-          <a:ext cx="0" cy="0"/>
-          <a:chOff x="0" y="0"/>
-          <a:chExt cx="0" cy="0"/>
-        </a:xfrm>
-      </p:grpSpPr>
-      <p:sp>
-        <p:nvSpPr>
-          <p:cNvPr id="2" name="Tiêu đề 1">
-            <a:extLst>
-              <a:ext uri="{FF2B5EF4-FFF2-40B4-BE49-F238E27FC236}">
-                <a16:creationId xmlns:a16="http://schemas.microsoft.com/office/drawing/2014/main" id="{EA93CEE1-BA13-47C6-ACE0-C95732B25D04}"/>
-              </a:ext>
-            </a:extLst>
-          </p:cNvPr>
-          <p:cNvSpPr>
-            <a:spLocks noGrp="1"/>
-          </p:cNvSpPr>
-          <p:nvPr>
-            <p:ph type="title"/>
-          </p:nvPr>
-        </p:nvSpPr>
-        <p:spPr/>
-        <p:txBody>
-          <a:bodyPr/>
-          <a:lstStyle/>
-          <a:p>
-            <a:endParaRPr lang="en-US"/>
-          </a:p>
-        </p:txBody>
-      </p:sp>
-      <p:pic>
-        <p:nvPicPr>
-          <p:cNvPr id="5" name="Chỗ dành sẵn cho Nội dung 4" descr="Ảnh có chứa ảnh chụp màn hình, máy tính&#10;&#10;Mô tả được tạo tự động">
-            <a:extLst>
-              <a:ext uri="{FF2B5EF4-FFF2-40B4-BE49-F238E27FC236}">
-                <a16:creationId xmlns:a16="http://schemas.microsoft.com/office/drawing/2014/main" id="{50233884-4F11-469A-8711-A0A487408F27}"/>
-              </a:ext>
-            </a:extLst>
-          </p:cNvPr>
-          <p:cNvPicPr>
-            <a:picLocks noGrp="1" noChangeAspect="1"/>
-          </p:cNvPicPr>
-          <p:nvPr>
-            <p:ph idx="1"/>
-          </p:nvPr>
-        </p:nvPicPr>
-        <p:blipFill>
-          <a:blip r:embed="rId2">
-            <a:extLst>
-              <a:ext uri="{28A0092B-C50C-407E-A947-70E740481C1C}">
-                <a14:useLocalDpi xmlns:a14="http://schemas.microsoft.com/office/drawing/2010/main" val="0"/>
-              </a:ext>
-            </a:extLst>
-          </a:blip>
-          <a:stretch>
-            <a:fillRect/>
-          </a:stretch>
-        </p:blipFill>
-        <p:spPr>
-          <a:xfrm>
-            <a:off x="1911727" y="2160588"/>
-            <a:ext cx="6128583" cy="3881437"/>
-          </a:xfrm>
-        </p:spPr>
-      </p:pic>
-    </p:spTree>
-    <p:extLst>
-      <p:ext uri="{BB962C8B-B14F-4D97-AF65-F5344CB8AC3E}">
-        <p14:creationId xmlns:p14="http://schemas.microsoft.com/office/powerpoint/2010/main" val="1301199423"/>
-      </p:ext>
-    </p:extLst>
-  </p:cSld>
-  <p:clrMapOvr>
-    <a:masterClrMapping/>
-  </p:clrMapOvr>
-</p:sld>
-</file>
-
-<file path=ppt/slides/slide35.xml><?xml version="1.0" encoding="utf-8"?>
-<p:sld xmlns:a="http://schemas.openxmlformats.org/drawingml/2006/main" xmlns:r="http://schemas.openxmlformats.org/officeDocument/2006/relationships" xmlns:p="http://schemas.openxmlformats.org/presentationml/2006/main">
-  <p:cSld>
-    <p:spTree>
-      <p:nvGrpSpPr>
-        <p:cNvPr id="1" name=""/>
-        <p:cNvGrpSpPr/>
-        <p:nvPr/>
-      </p:nvGrpSpPr>
-      <p:grpSpPr>
-        <a:xfrm>
-          <a:off x="0" y="0"/>
-          <a:ext cx="0" cy="0"/>
-          <a:chOff x="0" y="0"/>
-          <a:chExt cx="0" cy="0"/>
-        </a:xfrm>
-      </p:grpSpPr>
-      <p:sp>
-        <p:nvSpPr>
-          <p:cNvPr id="2" name="Tiêu đề 1">
-            <a:extLst>
-              <a:ext uri="{FF2B5EF4-FFF2-40B4-BE49-F238E27FC236}">
-                <a16:creationId xmlns:a16="http://schemas.microsoft.com/office/drawing/2014/main" id="{5CCCC8A0-3159-43D4-A3FD-EB27843F6A17}"/>
-              </a:ext>
-            </a:extLst>
-          </p:cNvPr>
-          <p:cNvSpPr>
-            <a:spLocks noGrp="1"/>
-          </p:cNvSpPr>
-          <p:nvPr>
-            <p:ph type="title"/>
-          </p:nvPr>
-        </p:nvSpPr>
-        <p:spPr/>
-        <p:txBody>
-          <a:bodyPr/>
-          <a:lstStyle/>
-          <a:p>
-            <a:r>
-              <a:rPr lang="en-US" dirty="0"/>
-              <a:t>Block Size = 1024</a:t>
-            </a:r>
-          </a:p>
-        </p:txBody>
-      </p:sp>
-      <p:pic>
-        <p:nvPicPr>
-          <p:cNvPr id="5" name="Chỗ dành sẵn cho Nội dung 4" descr="Ảnh có chứa ảnh chụp màn hình, màn hình, máy tính&#10;&#10;Mô tả được tạo tự động">
-            <a:extLst>
-              <a:ext uri="{FF2B5EF4-FFF2-40B4-BE49-F238E27FC236}">
-                <a16:creationId xmlns:a16="http://schemas.microsoft.com/office/drawing/2014/main" id="{5F32710D-99CF-4A45-B007-F9482B54EC38}"/>
-              </a:ext>
-            </a:extLst>
-          </p:cNvPr>
-          <p:cNvPicPr>
-            <a:picLocks noGrp="1" noChangeAspect="1"/>
-          </p:cNvPicPr>
-          <p:nvPr>
-            <p:ph idx="1"/>
-          </p:nvPr>
-        </p:nvPicPr>
-        <p:blipFill>
-          <a:blip r:embed="rId2">
-            <a:extLst>
-              <a:ext uri="{28A0092B-C50C-407E-A947-70E740481C1C}">
-                <a14:useLocalDpi xmlns:a14="http://schemas.microsoft.com/office/drawing/2010/main" val="0"/>
-              </a:ext>
-            </a:extLst>
-          </a:blip>
-          <a:stretch>
-            <a:fillRect/>
-          </a:stretch>
-        </p:blipFill>
-        <p:spPr>
-          <a:xfrm>
-            <a:off x="1936173" y="2160588"/>
-            <a:ext cx="6079691" cy="3881437"/>
-          </a:xfrm>
-        </p:spPr>
-      </p:pic>
-    </p:spTree>
-    <p:extLst>
-      <p:ext uri="{BB962C8B-B14F-4D97-AF65-F5344CB8AC3E}">
-        <p14:creationId xmlns:p14="http://schemas.microsoft.com/office/powerpoint/2010/main" val="4158010179"/>
-      </p:ext>
-    </p:extLst>
-  </p:cSld>
-  <p:clrMapOvr>
-    <a:masterClrMapping/>
-  </p:clrMapOvr>
-</p:sld>
-</file>
-
-<file path=ppt/slides/slide36.xml><?xml version="1.0" encoding="utf-8"?>
-<p:sld xmlns:a="http://schemas.openxmlformats.org/drawingml/2006/main" xmlns:r="http://schemas.openxmlformats.org/officeDocument/2006/relationships" xmlns:p="http://schemas.openxmlformats.org/presentationml/2006/main">
-  <p:cSld>
-    <p:spTree>
-      <p:nvGrpSpPr>
-        <p:cNvPr id="1" name=""/>
-        <p:cNvGrpSpPr/>
-        <p:nvPr/>
-      </p:nvGrpSpPr>
-      <p:grpSpPr>
-        <a:xfrm>
-          <a:off x="0" y="0"/>
-          <a:ext cx="0" cy="0"/>
-          <a:chOff x="0" y="0"/>
-          <a:chExt cx="0" cy="0"/>
-        </a:xfrm>
-      </p:grpSpPr>
-      <p:sp>
-        <p:nvSpPr>
-          <p:cNvPr id="2" name="Tiêu đề 1">
-            <a:extLst>
-              <a:ext uri="{FF2B5EF4-FFF2-40B4-BE49-F238E27FC236}">
-                <a16:creationId xmlns:a16="http://schemas.microsoft.com/office/drawing/2014/main" id="{40F313C1-813A-45AC-A8CF-8E54CEA6BC33}"/>
-              </a:ext>
-            </a:extLst>
-          </p:cNvPr>
-          <p:cNvSpPr>
-            <a:spLocks noGrp="1"/>
-          </p:cNvSpPr>
-          <p:nvPr>
-            <p:ph type="title"/>
-          </p:nvPr>
-        </p:nvSpPr>
-        <p:spPr/>
-        <p:txBody>
-          <a:bodyPr/>
-          <a:lstStyle/>
-          <a:p>
-            <a:endParaRPr lang="en-US"/>
-          </a:p>
-        </p:txBody>
-      </p:sp>
-      <p:pic>
-        <p:nvPicPr>
-          <p:cNvPr id="5" name="Chỗ dành sẵn cho Nội dung 4" descr="Ảnh có chứa ảnh chụp màn hình, máy tính&#10;&#10;Mô tả được tạo tự động">
-            <a:extLst>
-              <a:ext uri="{FF2B5EF4-FFF2-40B4-BE49-F238E27FC236}">
-                <a16:creationId xmlns:a16="http://schemas.microsoft.com/office/drawing/2014/main" id="{BAFDAEA7-D863-4E38-A462-7532F8BAAC60}"/>
-              </a:ext>
-            </a:extLst>
-          </p:cNvPr>
-          <p:cNvPicPr>
-            <a:picLocks noGrp="1" noChangeAspect="1"/>
-          </p:cNvPicPr>
-          <p:nvPr>
-            <p:ph idx="1"/>
-          </p:nvPr>
-        </p:nvPicPr>
-        <p:blipFill>
-          <a:blip r:embed="rId2">
-            <a:extLst>
-              <a:ext uri="{28A0092B-C50C-407E-A947-70E740481C1C}">
-                <a14:useLocalDpi xmlns:a14="http://schemas.microsoft.com/office/drawing/2010/main" val="0"/>
-              </a:ext>
-            </a:extLst>
-          </a:blip>
-          <a:stretch>
-            <a:fillRect/>
-          </a:stretch>
-        </p:blipFill>
-        <p:spPr>
-          <a:xfrm>
-            <a:off x="1912456" y="2160588"/>
-            <a:ext cx="6127125" cy="3881437"/>
-          </a:xfrm>
-        </p:spPr>
-      </p:pic>
-    </p:spTree>
-    <p:extLst>
-      <p:ext uri="{BB962C8B-B14F-4D97-AF65-F5344CB8AC3E}">
-        <p14:creationId xmlns:p14="http://schemas.microsoft.com/office/powerpoint/2010/main" val="295664387"/>
-      </p:ext>
-    </p:extLst>
-  </p:cSld>
-  <p:clrMapOvr>
-    <a:masterClrMapping/>
-  </p:clrMapOvr>
-</p:sld>
-</file>
-
-<file path=ppt/slides/slide37.xml><?xml version="1.0" encoding="utf-8"?>
-<p:sld xmlns:a="http://schemas.openxmlformats.org/drawingml/2006/main" xmlns:r="http://schemas.openxmlformats.org/officeDocument/2006/relationships" xmlns:p="http://schemas.openxmlformats.org/presentationml/2006/main">
-  <p:cSld>
-    <p:spTree>
-      <p:nvGrpSpPr>
-        <p:cNvPr id="1" name=""/>
-        <p:cNvGrpSpPr/>
-        <p:nvPr/>
-      </p:nvGrpSpPr>
-      <p:grpSpPr>
-        <a:xfrm>
-          <a:off x="0" y="0"/>
-          <a:ext cx="0" cy="0"/>
-          <a:chOff x="0" y="0"/>
-          <a:chExt cx="0" cy="0"/>
-        </a:xfrm>
-      </p:grpSpPr>
-      <p:sp>
-        <p:nvSpPr>
-          <p:cNvPr id="2" name="Tiêu đề 1">
-            <a:extLst>
-              <a:ext uri="{FF2B5EF4-FFF2-40B4-BE49-F238E27FC236}">
-                <a16:creationId xmlns:a16="http://schemas.microsoft.com/office/drawing/2014/main" id="{46D3B42F-4C43-40AF-8A7B-124C42F0E98B}"/>
-              </a:ext>
-            </a:extLst>
-          </p:cNvPr>
-          <p:cNvSpPr>
-            <a:spLocks noGrp="1"/>
-          </p:cNvSpPr>
-          <p:nvPr>
-            <p:ph type="title"/>
-          </p:nvPr>
-        </p:nvSpPr>
-        <p:spPr/>
-        <p:txBody>
-          <a:bodyPr/>
-          <a:lstStyle/>
-          <a:p>
-            <a:endParaRPr lang="en-US"/>
-          </a:p>
-        </p:txBody>
-      </p:sp>
-      <p:pic>
-        <p:nvPicPr>
-          <p:cNvPr id="5" name="Chỗ dành sẵn cho Nội dung 4" descr="Ảnh có chứa ảnh chụp màn hình, máy tính&#10;&#10;Mô tả được tạo tự động">
-            <a:extLst>
-              <a:ext uri="{FF2B5EF4-FFF2-40B4-BE49-F238E27FC236}">
-                <a16:creationId xmlns:a16="http://schemas.microsoft.com/office/drawing/2014/main" id="{EA434CD6-E0F9-4AC3-8394-DE140B245036}"/>
-              </a:ext>
-            </a:extLst>
-          </p:cNvPr>
-          <p:cNvPicPr>
-            <a:picLocks noGrp="1" noChangeAspect="1"/>
-          </p:cNvPicPr>
-          <p:nvPr>
-            <p:ph idx="1"/>
-          </p:nvPr>
-        </p:nvPicPr>
-        <p:blipFill>
-          <a:blip r:embed="rId2">
-            <a:extLst>
-              <a:ext uri="{28A0092B-C50C-407E-A947-70E740481C1C}">
-                <a14:useLocalDpi xmlns:a14="http://schemas.microsoft.com/office/drawing/2010/main" val="0"/>
-              </a:ext>
-            </a:extLst>
-          </a:blip>
-          <a:stretch>
-            <a:fillRect/>
-          </a:stretch>
-        </p:blipFill>
-        <p:spPr>
-          <a:xfrm>
-            <a:off x="1907084" y="2160588"/>
-            <a:ext cx="6137870" cy="3881437"/>
-          </a:xfrm>
-        </p:spPr>
-      </p:pic>
-    </p:spTree>
-    <p:extLst>
-      <p:ext uri="{BB962C8B-B14F-4D97-AF65-F5344CB8AC3E}">
-        <p14:creationId xmlns:p14="http://schemas.microsoft.com/office/powerpoint/2010/main" val="3974626903"/>
-      </p:ext>
-    </p:extLst>
-  </p:cSld>
-  <p:clrMapOvr>
-    <a:masterClrMapping/>
-  </p:clrMapOvr>
-</p:sld>
-</file>
-
-<file path=ppt/slides/slide38.xml><?xml version="1.0" encoding="utf-8"?>
 <p:sld xmlns:a="http://schemas.openxmlformats.org/drawingml/2006/main" xmlns:r="http://schemas.openxmlformats.org/officeDocument/2006/relationships" xmlns:p="http://schemas.openxmlformats.org/presentationml/2006/main">
   <p:cSld>
     <p:spTree>
@@ -9961,6 +9609,57 @@
             </a:r>
             <a:endParaRPr lang="en-US" dirty="0"/>
           </a:p>
+          <a:p>
+            <a:r>
+              <a:rPr lang="en-US" dirty="0"/>
+              <a:t>6. </a:t>
+            </a:r>
+            <a:r>
+              <a:rPr lang="en-US" dirty="0" err="1"/>
+              <a:t>Đổi</a:t>
+            </a:r>
+            <a:r>
+              <a:rPr lang="en-US" dirty="0"/>
+              <a:t> </a:t>
+            </a:r>
+            <a:r>
+              <a:rPr lang="en-US" dirty="0" err="1"/>
+              <a:t>hàm</a:t>
+            </a:r>
+            <a:r>
+              <a:rPr lang="en-US" dirty="0"/>
+              <a:t> Exclusive Scan </a:t>
+            </a:r>
+            <a:r>
+              <a:rPr lang="en-US" dirty="0" err="1"/>
+              <a:t>thành</a:t>
+            </a:r>
+            <a:r>
+              <a:rPr lang="en-US" dirty="0"/>
+              <a:t> </a:t>
+            </a:r>
+            <a:r>
+              <a:rPr lang="en-US" dirty="0" err="1"/>
+              <a:t>tuần</a:t>
+            </a:r>
+            <a:r>
+              <a:rPr lang="en-US" dirty="0"/>
+              <a:t> </a:t>
+            </a:r>
+            <a:r>
+              <a:rPr lang="en-US" dirty="0" err="1"/>
+              <a:t>tư</a:t>
+            </a:r>
+            <a:r>
+              <a:rPr lang="en-US" dirty="0"/>
+              <a:t>̣: 10.9994 </a:t>
+            </a:r>
+            <a:r>
+              <a:rPr lang="en-US" dirty="0" err="1"/>
+              <a:t>ms</a:t>
+            </a:r>
+            <a:endParaRPr lang="en-US" dirty="0"/>
+          </a:p>
         </p:txBody>
       </p:sp>
     </p:spTree>
@@ -10081,14 +9780,14 @@
             <p:ph idx="1"/>
             <p:extLst>
               <p:ext uri="{D42A27DB-BD31-4B8C-83A1-F6EECF244321}">
-                <p14:modId xmlns:p14="http://schemas.microsoft.com/office/powerpoint/2010/main" val="3412786394"/>
+                <p14:modId xmlns:p14="http://schemas.microsoft.com/office/powerpoint/2010/main" val="2250989242"/>
               </p:ext>
             </p:extLst>
           </p:nvPr>
         </p:nvGraphicFramePr>
         <p:xfrm>
           <a:off x="677863" y="2160588"/>
-          <a:ext cx="8596311" cy="2225040"/>
+          <a:ext cx="8596311" cy="2595880"/>
         </p:xfrm>
         <a:graphic>
           <a:graphicData uri="http://schemas.openxmlformats.org/drawingml/2006/table">
@@ -10462,6 +10161,69 @@
                   </a:ext>
                 </a:extLst>
               </a:tr>
+              <a:tr h="370840">
+                <a:tc>
+                  <a:txBody>
+                    <a:bodyPr/>
+                    <a:lstStyle/>
+                    <a:p>
+                      <a:r>
+                        <a:rPr lang="en-US" dirty="0"/>
+                        <a:t>6</a:t>
+                      </a:r>
+                    </a:p>
+                  </a:txBody>
+                  <a:tcPr/>
+                </a:tc>
+                <a:tc>
+                  <a:txBody>
+                    <a:bodyPr/>
+                    <a:lstStyle/>
+                    <a:p>
+                      <a:r>
+                        <a:rPr lang="en-US" dirty="0"/>
+                        <a:t>10.9994</a:t>
+                      </a:r>
+                    </a:p>
+                  </a:txBody>
+                  <a:tcPr/>
+                </a:tc>
+                <a:tc>
+                  <a:txBody>
+                    <a:bodyPr/>
+                    <a:lstStyle/>
+                    <a:p>
+                      <a:pPr marL="0" marR="0" lvl="0" indent="0" algn="l" defTabSz="457200" rtl="0" eaLnBrk="1" fontAlgn="auto" latinLnBrk="0" hangingPunct="1">
+                        <a:lnSpc>
+                          <a:spcPct val="100000"/>
+                        </a:lnSpc>
+                        <a:spcBef>
+                          <a:spcPts val="0"/>
+                        </a:spcBef>
+                        <a:spcAft>
+                          <a:spcPts val="0"/>
+                        </a:spcAft>
+                        <a:buClrTx/>
+                        <a:buSzTx/>
+                        <a:buFontTx/>
+                        <a:buNone/>
+                        <a:tabLst/>
+                        <a:defRPr/>
+                      </a:pPr>
+                      <a:r>
+                        <a:rPr lang="en-US" dirty="0"/>
+                        <a:t>2.1956</a:t>
+                      </a:r>
+                    </a:p>
+                  </a:txBody>
+                  <a:tcPr/>
+                </a:tc>
+                <a:extLst>
+                  <a:ext uri="{0D108BD9-81ED-4DB2-BD59-A6C34878D82A}">
+                    <a16:rowId xmlns:a16="http://schemas.microsoft.com/office/drawing/2014/main" val="3853479403"/>
+                  </a:ext>
+                </a:extLst>
+              </a:tr>
             </a:tbl>
           </a:graphicData>
         </a:graphic>

--- a/1512211-1412235.pptx
+++ b/1512211-1412235.pptx
@@ -6,39 +6,28 @@
   </p:sldMasterIdLst>
   <p:sldIdLst>
     <p:sldId id="256" r:id="rId2"/>
-    <p:sldId id="257" r:id="rId3"/>
-    <p:sldId id="270" r:id="rId4"/>
-    <p:sldId id="271" r:id="rId5"/>
-    <p:sldId id="272" r:id="rId6"/>
+    <p:sldId id="310" r:id="rId3"/>
+    <p:sldId id="316" r:id="rId4"/>
+    <p:sldId id="270" r:id="rId5"/>
+    <p:sldId id="271" r:id="rId6"/>
     <p:sldId id="267" r:id="rId7"/>
     <p:sldId id="269" r:id="rId8"/>
     <p:sldId id="266" r:id="rId9"/>
     <p:sldId id="268" r:id="rId10"/>
     <p:sldId id="273" r:id="rId11"/>
-    <p:sldId id="275" r:id="rId12"/>
-    <p:sldId id="274" r:id="rId13"/>
-    <p:sldId id="276" r:id="rId14"/>
-    <p:sldId id="277" r:id="rId15"/>
-    <p:sldId id="278" r:id="rId16"/>
-    <p:sldId id="279" r:id="rId17"/>
-    <p:sldId id="280" r:id="rId18"/>
-    <p:sldId id="281" r:id="rId19"/>
-    <p:sldId id="282" r:id="rId20"/>
-    <p:sldId id="283" r:id="rId21"/>
-    <p:sldId id="284" r:id="rId22"/>
-    <p:sldId id="285" r:id="rId23"/>
-    <p:sldId id="286" r:id="rId24"/>
-    <p:sldId id="287" r:id="rId25"/>
-    <p:sldId id="302" r:id="rId26"/>
-    <p:sldId id="303" r:id="rId27"/>
-    <p:sldId id="304" r:id="rId28"/>
-    <p:sldId id="288" r:id="rId29"/>
-    <p:sldId id="305" r:id="rId30"/>
-    <p:sldId id="306" r:id="rId31"/>
-    <p:sldId id="307" r:id="rId32"/>
-    <p:sldId id="308" r:id="rId33"/>
-    <p:sldId id="309" r:id="rId34"/>
-    <p:sldId id="301" r:id="rId35"/>
+    <p:sldId id="312" r:id="rId12"/>
+    <p:sldId id="276" r:id="rId13"/>
+    <p:sldId id="313" r:id="rId14"/>
+    <p:sldId id="279" r:id="rId15"/>
+    <p:sldId id="314" r:id="rId16"/>
+    <p:sldId id="282" r:id="rId17"/>
+    <p:sldId id="315" r:id="rId18"/>
+    <p:sldId id="311" r:id="rId19"/>
+    <p:sldId id="306" r:id="rId20"/>
+    <p:sldId id="307" r:id="rId21"/>
+    <p:sldId id="308" r:id="rId22"/>
+    <p:sldId id="309" r:id="rId23"/>
+    <p:sldId id="301" r:id="rId24"/>
   </p:sldIdLst>
   <p:sldSz cx="12192000" cy="6858000"/>
   <p:notesSz cx="6858000" cy="9144000"/>
@@ -867,7 +856,7 @@
           <a:p>
             <a:fld id="{A2DD742E-5A9F-465A-8E2B-D3DD7D539B86}" type="datetimeFigureOut">
               <a:rPr lang="en-US" smtClean="0"/>
-              <a:t>1/8/2020</a:t>
+              <a:t>1/10/2020</a:t>
             </a:fld>
             <a:endParaRPr lang="en-US"/>
           </a:p>
@@ -1118,7 +1107,7 @@
           <a:p>
             <a:fld id="{A2DD742E-5A9F-465A-8E2B-D3DD7D539B86}" type="datetimeFigureOut">
               <a:rPr lang="en-US" smtClean="0"/>
-              <a:t>1/8/2020</a:t>
+              <a:t>1/10/2020</a:t>
             </a:fld>
             <a:endParaRPr lang="en-US"/>
           </a:p>
@@ -1432,7 +1421,7 @@
           <a:p>
             <a:fld id="{A2DD742E-5A9F-465A-8E2B-D3DD7D539B86}" type="datetimeFigureOut">
               <a:rPr lang="en-US" smtClean="0"/>
-              <a:t>1/8/2020</a:t>
+              <a:t>1/10/2020</a:t>
             </a:fld>
             <a:endParaRPr lang="en-US"/>
           </a:p>
@@ -1773,7 +1762,7 @@
           <a:p>
             <a:fld id="{A2DD742E-5A9F-465A-8E2B-D3DD7D539B86}" type="datetimeFigureOut">
               <a:rPr lang="en-US" smtClean="0"/>
-              <a:t>1/8/2020</a:t>
+              <a:t>1/10/2020</a:t>
             </a:fld>
             <a:endParaRPr lang="en-US"/>
           </a:p>
@@ -2087,7 +2076,7 @@
           <a:p>
             <a:fld id="{A2DD742E-5A9F-465A-8E2B-D3DD7D539B86}" type="datetimeFigureOut">
               <a:rPr lang="en-US" smtClean="0"/>
-              <a:t>1/8/2020</a:t>
+              <a:t>1/10/2020</a:t>
             </a:fld>
             <a:endParaRPr lang="en-US"/>
           </a:p>
@@ -2480,7 +2469,7 @@
           <a:p>
             <a:fld id="{A2DD742E-5A9F-465A-8E2B-D3DD7D539B86}" type="datetimeFigureOut">
               <a:rPr lang="en-US" smtClean="0"/>
-              <a:t>1/8/2020</a:t>
+              <a:t>1/10/2020</a:t>
             </a:fld>
             <a:endParaRPr lang="en-US"/>
           </a:p>
@@ -2650,7 +2639,7 @@
           <a:p>
             <a:fld id="{A2DD742E-5A9F-465A-8E2B-D3DD7D539B86}" type="datetimeFigureOut">
               <a:rPr lang="en-US" smtClean="0"/>
-              <a:t>1/8/2020</a:t>
+              <a:t>1/10/2020</a:t>
             </a:fld>
             <a:endParaRPr lang="en-US"/>
           </a:p>
@@ -2830,7 +2819,7 @@
           <a:p>
             <a:fld id="{A2DD742E-5A9F-465A-8E2B-D3DD7D539B86}" type="datetimeFigureOut">
               <a:rPr lang="en-US" smtClean="0"/>
-              <a:t>1/8/2020</a:t>
+              <a:t>1/10/2020</a:t>
             </a:fld>
             <a:endParaRPr lang="en-US"/>
           </a:p>
@@ -3006,7 +2995,7 @@
           <a:p>
             <a:fld id="{A2DD742E-5A9F-465A-8E2B-D3DD7D539B86}" type="datetimeFigureOut">
               <a:rPr lang="en-US" smtClean="0"/>
-              <a:t>1/8/2020</a:t>
+              <a:t>1/10/2020</a:t>
             </a:fld>
             <a:endParaRPr lang="en-US"/>
           </a:p>
@@ -3253,7 +3242,7 @@
           <a:p>
             <a:fld id="{A2DD742E-5A9F-465A-8E2B-D3DD7D539B86}" type="datetimeFigureOut">
               <a:rPr lang="en-US" smtClean="0"/>
-              <a:t>1/8/2020</a:t>
+              <a:t>1/10/2020</a:t>
             </a:fld>
             <a:endParaRPr lang="en-US"/>
           </a:p>
@@ -3485,7 +3474,7 @@
           <a:p>
             <a:fld id="{A2DD742E-5A9F-465A-8E2B-D3DD7D539B86}" type="datetimeFigureOut">
               <a:rPr lang="en-US" smtClean="0"/>
-              <a:t>1/8/2020</a:t>
+              <a:t>1/10/2020</a:t>
             </a:fld>
             <a:endParaRPr lang="en-US"/>
           </a:p>
@@ -3859,7 +3848,7 @@
           <a:p>
             <a:fld id="{A2DD742E-5A9F-465A-8E2B-D3DD7D539B86}" type="datetimeFigureOut">
               <a:rPr lang="en-US" smtClean="0"/>
-              <a:t>1/8/2020</a:t>
+              <a:t>1/10/2020</a:t>
             </a:fld>
             <a:endParaRPr lang="en-US"/>
           </a:p>
@@ -3982,7 +3971,7 @@
           <a:p>
             <a:fld id="{A2DD742E-5A9F-465A-8E2B-D3DD7D539B86}" type="datetimeFigureOut">
               <a:rPr lang="en-US" smtClean="0"/>
-              <a:t>1/8/2020</a:t>
+              <a:t>1/10/2020</a:t>
             </a:fld>
             <a:endParaRPr lang="en-US"/>
           </a:p>
@@ -4077,7 +4066,7 @@
           <a:p>
             <a:fld id="{A2DD742E-5A9F-465A-8E2B-D3DD7D539B86}" type="datetimeFigureOut">
               <a:rPr lang="en-US" smtClean="0"/>
-              <a:t>1/8/2020</a:t>
+              <a:t>1/10/2020</a:t>
             </a:fld>
             <a:endParaRPr lang="en-US"/>
           </a:p>
@@ -4332,7 +4321,7 @@
           <a:p>
             <a:fld id="{A2DD742E-5A9F-465A-8E2B-D3DD7D539B86}" type="datetimeFigureOut">
               <a:rPr lang="en-US" smtClean="0"/>
-              <a:t>1/8/2020</a:t>
+              <a:t>1/10/2020</a:t>
             </a:fld>
             <a:endParaRPr lang="en-US"/>
           </a:p>
@@ -4595,7 +4584,7 @@
           <a:p>
             <a:fld id="{A2DD742E-5A9F-465A-8E2B-D3DD7D539B86}" type="datetimeFigureOut">
               <a:rPr lang="en-US" smtClean="0"/>
-              <a:t>1/8/2020</a:t>
+              <a:t>1/10/2020</a:t>
             </a:fld>
             <a:endParaRPr lang="en-US"/>
           </a:p>
@@ -5338,7 +5327,7 @@
           <a:p>
             <a:fld id="{A2DD742E-5A9F-465A-8E2B-D3DD7D539B86}" type="datetimeFigureOut">
               <a:rPr lang="en-US" smtClean="0"/>
-              <a:t>1/8/2020</a:t>
+              <a:t>1/10/2020</a:t>
             </a:fld>
             <a:endParaRPr lang="en-US"/>
           </a:p>
@@ -6014,17 +6003,41 @@
           <a:p>
             <a:r>
               <a:rPr lang="en-US" dirty="0"/>
-              <a:t>Version 1</a:t>
+              <a:t>Version 1 (</a:t>
+            </a:r>
+            <a:r>
+              <a:rPr lang="en-US" dirty="0" err="1"/>
+              <a:t>Cập</a:t>
+            </a:r>
+            <a:r>
+              <a:rPr lang="en-US" dirty="0"/>
+              <a:t> </a:t>
+            </a:r>
+            <a:r>
+              <a:rPr lang="en-US" dirty="0" err="1"/>
+              <a:t>nhật</a:t>
+            </a:r>
+            <a:r>
+              <a:rPr lang="en-US" dirty="0"/>
+              <a:t> </a:t>
+            </a:r>
+            <a:r>
+              <a:rPr lang="en-US" dirty="0" err="1"/>
+              <a:t>với</a:t>
+            </a:r>
+            <a:r>
+              <a:rPr lang="en-US" dirty="0"/>
+              <a:t> n = 2^20)</a:t>
             </a:r>
           </a:p>
         </p:txBody>
       </p:sp>
       <p:pic>
         <p:nvPicPr>
-          <p:cNvPr id="9" name="Chỗ dành sẵn cho Nội dung 8" descr="Ảnh có chứa ảnh chụp màn hình, màn hình, máy tính, máy tính xách tay&#10;&#10;Mô tả được tạo tự động">
+          <p:cNvPr id="6" name="Chỗ dành sẵn cho Nội dung 5" descr="Ảnh có chứa ảnh chụp màn hình, màn hình, máy tính&#10;&#10;Mô tả được tạo tự động">
             <a:extLst>
               <a:ext uri="{FF2B5EF4-FFF2-40B4-BE49-F238E27FC236}">
-                <a16:creationId xmlns:a16="http://schemas.microsoft.com/office/drawing/2014/main" id="{2C4C81D1-85CE-400A-8259-D165A205FED1}"/>
+                <a16:creationId xmlns:a16="http://schemas.microsoft.com/office/drawing/2014/main" id="{B4DF38E0-1CC3-42DC-B477-8D51D729324E}"/>
               </a:ext>
             </a:extLst>
           </p:cNvPr>
@@ -6049,8 +6062,8 @@
         </p:blipFill>
         <p:spPr>
           <a:xfrm>
-            <a:off x="1918340" y="2160588"/>
-            <a:ext cx="6115357" cy="3881437"/>
+            <a:off x="1894252" y="2160588"/>
+            <a:ext cx="6163534" cy="3881437"/>
           </a:xfrm>
         </p:spPr>
       </p:pic>
@@ -6089,7 +6102,7 @@
           <p:cNvPr id="2" name="Tiêu đề 1">
             <a:extLst>
               <a:ext uri="{FF2B5EF4-FFF2-40B4-BE49-F238E27FC236}">
-                <a16:creationId xmlns:a16="http://schemas.microsoft.com/office/drawing/2014/main" id="{C5B0C1D8-5C36-4C42-A453-E59FBE93666A}"/>
+                <a16:creationId xmlns:a16="http://schemas.microsoft.com/office/drawing/2014/main" id="{23C6E52B-260F-4EBE-A0C2-CD731D7BED73}"/>
               </a:ext>
             </a:extLst>
           </p:cNvPr>
@@ -6111,10 +6124,10 @@
       </p:sp>
       <p:pic>
         <p:nvPicPr>
-          <p:cNvPr id="5" name="Chỗ dành sẵn cho Nội dung 4" descr="Ảnh có chứa ảnh chụp màn hình, màn hình, đang ngồi, bàn&#10;&#10;Mô tả được tạo tự động">
+          <p:cNvPr id="5" name="Chỗ dành sẵn cho Nội dung 4" descr="Ảnh có chứa ảnh chụp màn hình, đang ngồi, màn hình, máy tính&#10;&#10;Mô tả được tạo tự động">
             <a:extLst>
               <a:ext uri="{FF2B5EF4-FFF2-40B4-BE49-F238E27FC236}">
-                <a16:creationId xmlns:a16="http://schemas.microsoft.com/office/drawing/2014/main" id="{5472210A-9EAA-4B7D-B943-F2B6EEF9CBA0}"/>
+                <a16:creationId xmlns:a16="http://schemas.microsoft.com/office/drawing/2014/main" id="{6D1CE08A-43B5-4400-A5D2-C62E10DC8630}"/>
               </a:ext>
             </a:extLst>
           </p:cNvPr>
@@ -6139,15 +6152,15 @@
         </p:blipFill>
         <p:spPr>
           <a:xfrm>
-            <a:off x="1909032" y="2160588"/>
-            <a:ext cx="6133974" cy="3881437"/>
+            <a:off x="1904378" y="2160588"/>
+            <a:ext cx="6143281" cy="3881437"/>
           </a:xfrm>
         </p:spPr>
       </p:pic>
     </p:spTree>
     <p:extLst>
       <p:ext uri="{BB962C8B-B14F-4D97-AF65-F5344CB8AC3E}">
-        <p14:creationId xmlns:p14="http://schemas.microsoft.com/office/powerpoint/2010/main" val="2063874107"/>
+        <p14:creationId xmlns:p14="http://schemas.microsoft.com/office/powerpoint/2010/main" val="978166043"/>
       </p:ext>
     </p:extLst>
   </p:cSld>
@@ -6179,7 +6192,7 @@
           <p:cNvPr id="2" name="Tiêu đề 1">
             <a:extLst>
               <a:ext uri="{FF2B5EF4-FFF2-40B4-BE49-F238E27FC236}">
-                <a16:creationId xmlns:a16="http://schemas.microsoft.com/office/drawing/2014/main" id="{9704C2AA-CBAD-4C1F-BDE4-9015E0AB8838}"/>
+                <a16:creationId xmlns:a16="http://schemas.microsoft.com/office/drawing/2014/main" id="{1CBC4AAC-325F-470F-BFC6-C8718B834471}"/>
               </a:ext>
             </a:extLst>
           </p:cNvPr>
@@ -6195,16 +6208,43 @@
           <a:bodyPr/>
           <a:lstStyle/>
           <a:p>
-            <a:endParaRPr lang="en-US"/>
+            <a:r>
+              <a:rPr lang="en-US" dirty="0"/>
+              <a:t>Version 2 (</a:t>
+            </a:r>
+            <a:r>
+              <a:rPr lang="en-US" dirty="0" err="1"/>
+              <a:t>Cập</a:t>
+            </a:r>
+            <a:r>
+              <a:rPr lang="en-US" dirty="0"/>
+              <a:t> </a:t>
+            </a:r>
+            <a:r>
+              <a:rPr lang="en-US" dirty="0" err="1"/>
+              <a:t>nhật</a:t>
+            </a:r>
+            <a:r>
+              <a:rPr lang="en-US" dirty="0"/>
+              <a:t> </a:t>
+            </a:r>
+            <a:r>
+              <a:rPr lang="en-US" dirty="0" err="1"/>
+              <a:t>với</a:t>
+            </a:r>
+            <a:r>
+              <a:rPr lang="en-US" dirty="0"/>
+              <a:t> n = 2^20)</a:t>
+            </a:r>
           </a:p>
         </p:txBody>
       </p:sp>
       <p:pic>
         <p:nvPicPr>
-          <p:cNvPr id="5" name="Chỗ dành sẵn cho Nội dung 4" descr="Ảnh có chứa ảnh chụp màn hình, máy tính&#10;&#10;Mô tả được tạo tự động">
+          <p:cNvPr id="7" name="Chỗ dành sẵn cho Nội dung 6" descr="Ảnh có chứa ảnh chụp màn hình, màn hình, máy tính&#10;&#10;Mô tả được tạo tự động">
             <a:extLst>
               <a:ext uri="{FF2B5EF4-FFF2-40B4-BE49-F238E27FC236}">
-                <a16:creationId xmlns:a16="http://schemas.microsoft.com/office/drawing/2014/main" id="{8D305A1F-B1BB-4250-B568-0FDDB64EF18C}"/>
+                <a16:creationId xmlns:a16="http://schemas.microsoft.com/office/drawing/2014/main" id="{E6612972-23FB-42DD-9F14-F3123A875E74}"/>
               </a:ext>
             </a:extLst>
           </p:cNvPr>
@@ -6229,15 +6269,15 @@
         </p:blipFill>
         <p:spPr>
           <a:xfrm>
-            <a:off x="1899724" y="2160588"/>
-            <a:ext cx="6152590" cy="3881437"/>
+            <a:off x="1892329" y="2160588"/>
+            <a:ext cx="6167379" cy="3881437"/>
           </a:xfrm>
         </p:spPr>
       </p:pic>
     </p:spTree>
     <p:extLst>
       <p:ext uri="{BB962C8B-B14F-4D97-AF65-F5344CB8AC3E}">
-        <p14:creationId xmlns:p14="http://schemas.microsoft.com/office/powerpoint/2010/main" val="4294379432"/>
+        <p14:creationId xmlns:p14="http://schemas.microsoft.com/office/powerpoint/2010/main" val="3720284273"/>
       </p:ext>
     </p:extLst>
   </p:cSld>
@@ -6269,7 +6309,7 @@
           <p:cNvPr id="2" name="Tiêu đề 1">
             <a:extLst>
               <a:ext uri="{FF2B5EF4-FFF2-40B4-BE49-F238E27FC236}">
-                <a16:creationId xmlns:a16="http://schemas.microsoft.com/office/drawing/2014/main" id="{1CBC4AAC-325F-470F-BFC6-C8718B834471}"/>
+                <a16:creationId xmlns:a16="http://schemas.microsoft.com/office/drawing/2014/main" id="{C08C9538-23B3-4BBC-AE49-2F5E7615868E}"/>
               </a:ext>
             </a:extLst>
           </p:cNvPr>
@@ -6285,10 +6325,7 @@
           <a:bodyPr/>
           <a:lstStyle/>
           <a:p>
-            <a:r>
-              <a:rPr lang="en-US" dirty="0"/>
-              <a:t>Version 2</a:t>
-            </a:r>
+            <a:endParaRPr lang="en-US"/>
           </a:p>
         </p:txBody>
       </p:sp>
@@ -6297,7 +6334,7 @@
           <p:cNvPr id="5" name="Chỗ dành sẵn cho Nội dung 4" descr="Ảnh có chứa ảnh chụp màn hình, màn hình, máy tính xách tay, máy tính&#10;&#10;Mô tả được tạo tự động">
             <a:extLst>
               <a:ext uri="{FF2B5EF4-FFF2-40B4-BE49-F238E27FC236}">
-                <a16:creationId xmlns:a16="http://schemas.microsoft.com/office/drawing/2014/main" id="{7E92E1FE-AA1F-487A-8858-E11B6BC33DB8}"/>
+                <a16:creationId xmlns:a16="http://schemas.microsoft.com/office/drawing/2014/main" id="{53035938-1FC1-4035-8135-37B31571B89F}"/>
               </a:ext>
             </a:extLst>
           </p:cNvPr>
@@ -6322,15 +6359,15 @@
         </p:blipFill>
         <p:spPr>
           <a:xfrm>
-            <a:off x="1921012" y="2160588"/>
-            <a:ext cx="6110013" cy="3881437"/>
+            <a:off x="1899724" y="2160588"/>
+            <a:ext cx="6152590" cy="3881437"/>
           </a:xfrm>
         </p:spPr>
       </p:pic>
     </p:spTree>
     <p:extLst>
       <p:ext uri="{BB962C8B-B14F-4D97-AF65-F5344CB8AC3E}">
-        <p14:creationId xmlns:p14="http://schemas.microsoft.com/office/powerpoint/2010/main" val="3720284273"/>
+        <p14:creationId xmlns:p14="http://schemas.microsoft.com/office/powerpoint/2010/main" val="3468218851"/>
       </p:ext>
     </p:extLst>
   </p:cSld>
@@ -6362,7 +6399,7 @@
           <p:cNvPr id="2" name="Tiêu đề 1">
             <a:extLst>
               <a:ext uri="{FF2B5EF4-FFF2-40B4-BE49-F238E27FC236}">
-                <a16:creationId xmlns:a16="http://schemas.microsoft.com/office/drawing/2014/main" id="{1DBE34F1-6136-4B2F-B64D-6F40A04F130E}"/>
+                <a16:creationId xmlns:a16="http://schemas.microsoft.com/office/drawing/2014/main" id="{0ECEAF6A-8B4F-432A-84FE-149C4C0047DB}"/>
               </a:ext>
             </a:extLst>
           </p:cNvPr>
@@ -6378,16 +6415,19 @@
           <a:bodyPr/>
           <a:lstStyle/>
           <a:p>
-            <a:endParaRPr lang="en-US"/>
+            <a:r>
+              <a:rPr lang="en-US" dirty="0"/>
+              <a:t>Version 3</a:t>
+            </a:r>
           </a:p>
         </p:txBody>
       </p:sp>
       <p:pic>
         <p:nvPicPr>
-          <p:cNvPr id="5" name="Chỗ dành sẵn cho Nội dung 4" descr="Ảnh có chứa ảnh chụp màn hình, màn hình, máy tính&#10;&#10;Mô tả được tạo tự động">
+          <p:cNvPr id="7" name="Chỗ dành sẵn cho Nội dung 6" descr="Ảnh có chứa ảnh chụp màn hình, màn hình, máy tính, đang ngồi&#10;&#10;Mô tả được tạo tự động">
             <a:extLst>
               <a:ext uri="{FF2B5EF4-FFF2-40B4-BE49-F238E27FC236}">
-                <a16:creationId xmlns:a16="http://schemas.microsoft.com/office/drawing/2014/main" id="{BA36C4D5-1688-4745-A888-C9A7AEA4971D}"/>
+                <a16:creationId xmlns:a16="http://schemas.microsoft.com/office/drawing/2014/main" id="{D5AAF27D-332F-4E1A-85C9-A5311FD1CC53}"/>
               </a:ext>
             </a:extLst>
           </p:cNvPr>
@@ -6412,15 +6452,15 @@
         </p:blipFill>
         <p:spPr>
           <a:xfrm>
-            <a:off x="1899724" y="2160588"/>
-            <a:ext cx="6152590" cy="3881437"/>
+            <a:off x="1892329" y="2160588"/>
+            <a:ext cx="6167379" cy="3881437"/>
           </a:xfrm>
         </p:spPr>
       </p:pic>
     </p:spTree>
     <p:extLst>
       <p:ext uri="{BB962C8B-B14F-4D97-AF65-F5344CB8AC3E}">
-        <p14:creationId xmlns:p14="http://schemas.microsoft.com/office/powerpoint/2010/main" val="3587659444"/>
+        <p14:creationId xmlns:p14="http://schemas.microsoft.com/office/powerpoint/2010/main" val="1767258618"/>
       </p:ext>
     </p:extLst>
   </p:cSld>
@@ -6452,7 +6492,7 @@
           <p:cNvPr id="2" name="Tiêu đề 1">
             <a:extLst>
               <a:ext uri="{FF2B5EF4-FFF2-40B4-BE49-F238E27FC236}">
-                <a16:creationId xmlns:a16="http://schemas.microsoft.com/office/drawing/2014/main" id="{76DA3261-1B4F-44B6-BD71-B97A452E1CA3}"/>
+                <a16:creationId xmlns:a16="http://schemas.microsoft.com/office/drawing/2014/main" id="{A74A52A2-3EEB-4AEC-8B4E-10D0978A063E}"/>
               </a:ext>
             </a:extLst>
           </p:cNvPr>
@@ -6474,10 +6514,10 @@
       </p:sp>
       <p:pic>
         <p:nvPicPr>
-          <p:cNvPr id="5" name="Chỗ dành sẵn cho Nội dung 4" descr="Ảnh có chứa ảnh chụp màn hình, màn hình, máy tính&#10;&#10;Mô tả được tạo tự động">
+          <p:cNvPr id="5" name="Chỗ dành sẵn cho Nội dung 4" descr="Ảnh có chứa ảnh chụp màn hình, đang ngồi, máy tính xách tay, máy tính&#10;&#10;Mô tả được tạo tự động">
             <a:extLst>
               <a:ext uri="{FF2B5EF4-FFF2-40B4-BE49-F238E27FC236}">
-                <a16:creationId xmlns:a16="http://schemas.microsoft.com/office/drawing/2014/main" id="{47C44FD4-CBFF-4379-B330-21816C0E2B18}"/>
+                <a16:creationId xmlns:a16="http://schemas.microsoft.com/office/drawing/2014/main" id="{C6AA5462-4F5F-4485-A1D8-9EBE4789BDB3}"/>
               </a:ext>
             </a:extLst>
           </p:cNvPr>
@@ -6502,15 +6542,15 @@
         </p:blipFill>
         <p:spPr>
           <a:xfrm>
-            <a:off x="1899724" y="2160588"/>
-            <a:ext cx="6152590" cy="3881437"/>
+            <a:off x="1905145" y="2160588"/>
+            <a:ext cx="6141748" cy="3881437"/>
           </a:xfrm>
         </p:spPr>
       </p:pic>
     </p:spTree>
     <p:extLst>
       <p:ext uri="{BB962C8B-B14F-4D97-AF65-F5344CB8AC3E}">
-        <p14:creationId xmlns:p14="http://schemas.microsoft.com/office/powerpoint/2010/main" val="3377945199"/>
+        <p14:creationId xmlns:p14="http://schemas.microsoft.com/office/powerpoint/2010/main" val="3806988831"/>
       </p:ext>
     </p:extLst>
   </p:cSld>
@@ -6542,7 +6582,7 @@
           <p:cNvPr id="2" name="Tiêu đề 1">
             <a:extLst>
               <a:ext uri="{FF2B5EF4-FFF2-40B4-BE49-F238E27FC236}">
-                <a16:creationId xmlns:a16="http://schemas.microsoft.com/office/drawing/2014/main" id="{0ECEAF6A-8B4F-432A-84FE-149C4C0047DB}"/>
+                <a16:creationId xmlns:a16="http://schemas.microsoft.com/office/drawing/2014/main" id="{FE1E80F6-78B5-4103-97D2-27AC8EEC51FD}"/>
               </a:ext>
             </a:extLst>
           </p:cNvPr>
@@ -6560,17 +6600,17 @@
           <a:p>
             <a:r>
               <a:rPr lang="en-US" dirty="0"/>
-              <a:t>Version 3</a:t>
+              <a:t>Version 4</a:t>
             </a:r>
           </a:p>
         </p:txBody>
       </p:sp>
       <p:pic>
         <p:nvPicPr>
-          <p:cNvPr id="5" name="Chỗ dành sẵn cho Nội dung 4" descr="Ảnh có chứa ảnh chụp màn hình, máy tính&#10;&#10;Mô tả được tạo tự động">
+          <p:cNvPr id="7" name="Chỗ dành sẵn cho Nội dung 6" descr="Ảnh có chứa ảnh chụp màn hình, màn hình, máy tính, đang ngồi&#10;&#10;Mô tả được tạo tự động">
             <a:extLst>
               <a:ext uri="{FF2B5EF4-FFF2-40B4-BE49-F238E27FC236}">
-                <a16:creationId xmlns:a16="http://schemas.microsoft.com/office/drawing/2014/main" id="{A8E053BB-E6E6-4256-B222-63B313700356}"/>
+                <a16:creationId xmlns:a16="http://schemas.microsoft.com/office/drawing/2014/main" id="{C7A308C2-61ED-474C-8B01-D57ADEB3D451}"/>
               </a:ext>
             </a:extLst>
           </p:cNvPr>
@@ -6595,15 +6635,15 @@
         </p:blipFill>
         <p:spPr>
           <a:xfrm>
-            <a:off x="1909032" y="2160588"/>
-            <a:ext cx="6133974" cy="3881437"/>
+            <a:off x="1892329" y="2160588"/>
+            <a:ext cx="6167379" cy="3881437"/>
           </a:xfrm>
         </p:spPr>
       </p:pic>
     </p:spTree>
     <p:extLst>
       <p:ext uri="{BB962C8B-B14F-4D97-AF65-F5344CB8AC3E}">
-        <p14:creationId xmlns:p14="http://schemas.microsoft.com/office/powerpoint/2010/main" val="1767258618"/>
+        <p14:creationId xmlns:p14="http://schemas.microsoft.com/office/powerpoint/2010/main" val="548051076"/>
       </p:ext>
     </p:extLst>
   </p:cSld>
@@ -6635,7 +6675,7 @@
           <p:cNvPr id="2" name="Tiêu đề 1">
             <a:extLst>
               <a:ext uri="{FF2B5EF4-FFF2-40B4-BE49-F238E27FC236}">
-                <a16:creationId xmlns:a16="http://schemas.microsoft.com/office/drawing/2014/main" id="{9F1508BC-A9CA-4D32-BBE9-BD84AB983FB5}"/>
+                <a16:creationId xmlns:a16="http://schemas.microsoft.com/office/drawing/2014/main" id="{EAD5DDB5-2F41-4D15-AE9F-B754BF82124D}"/>
               </a:ext>
             </a:extLst>
           </p:cNvPr>
@@ -6657,10 +6697,10 @@
       </p:sp>
       <p:pic>
         <p:nvPicPr>
-          <p:cNvPr id="5" name="Chỗ dành sẵn cho Nội dung 4" descr="Ảnh có chứa ảnh chụp màn hình, màn hình, máy tính, đen&#10;&#10;Mô tả được tạo tự động">
+          <p:cNvPr id="5" name="Chỗ dành sẵn cho Nội dung 4" descr="Ảnh có chứa ảnh chụp màn hình, đang ngồi, máy tính xách tay, máy tính&#10;&#10;Mô tả được tạo tự động">
             <a:extLst>
               <a:ext uri="{FF2B5EF4-FFF2-40B4-BE49-F238E27FC236}">
-                <a16:creationId xmlns:a16="http://schemas.microsoft.com/office/drawing/2014/main" id="{C56DC9AE-6868-47CB-9976-122AEAE53DC4}"/>
+                <a16:creationId xmlns:a16="http://schemas.microsoft.com/office/drawing/2014/main" id="{427CDD59-169D-40B7-98B0-D8159DE00ADC}"/>
               </a:ext>
             </a:extLst>
           </p:cNvPr>
@@ -6685,15 +6725,15 @@
         </p:blipFill>
         <p:spPr>
           <a:xfrm>
-            <a:off x="1884899" y="2160588"/>
-            <a:ext cx="6182240" cy="3881437"/>
+            <a:off x="1905145" y="2160588"/>
+            <a:ext cx="6141748" cy="3881437"/>
           </a:xfrm>
         </p:spPr>
       </p:pic>
     </p:spTree>
     <p:extLst>
       <p:ext uri="{BB962C8B-B14F-4D97-AF65-F5344CB8AC3E}">
-        <p14:creationId xmlns:p14="http://schemas.microsoft.com/office/powerpoint/2010/main" val="81534484"/>
+        <p14:creationId xmlns:p14="http://schemas.microsoft.com/office/powerpoint/2010/main" val="1588560577"/>
       </p:ext>
     </p:extLst>
   </p:cSld>
@@ -6725,7 +6765,7 @@
           <p:cNvPr id="2" name="Tiêu đề 1">
             <a:extLst>
               <a:ext uri="{FF2B5EF4-FFF2-40B4-BE49-F238E27FC236}">
-                <a16:creationId xmlns:a16="http://schemas.microsoft.com/office/drawing/2014/main" id="{8CED587D-E885-45CD-9912-EF7890DD1B6D}"/>
+                <a16:creationId xmlns:a16="http://schemas.microsoft.com/office/drawing/2014/main" id="{ED8A50EB-9026-47D7-946C-BBFEFB050ECD}"/>
               </a:ext>
             </a:extLst>
           </p:cNvPr>
@@ -6741,49 +6781,78 @@
           <a:bodyPr/>
           <a:lstStyle/>
           <a:p>
-            <a:endParaRPr lang="en-US"/>
-          </a:p>
-        </p:txBody>
-      </p:sp>
-      <p:pic>
-        <p:nvPicPr>
-          <p:cNvPr id="5" name="Chỗ dành sẵn cho Nội dung 4" descr="Ảnh có chứa ảnh chụp màn hình, màn hình, máy tính, đang ngồi&#10;&#10;Mô tả được tạo tự động">
+            <a:r>
+              <a:rPr lang="en-US" dirty="0" err="1"/>
+              <a:t>Tổng</a:t>
+            </a:r>
+            <a:r>
+              <a:rPr lang="en-US" dirty="0"/>
+              <a:t> </a:t>
+            </a:r>
+            <a:r>
+              <a:rPr lang="en-US" dirty="0" err="1"/>
+              <a:t>quát</a:t>
+            </a:r>
+            <a:r>
+              <a:rPr lang="en-US" dirty="0"/>
+              <a:t> (</a:t>
+            </a:r>
+            <a:r>
+              <a:rPr lang="en-US" dirty="0" err="1"/>
+              <a:t>Cập</a:t>
+            </a:r>
+            <a:r>
+              <a:rPr lang="en-US" dirty="0"/>
+              <a:t> </a:t>
+            </a:r>
+            <a:r>
+              <a:rPr lang="en-US" dirty="0" err="1"/>
+              <a:t>nhật</a:t>
+            </a:r>
+            <a:r>
+              <a:rPr lang="en-US" dirty="0"/>
+              <a:t> </a:t>
+            </a:r>
+            <a:r>
+              <a:rPr lang="en-US" dirty="0" err="1"/>
+              <a:t>với</a:t>
+            </a:r>
+            <a:r>
+              <a:rPr lang="en-US" dirty="0"/>
+              <a:t> n = 2^20)</a:t>
+            </a:r>
+          </a:p>
+        </p:txBody>
+      </p:sp>
+      <p:sp>
+        <p:nvSpPr>
+          <p:cNvPr id="3" name="Chỗ dành sẵn cho Nội dung 2">
             <a:extLst>
               <a:ext uri="{FF2B5EF4-FFF2-40B4-BE49-F238E27FC236}">
-                <a16:creationId xmlns:a16="http://schemas.microsoft.com/office/drawing/2014/main" id="{116A95F1-1D4A-4FDA-850C-798D965C4202}"/>
+                <a16:creationId xmlns:a16="http://schemas.microsoft.com/office/drawing/2014/main" id="{5A3C65DC-B6FF-44BB-B9DA-960923B31AF3}"/>
               </a:ext>
             </a:extLst>
           </p:cNvPr>
-          <p:cNvPicPr>
-            <a:picLocks noGrp="1" noChangeAspect="1"/>
-          </p:cNvPicPr>
+          <p:cNvSpPr>
+            <a:spLocks noGrp="1"/>
+          </p:cNvSpPr>
           <p:nvPr>
             <p:ph idx="1"/>
           </p:nvPr>
-        </p:nvPicPr>
-        <p:blipFill>
-          <a:blip r:embed="rId2">
-            <a:extLst>
-              <a:ext uri="{28A0092B-C50C-407E-A947-70E740481C1C}">
-                <a14:useLocalDpi xmlns:a14="http://schemas.microsoft.com/office/drawing/2010/main" val="0"/>
-              </a:ext>
-            </a:extLst>
-          </a:blip>
-          <a:stretch>
-            <a:fillRect/>
-          </a:stretch>
-        </p:blipFill>
-        <p:spPr>
-          <a:xfrm>
-            <a:off x="1884899" y="2160588"/>
-            <a:ext cx="6182240" cy="3881437"/>
-          </a:xfrm>
-        </p:spPr>
-      </p:pic>
+        </p:nvSpPr>
+        <p:spPr/>
+        <p:txBody>
+          <a:bodyPr/>
+          <a:lstStyle/>
+          <a:p>
+            <a:endParaRPr lang="en-US"/>
+          </a:p>
+        </p:txBody>
+      </p:sp>
     </p:spTree>
     <p:extLst>
       <p:ext uri="{BB962C8B-B14F-4D97-AF65-F5344CB8AC3E}">
-        <p14:creationId xmlns:p14="http://schemas.microsoft.com/office/powerpoint/2010/main" val="2253354018"/>
+        <p14:creationId xmlns:p14="http://schemas.microsoft.com/office/powerpoint/2010/main" val="2529626050"/>
       </p:ext>
     </p:extLst>
   </p:cSld>
@@ -6815,7 +6884,7 @@
           <p:cNvPr id="2" name="Tiêu đề 1">
             <a:extLst>
               <a:ext uri="{FF2B5EF4-FFF2-40B4-BE49-F238E27FC236}">
-                <a16:creationId xmlns:a16="http://schemas.microsoft.com/office/drawing/2014/main" id="{FE1E80F6-78B5-4103-97D2-27AC8EEC51FD}"/>
+                <a16:creationId xmlns:a16="http://schemas.microsoft.com/office/drawing/2014/main" id="{4EA95A4E-B784-4532-8519-727FEC65BA09}"/>
               </a:ext>
             </a:extLst>
           </p:cNvPr>
@@ -6833,17 +6902,41 @@
           <a:p>
             <a:r>
               <a:rPr lang="en-US" dirty="0"/>
-              <a:t>Version 4</a:t>
+              <a:t>K = 8 bit (</a:t>
+            </a:r>
+            <a:r>
+              <a:rPr lang="en-US" dirty="0" err="1"/>
+              <a:t>Cập</a:t>
+            </a:r>
+            <a:r>
+              <a:rPr lang="en-US" dirty="0"/>
+              <a:t> </a:t>
+            </a:r>
+            <a:r>
+              <a:rPr lang="en-US" dirty="0" err="1"/>
+              <a:t>nhật</a:t>
+            </a:r>
+            <a:r>
+              <a:rPr lang="en-US" dirty="0"/>
+              <a:t> </a:t>
+            </a:r>
+            <a:r>
+              <a:rPr lang="en-US" dirty="0" err="1"/>
+              <a:t>với</a:t>
+            </a:r>
+            <a:r>
+              <a:rPr lang="en-US" dirty="0"/>
+              <a:t> n = 2^20)</a:t>
             </a:r>
           </a:p>
         </p:txBody>
       </p:sp>
       <p:pic>
         <p:nvPicPr>
-          <p:cNvPr id="5" name="Chỗ dành sẵn cho Nội dung 4" descr="Ảnh có chứa ảnh chụp màn hình, màn hình, máy tính, đang ngồi&#10;&#10;Mô tả được tạo tự động">
+          <p:cNvPr id="7" name="Chỗ dành sẵn cho Nội dung 6" descr="Ảnh có chứa ảnh chụp màn hình, máy tính&#10;&#10;Mô tả được tạo tự động">
             <a:extLst>
               <a:ext uri="{FF2B5EF4-FFF2-40B4-BE49-F238E27FC236}">
-                <a16:creationId xmlns:a16="http://schemas.microsoft.com/office/drawing/2014/main" id="{832CF071-4E6C-4B5F-98A6-24DE9E2210FC}"/>
+                <a16:creationId xmlns:a16="http://schemas.microsoft.com/office/drawing/2014/main" id="{F66D8B56-F4FE-4C3B-B81C-DD3A99FE8E0D}"/>
               </a:ext>
             </a:extLst>
           </p:cNvPr>
@@ -6868,15 +6961,15 @@
         </p:blipFill>
         <p:spPr>
           <a:xfrm>
-            <a:off x="1926318" y="2160588"/>
-            <a:ext cx="6099401" cy="3881437"/>
+            <a:off x="1874629" y="2160588"/>
+            <a:ext cx="6202780" cy="3881437"/>
           </a:xfrm>
         </p:spPr>
       </p:pic>
     </p:spTree>
     <p:extLst>
       <p:ext uri="{BB962C8B-B14F-4D97-AF65-F5344CB8AC3E}">
-        <p14:creationId xmlns:p14="http://schemas.microsoft.com/office/powerpoint/2010/main" val="548051076"/>
+        <p14:creationId xmlns:p14="http://schemas.microsoft.com/office/powerpoint/2010/main" val="3735987154"/>
       </p:ext>
     </p:extLst>
   </p:cSld>
@@ -6908,7 +7001,7 @@
           <p:cNvPr id="2" name="Tiêu đề 1">
             <a:extLst>
               <a:ext uri="{FF2B5EF4-FFF2-40B4-BE49-F238E27FC236}">
-                <a16:creationId xmlns:a16="http://schemas.microsoft.com/office/drawing/2014/main" id="{123BF63C-62F5-4708-8820-CA3B29FB1CD8}"/>
+                <a16:creationId xmlns:a16="http://schemas.microsoft.com/office/drawing/2014/main" id="{7DDF6C9F-1CD3-4DA8-85E0-FB95A0D6C2CE}"/>
               </a:ext>
             </a:extLst>
           </p:cNvPr>
@@ -6926,11 +7019,11 @@
           <a:p>
             <a:r>
               <a:rPr lang="en-US" dirty="0"/>
-              <a:t>I. BASELINE (</a:t>
+              <a:t>Baseline (</a:t>
             </a:r>
             <a:r>
               <a:rPr lang="en-US" dirty="0" err="1"/>
-              <a:t>Thời</a:t>
+              <a:t>Cập</a:t>
             </a:r>
             <a:r>
               <a:rPr lang="en-US" dirty="0"/>
@@ -6938,62 +7031,21 @@
             </a:r>
             <a:r>
               <a:rPr lang="en-US" dirty="0" err="1"/>
-              <a:t>gian</a:t>
-            </a:r>
-            <a:r>
-              <a:rPr lang="en-US" dirty="0"/>
-              <a:t> </a:t>
-            </a:r>
-            <a:r>
-              <a:rPr lang="en-US" dirty="0" err="1"/>
-              <a:t>trung</a:t>
-            </a:r>
-            <a:r>
-              <a:rPr lang="en-US" dirty="0"/>
-              <a:t> </a:t>
-            </a:r>
-            <a:r>
-              <a:rPr lang="en-US" dirty="0" err="1"/>
-              <a:t>bình</a:t>
-            </a:r>
-            <a:r>
-              <a:rPr lang="en-US" dirty="0"/>
-              <a:t> </a:t>
-            </a:r>
-            <a:r>
-              <a:rPr lang="en-US" dirty="0" err="1"/>
-              <a:t>trong</a:t>
-            </a:r>
-            <a:r>
-              <a:rPr lang="en-US" dirty="0"/>
-              <a:t> 5 </a:t>
-            </a:r>
-            <a:r>
-              <a:rPr lang="en-US" dirty="0" err="1"/>
-              <a:t>lần</a:t>
-            </a:r>
-            <a:r>
-              <a:rPr lang="en-US" dirty="0"/>
-              <a:t> </a:t>
-            </a:r>
-            <a:r>
-              <a:rPr lang="en-US" dirty="0" err="1"/>
-              <a:t>chạy</a:t>
-            </a:r>
-            <a:r>
-              <a:rPr lang="en-US"/>
-              <a:t>)</a:t>
-            </a:r>
-            <a:endParaRPr lang="en-US" dirty="0"/>
+              <a:t>nhật</a:t>
+            </a:r>
+            <a:r>
+              <a:rPr lang="en-US" dirty="0"/>
+              <a:t> n = 2^20)</a:t>
+            </a:r>
           </a:p>
         </p:txBody>
       </p:sp>
       <p:graphicFrame>
         <p:nvGraphicFramePr>
-          <p:cNvPr id="6" name="Bảng 6">
+          <p:cNvPr id="4" name="Bảng 4">
             <a:extLst>
               <a:ext uri="{FF2B5EF4-FFF2-40B4-BE49-F238E27FC236}">
-                <a16:creationId xmlns:a16="http://schemas.microsoft.com/office/drawing/2014/main" id="{70DC2AAB-680A-41A0-9450-04FB68451545}"/>
+                <a16:creationId xmlns:a16="http://schemas.microsoft.com/office/drawing/2014/main" id="{846EB262-9F82-493B-B18E-7F1CD6C708EF}"/>
               </a:ext>
             </a:extLst>
           </p:cNvPr>
@@ -7004,14 +7056,14 @@
             <p:ph idx="1"/>
             <p:extLst>
               <p:ext uri="{D42A27DB-BD31-4B8C-83A1-F6EECF244321}">
-                <p14:modId xmlns:p14="http://schemas.microsoft.com/office/powerpoint/2010/main" val="1688868492"/>
+                <p14:modId xmlns:p14="http://schemas.microsoft.com/office/powerpoint/2010/main" val="3082159705"/>
               </p:ext>
             </p:extLst>
           </p:nvPr>
         </p:nvGraphicFramePr>
         <p:xfrm>
           <a:off x="677863" y="2160588"/>
-          <a:ext cx="8596311" cy="1854200"/>
+          <a:ext cx="8596311" cy="1483360"/>
         </p:xfrm>
         <a:graphic>
           <a:graphicData uri="http://schemas.openxmlformats.org/drawingml/2006/table">
@@ -7023,21 +7075,21 @@
                 <a:gridCol w="2865437">
                   <a:extLst>
                     <a:ext uri="{9D8B030D-6E8A-4147-A177-3AD203B41FA5}">
-                      <a16:colId xmlns:a16="http://schemas.microsoft.com/office/drawing/2014/main" val="1921525582"/>
+                      <a16:colId xmlns:a16="http://schemas.microsoft.com/office/drawing/2014/main" val="1374267997"/>
                     </a:ext>
                   </a:extLst>
                 </a:gridCol>
                 <a:gridCol w="2865437">
                   <a:extLst>
                     <a:ext uri="{9D8B030D-6E8A-4147-A177-3AD203B41FA5}">
-                      <a16:colId xmlns:a16="http://schemas.microsoft.com/office/drawing/2014/main" val="3369987775"/>
+                      <a16:colId xmlns:a16="http://schemas.microsoft.com/office/drawing/2014/main" val="3412595480"/>
                     </a:ext>
                   </a:extLst>
                 </a:gridCol>
                 <a:gridCol w="2865437">
                   <a:extLst>
                     <a:ext uri="{9D8B030D-6E8A-4147-A177-3AD203B41FA5}">
-                      <a16:colId xmlns:a16="http://schemas.microsoft.com/office/drawing/2014/main" val="2724517818"/>
+                      <a16:colId xmlns:a16="http://schemas.microsoft.com/office/drawing/2014/main" val="1056271814"/>
                     </a:ext>
                   </a:extLst>
                 </a:gridCol>
@@ -7050,7 +7102,7 @@
                     <a:p>
                       <a:r>
                         <a:rPr lang="en-US" dirty="0"/>
-                        <a:t>N = 2^14</a:t>
+                        <a:t>N = 2^20</a:t>
                       </a:r>
                     </a:p>
                   </a:txBody>
@@ -7063,15 +7115,7 @@
                     <a:p>
                       <a:r>
                         <a:rPr lang="en-US" dirty="0"/>
-                        <a:t>Code (</a:t>
-                      </a:r>
-                      <a:r>
-                        <a:rPr lang="en-US" dirty="0" err="1"/>
-                        <a:t>ms</a:t>
-                      </a:r>
-                      <a:r>
-                        <a:rPr lang="en-US" dirty="0"/>
-                        <a:t>)</a:t>
+                        <a:t>Code</a:t>
                       </a:r>
                     </a:p>
                   </a:txBody>
@@ -7084,15 +7128,7 @@
                     <a:p>
                       <a:r>
                         <a:rPr lang="en-US" dirty="0"/>
-                        <a:t>Thrust (</a:t>
-                      </a:r>
-                      <a:r>
-                        <a:rPr lang="en-US" dirty="0" err="1"/>
-                        <a:t>ms</a:t>
-                      </a:r>
-                      <a:r>
-                        <a:rPr lang="en-US" dirty="0"/>
-                        <a:t>)</a:t>
+                        <a:t>Thrust</a:t>
                       </a:r>
                     </a:p>
                   </a:txBody>
@@ -7100,7 +7136,7 @@
                 </a:tc>
                 <a:extLst>
                   <a:ext uri="{0D108BD9-81ED-4DB2-BD59-A6C34878D82A}">
-                    <a16:rowId xmlns:a16="http://schemas.microsoft.com/office/drawing/2014/main" val="2529638338"/>
+                    <a16:rowId xmlns:a16="http://schemas.microsoft.com/office/drawing/2014/main" val="4075653443"/>
                   </a:ext>
                 </a:extLst>
               </a:tr>
@@ -7137,7 +7173,7 @@
                     <a:p>
                       <a:r>
                         <a:rPr lang="en-US" dirty="0"/>
-                        <a:t>2.394</a:t>
+                        <a:t>145.1666</a:t>
                       </a:r>
                     </a:p>
                   </a:txBody>
@@ -7167,7 +7203,7 @@
                       </a:pPr>
                       <a:r>
                         <a:rPr lang="en-US" dirty="0"/>
-                        <a:t>2.1956</a:t>
+                        <a:t>7.222</a:t>
                       </a:r>
                     </a:p>
                   </a:txBody>
@@ -7175,7 +7211,7 @@
                 </a:tc>
                 <a:extLst>
                   <a:ext uri="{0D108BD9-81ED-4DB2-BD59-A6C34878D82A}">
-                    <a16:rowId xmlns:a16="http://schemas.microsoft.com/office/drawing/2014/main" val="3614249225"/>
+                    <a16:rowId xmlns:a16="http://schemas.microsoft.com/office/drawing/2014/main" val="31339875"/>
                   </a:ext>
                 </a:extLst>
               </a:tr>
@@ -7191,19 +7227,11 @@
                       </a:r>
                       <a:r>
                         <a:rPr lang="en-US" dirty="0" err="1"/>
-                        <a:t>song</a:t>
+                        <a:t>Song</a:t>
                       </a:r>
                       <a:r>
                         <a:rPr lang="en-US" dirty="0"/>
-                        <a:t> hist </a:t>
-                      </a:r>
-                      <a:r>
-                        <a:rPr lang="en-US" dirty="0" err="1"/>
-                        <a:t>va</a:t>
-                      </a:r>
-                      <a:r>
-                        <a:rPr lang="en-US" dirty="0"/>
-                        <a:t>̀ scan</a:t>
+                        <a:t> Hist</a:t>
                       </a:r>
                     </a:p>
                   </a:txBody>
@@ -7216,7 +7244,7 @@
                     <a:p>
                       <a:r>
                         <a:rPr lang="en-US" dirty="0"/>
-                        <a:t>2.8978</a:t>
+                        <a:t>97.3824</a:t>
                       </a:r>
                     </a:p>
                   </a:txBody>
@@ -7246,7 +7274,7 @@
                       </a:pPr>
                       <a:r>
                         <a:rPr lang="en-US" dirty="0"/>
-                        <a:t>2.1956</a:t>
+                        <a:t>7.222</a:t>
                       </a:r>
                     </a:p>
                   </a:txBody>
@@ -7254,61 +7282,7 @@
                 </a:tc>
                 <a:extLst>
                   <a:ext uri="{0D108BD9-81ED-4DB2-BD59-A6C34878D82A}">
-                    <a16:rowId xmlns:a16="http://schemas.microsoft.com/office/drawing/2014/main" val="1102499386"/>
-                  </a:ext>
-                </a:extLst>
-              </a:tr>
-              <a:tr h="370840">
-                <a:tc>
-                  <a:txBody>
-                    <a:bodyPr/>
-                    <a:lstStyle/>
-                    <a:p>
-                      <a:r>
-                        <a:rPr lang="en-US" dirty="0"/>
-                        <a:t>Song </a:t>
-                      </a:r>
-                      <a:r>
-                        <a:rPr lang="en-US" dirty="0" err="1"/>
-                        <a:t>song</a:t>
-                      </a:r>
-                      <a:r>
-                        <a:rPr lang="en-US" dirty="0"/>
-                        <a:t> 1 bit (n =512)</a:t>
-                      </a:r>
-                    </a:p>
-                  </a:txBody>
-                  <a:tcPr/>
-                </a:tc>
-                <a:tc>
-                  <a:txBody>
-                    <a:bodyPr/>
-                    <a:lstStyle/>
-                    <a:p>
-                      <a:r>
-                        <a:rPr lang="en-US" dirty="0"/>
-                        <a:t>1.5086</a:t>
-                      </a:r>
-                    </a:p>
-                  </a:txBody>
-                  <a:tcPr/>
-                </a:tc>
-                <a:tc>
-                  <a:txBody>
-                    <a:bodyPr/>
-                    <a:lstStyle/>
-                    <a:p>
-                      <a:r>
-                        <a:rPr lang="en-US" dirty="0"/>
-                        <a:t>0.2378</a:t>
-                      </a:r>
-                    </a:p>
-                  </a:txBody>
-                  <a:tcPr/>
-                </a:tc>
-                <a:extLst>
-                  <a:ext uri="{0D108BD9-81ED-4DB2-BD59-A6C34878D82A}">
-                    <a16:rowId xmlns:a16="http://schemas.microsoft.com/office/drawing/2014/main" val="3734940770"/>
+                    <a16:rowId xmlns:a16="http://schemas.microsoft.com/office/drawing/2014/main" val="3853687629"/>
                   </a:ext>
                 </a:extLst>
               </a:tr>
@@ -7324,7 +7298,7 @@
                       </a:r>
                       <a:r>
                         <a:rPr lang="en-US" dirty="0" err="1"/>
-                        <a:t>tuần</a:t>
+                        <a:t>Tuần</a:t>
                       </a:r>
                       <a:r>
                         <a:rPr lang="en-US" dirty="0"/>
@@ -7332,7 +7306,7 @@
                       </a:r>
                       <a:r>
                         <a:rPr lang="en-US" dirty="0" err="1"/>
-                        <a:t>tư</a:t>
+                        <a:t>Tư</a:t>
                       </a:r>
                       <a:r>
                         <a:rPr lang="en-US" dirty="0"/>
@@ -7349,7 +7323,7 @@
                     <a:p>
                       <a:r>
                         <a:rPr lang="en-US" dirty="0"/>
-                        <a:t>355.004</a:t>
+                        <a:t>15731.52</a:t>
                       </a:r>
                     </a:p>
                   </a:txBody>
@@ -7379,7 +7353,7 @@
                       </a:pPr>
                       <a:r>
                         <a:rPr lang="en-US" dirty="0"/>
-                        <a:t>2.1956</a:t>
+                        <a:t>7.222</a:t>
                       </a:r>
                     </a:p>
                   </a:txBody>
@@ -7387,7 +7361,7 @@
                 </a:tc>
                 <a:extLst>
                   <a:ext uri="{0D108BD9-81ED-4DB2-BD59-A6C34878D82A}">
-                    <a16:rowId xmlns:a16="http://schemas.microsoft.com/office/drawing/2014/main" val="1493904260"/>
+                    <a16:rowId xmlns:a16="http://schemas.microsoft.com/office/drawing/2014/main" val="374053514"/>
                   </a:ext>
                 </a:extLst>
               </a:tr>
@@ -7398,7 +7372,7 @@
     </p:spTree>
     <p:extLst>
       <p:ext uri="{BB962C8B-B14F-4D97-AF65-F5344CB8AC3E}">
-        <p14:creationId xmlns:p14="http://schemas.microsoft.com/office/powerpoint/2010/main" val="926060003"/>
+        <p14:creationId xmlns:p14="http://schemas.microsoft.com/office/powerpoint/2010/main" val="3135266377"/>
       </p:ext>
     </p:extLst>
   </p:cSld>
@@ -7430,7 +7404,7 @@
           <p:cNvPr id="2" name="Tiêu đề 1">
             <a:extLst>
               <a:ext uri="{FF2B5EF4-FFF2-40B4-BE49-F238E27FC236}">
-                <a16:creationId xmlns:a16="http://schemas.microsoft.com/office/drawing/2014/main" id="{2E966870-4CEC-4BEB-AD1E-F3D78639CE81}"/>
+                <a16:creationId xmlns:a16="http://schemas.microsoft.com/office/drawing/2014/main" id="{4173C9B0-5F00-4C9F-B416-3EAC6C965843}"/>
               </a:ext>
             </a:extLst>
           </p:cNvPr>
@@ -7446,16 +7420,43 @@
           <a:bodyPr/>
           <a:lstStyle/>
           <a:p>
-            <a:endParaRPr lang="en-US"/>
+            <a:r>
+              <a:rPr lang="en-US" dirty="0"/>
+              <a:t>K = 2 bit (</a:t>
+            </a:r>
+            <a:r>
+              <a:rPr lang="en-US" dirty="0" err="1"/>
+              <a:t>Cập</a:t>
+            </a:r>
+            <a:r>
+              <a:rPr lang="en-US" dirty="0"/>
+              <a:t> </a:t>
+            </a:r>
+            <a:r>
+              <a:rPr lang="en-US" dirty="0" err="1"/>
+              <a:t>nhật</a:t>
+            </a:r>
+            <a:r>
+              <a:rPr lang="en-US" dirty="0"/>
+              <a:t> </a:t>
+            </a:r>
+            <a:r>
+              <a:rPr lang="en-US" dirty="0" err="1"/>
+              <a:t>với</a:t>
+            </a:r>
+            <a:r>
+              <a:rPr lang="en-US" dirty="0"/>
+              <a:t> n = 2^20)</a:t>
+            </a:r>
           </a:p>
         </p:txBody>
       </p:sp>
       <p:pic>
         <p:nvPicPr>
-          <p:cNvPr id="5" name="Chỗ dành sẵn cho Nội dung 4" descr="Ảnh có chứa ảnh chụp màn hình, màn hình, đang ngồi, máy tính&#10;&#10;Mô tả được tạo tự động">
+          <p:cNvPr id="7" name="Chỗ dành sẵn cho Nội dung 6" descr="Ảnh có chứa ảnh chụp màn hình, máy tính&#10;&#10;Mô tả được tạo tự động">
             <a:extLst>
               <a:ext uri="{FF2B5EF4-FFF2-40B4-BE49-F238E27FC236}">
-                <a16:creationId xmlns:a16="http://schemas.microsoft.com/office/drawing/2014/main" id="{EE33CBDB-119E-497D-8612-316160255797}"/>
+                <a16:creationId xmlns:a16="http://schemas.microsoft.com/office/drawing/2014/main" id="{E68BE963-A1E0-4DC9-8125-107CA6BEF705}"/>
               </a:ext>
             </a:extLst>
           </p:cNvPr>
@@ -7480,15 +7481,15 @@
         </p:blipFill>
         <p:spPr>
           <a:xfrm>
-            <a:off x="1921697" y="2160588"/>
-            <a:ext cx="6108643" cy="3881437"/>
+            <a:off x="1901660" y="2160588"/>
+            <a:ext cx="6148718" cy="3881437"/>
           </a:xfrm>
         </p:spPr>
       </p:pic>
     </p:spTree>
     <p:extLst>
       <p:ext uri="{BB962C8B-B14F-4D97-AF65-F5344CB8AC3E}">
-        <p14:creationId xmlns:p14="http://schemas.microsoft.com/office/powerpoint/2010/main" val="664094880"/>
+        <p14:creationId xmlns:p14="http://schemas.microsoft.com/office/powerpoint/2010/main" val="1912260976"/>
       </p:ext>
     </p:extLst>
   </p:cSld>
@@ -7520,7 +7521,7 @@
           <p:cNvPr id="2" name="Tiêu đề 1">
             <a:extLst>
               <a:ext uri="{FF2B5EF4-FFF2-40B4-BE49-F238E27FC236}">
-                <a16:creationId xmlns:a16="http://schemas.microsoft.com/office/drawing/2014/main" id="{F2A42985-80D1-40D3-BDA0-D3E25642DD2F}"/>
+                <a16:creationId xmlns:a16="http://schemas.microsoft.com/office/drawing/2014/main" id="{F7F14548-8B9E-46E1-AAEF-1C24730A6707}"/>
               </a:ext>
             </a:extLst>
           </p:cNvPr>
@@ -7536,16 +7537,43 @@
           <a:bodyPr/>
           <a:lstStyle/>
           <a:p>
-            <a:endParaRPr lang="en-US"/>
+            <a:r>
+              <a:rPr lang="en-US" dirty="0"/>
+              <a:t>Block Size = 256 (</a:t>
+            </a:r>
+            <a:r>
+              <a:rPr lang="en-US" dirty="0" err="1"/>
+              <a:t>Cập</a:t>
+            </a:r>
+            <a:r>
+              <a:rPr lang="en-US" dirty="0"/>
+              <a:t> </a:t>
+            </a:r>
+            <a:r>
+              <a:rPr lang="en-US" dirty="0" err="1"/>
+              <a:t>nhật</a:t>
+            </a:r>
+            <a:r>
+              <a:rPr lang="en-US" dirty="0"/>
+              <a:t> </a:t>
+            </a:r>
+            <a:r>
+              <a:rPr lang="en-US" dirty="0" err="1"/>
+              <a:t>với</a:t>
+            </a:r>
+            <a:r>
+              <a:rPr lang="en-US" dirty="0"/>
+              <a:t> n = 2^20)</a:t>
+            </a:r>
           </a:p>
         </p:txBody>
       </p:sp>
       <p:pic>
         <p:nvPicPr>
-          <p:cNvPr id="5" name="Chỗ dành sẵn cho Nội dung 4" descr="Ảnh có chứa ảnh chụp màn hình, màn hình, đang ngồi, máy tính xách tay&#10;&#10;Mô tả được tạo tự động">
+          <p:cNvPr id="7" name="Chỗ dành sẵn cho Nội dung 6" descr="Ảnh có chứa ảnh chụp màn hình, máy tính, màn hình, đang ngồi&#10;&#10;Mô tả được tạo tự động">
             <a:extLst>
               <a:ext uri="{FF2B5EF4-FFF2-40B4-BE49-F238E27FC236}">
-                <a16:creationId xmlns:a16="http://schemas.microsoft.com/office/drawing/2014/main" id="{2B4A5E70-3DD8-4B21-ACB7-4AC1B8EB8FE2}"/>
+                <a16:creationId xmlns:a16="http://schemas.microsoft.com/office/drawing/2014/main" id="{DA543E38-9E4D-47CD-8322-A9AF511DDD92}"/>
               </a:ext>
             </a:extLst>
           </p:cNvPr>
@@ -7570,15 +7598,15 @@
         </p:blipFill>
         <p:spPr>
           <a:xfrm>
-            <a:off x="1917077" y="2160588"/>
-            <a:ext cx="6117884" cy="3881437"/>
+            <a:off x="1897798" y="2160588"/>
+            <a:ext cx="6156441" cy="3881437"/>
           </a:xfrm>
         </p:spPr>
       </p:pic>
     </p:spTree>
     <p:extLst>
       <p:ext uri="{BB962C8B-B14F-4D97-AF65-F5344CB8AC3E}">
-        <p14:creationId xmlns:p14="http://schemas.microsoft.com/office/powerpoint/2010/main" val="1957076526"/>
+        <p14:creationId xmlns:p14="http://schemas.microsoft.com/office/powerpoint/2010/main" val="1105771727"/>
       </p:ext>
     </p:extLst>
   </p:cSld>
@@ -7610,7 +7638,7 @@
           <p:cNvPr id="2" name="Tiêu đề 1">
             <a:extLst>
               <a:ext uri="{FF2B5EF4-FFF2-40B4-BE49-F238E27FC236}">
-                <a16:creationId xmlns:a16="http://schemas.microsoft.com/office/drawing/2014/main" id="{3D9D9E5C-C7F7-44C9-AF2D-7FE08AD0973E}"/>
+                <a16:creationId xmlns:a16="http://schemas.microsoft.com/office/drawing/2014/main" id="{E93749AC-17E8-498A-B6E1-AEA092043921}"/>
               </a:ext>
             </a:extLst>
           </p:cNvPr>
@@ -7628,17 +7656,41 @@
           <a:p>
             <a:r>
               <a:rPr lang="en-US" dirty="0"/>
-              <a:t>Version 5</a:t>
+              <a:t>Block Size = 1024 (</a:t>
+            </a:r>
+            <a:r>
+              <a:rPr lang="en-US" dirty="0" err="1"/>
+              <a:t>Cập</a:t>
+            </a:r>
+            <a:r>
+              <a:rPr lang="en-US" dirty="0"/>
+              <a:t> </a:t>
+            </a:r>
+            <a:r>
+              <a:rPr lang="en-US" dirty="0" err="1"/>
+              <a:t>nhật</a:t>
+            </a:r>
+            <a:r>
+              <a:rPr lang="en-US" dirty="0"/>
+              <a:t> </a:t>
+            </a:r>
+            <a:r>
+              <a:rPr lang="en-US" dirty="0" err="1"/>
+              <a:t>với</a:t>
+            </a:r>
+            <a:r>
+              <a:rPr lang="en-US" dirty="0"/>
+              <a:t> n = 2^20)</a:t>
             </a:r>
           </a:p>
         </p:txBody>
       </p:sp>
       <p:pic>
         <p:nvPicPr>
-          <p:cNvPr id="5" name="Chỗ dành sẵn cho Nội dung 4" descr="Ảnh có chứa ảnh chụp màn hình, máy tính&#10;&#10;Mô tả được tạo tự động">
+          <p:cNvPr id="7" name="Chỗ dành sẵn cho Nội dung 6" descr="Ảnh có chứa ảnh chụp màn hình, màn hình, máy tính, bàn&#10;&#10;Mô tả được tạo tự động">
             <a:extLst>
               <a:ext uri="{FF2B5EF4-FFF2-40B4-BE49-F238E27FC236}">
-                <a16:creationId xmlns:a16="http://schemas.microsoft.com/office/drawing/2014/main" id="{FBFAC811-7E62-46C8-A77E-739C7B5696CE}"/>
+                <a16:creationId xmlns:a16="http://schemas.microsoft.com/office/drawing/2014/main" id="{C074E319-E08C-4766-923C-A5BA087810B2}"/>
               </a:ext>
             </a:extLst>
           </p:cNvPr>
@@ -7663,1127 +7715,8 @@
         </p:blipFill>
         <p:spPr>
           <a:xfrm>
-            <a:off x="1909032" y="2160588"/>
-            <a:ext cx="6133974" cy="3881437"/>
-          </a:xfrm>
-        </p:spPr>
-      </p:pic>
-    </p:spTree>
-    <p:extLst>
-      <p:ext uri="{BB962C8B-B14F-4D97-AF65-F5344CB8AC3E}">
-        <p14:creationId xmlns:p14="http://schemas.microsoft.com/office/powerpoint/2010/main" val="3485606682"/>
-      </p:ext>
-    </p:extLst>
-  </p:cSld>
-  <p:clrMapOvr>
-    <a:masterClrMapping/>
-  </p:clrMapOvr>
-</p:sld>
-</file>
-
-<file path=ppt/slides/slide23.xml><?xml version="1.0" encoding="utf-8"?>
-<p:sld xmlns:a="http://schemas.openxmlformats.org/drawingml/2006/main" xmlns:r="http://schemas.openxmlformats.org/officeDocument/2006/relationships" xmlns:p="http://schemas.openxmlformats.org/presentationml/2006/main">
-  <p:cSld>
-    <p:spTree>
-      <p:nvGrpSpPr>
-        <p:cNvPr id="1" name=""/>
-        <p:cNvGrpSpPr/>
-        <p:nvPr/>
-      </p:nvGrpSpPr>
-      <p:grpSpPr>
-        <a:xfrm>
-          <a:off x="0" y="0"/>
-          <a:ext cx="0" cy="0"/>
-          <a:chOff x="0" y="0"/>
-          <a:chExt cx="0" cy="0"/>
-        </a:xfrm>
-      </p:grpSpPr>
-      <p:sp>
-        <p:nvSpPr>
-          <p:cNvPr id="2" name="Tiêu đề 1">
-            <a:extLst>
-              <a:ext uri="{FF2B5EF4-FFF2-40B4-BE49-F238E27FC236}">
-                <a16:creationId xmlns:a16="http://schemas.microsoft.com/office/drawing/2014/main" id="{78E2D613-68B4-4F9E-AAE1-37933DE37E04}"/>
-              </a:ext>
-            </a:extLst>
-          </p:cNvPr>
-          <p:cNvSpPr>
-            <a:spLocks noGrp="1"/>
-          </p:cNvSpPr>
-          <p:nvPr>
-            <p:ph type="title"/>
-          </p:nvPr>
-        </p:nvSpPr>
-        <p:spPr/>
-        <p:txBody>
-          <a:bodyPr/>
-          <a:lstStyle/>
-          <a:p>
-            <a:endParaRPr lang="en-US"/>
-          </a:p>
-        </p:txBody>
-      </p:sp>
-      <p:pic>
-        <p:nvPicPr>
-          <p:cNvPr id="5" name="Chỗ dành sẵn cho Nội dung 4" descr="Ảnh có chứa ảnh chụp màn hình, màn hình, máy tính&#10;&#10;Mô tả được tạo tự động">
-            <a:extLst>
-              <a:ext uri="{FF2B5EF4-FFF2-40B4-BE49-F238E27FC236}">
-                <a16:creationId xmlns:a16="http://schemas.microsoft.com/office/drawing/2014/main" id="{4648B904-1F4E-4F93-A8C0-B84E8E2EE570}"/>
-              </a:ext>
-            </a:extLst>
-          </p:cNvPr>
-          <p:cNvPicPr>
-            <a:picLocks noGrp="1" noChangeAspect="1"/>
-          </p:cNvPicPr>
-          <p:nvPr>
-            <p:ph idx="1"/>
-          </p:nvPr>
-        </p:nvPicPr>
-        <p:blipFill>
-          <a:blip r:embed="rId2">
-            <a:extLst>
-              <a:ext uri="{28A0092B-C50C-407E-A947-70E740481C1C}">
-                <a14:useLocalDpi xmlns:a14="http://schemas.microsoft.com/office/drawing/2010/main" val="0"/>
-              </a:ext>
-            </a:extLst>
-          </a:blip>
-          <a:stretch>
-            <a:fillRect/>
-          </a:stretch>
-        </p:blipFill>
-        <p:spPr>
-          <a:xfrm>
-            <a:off x="1916370" y="2160588"/>
-            <a:ext cx="6119298" cy="3881437"/>
-          </a:xfrm>
-        </p:spPr>
-      </p:pic>
-    </p:spTree>
-    <p:extLst>
-      <p:ext uri="{BB962C8B-B14F-4D97-AF65-F5344CB8AC3E}">
-        <p14:creationId xmlns:p14="http://schemas.microsoft.com/office/powerpoint/2010/main" val="1070348511"/>
-      </p:ext>
-    </p:extLst>
-  </p:cSld>
-  <p:clrMapOvr>
-    <a:masterClrMapping/>
-  </p:clrMapOvr>
-</p:sld>
-</file>
-
-<file path=ppt/slides/slide24.xml><?xml version="1.0" encoding="utf-8"?>
-<p:sld xmlns:a="http://schemas.openxmlformats.org/drawingml/2006/main" xmlns:r="http://schemas.openxmlformats.org/officeDocument/2006/relationships" xmlns:p="http://schemas.openxmlformats.org/presentationml/2006/main">
-  <p:cSld>
-    <p:spTree>
-      <p:nvGrpSpPr>
-        <p:cNvPr id="1" name=""/>
-        <p:cNvGrpSpPr/>
-        <p:nvPr/>
-      </p:nvGrpSpPr>
-      <p:grpSpPr>
-        <a:xfrm>
-          <a:off x="0" y="0"/>
-          <a:ext cx="0" cy="0"/>
-          <a:chOff x="0" y="0"/>
-          <a:chExt cx="0" cy="0"/>
-        </a:xfrm>
-      </p:grpSpPr>
-      <p:sp>
-        <p:nvSpPr>
-          <p:cNvPr id="2" name="Tiêu đề 1">
-            <a:extLst>
-              <a:ext uri="{FF2B5EF4-FFF2-40B4-BE49-F238E27FC236}">
-                <a16:creationId xmlns:a16="http://schemas.microsoft.com/office/drawing/2014/main" id="{B68CD3AC-D268-41DE-A0D1-C33C88A314B7}"/>
-              </a:ext>
-            </a:extLst>
-          </p:cNvPr>
-          <p:cNvSpPr>
-            <a:spLocks noGrp="1"/>
-          </p:cNvSpPr>
-          <p:nvPr>
-            <p:ph type="title"/>
-          </p:nvPr>
-        </p:nvSpPr>
-        <p:spPr/>
-        <p:txBody>
-          <a:bodyPr/>
-          <a:lstStyle/>
-          <a:p>
-            <a:endParaRPr lang="en-US"/>
-          </a:p>
-        </p:txBody>
-      </p:sp>
-      <p:pic>
-        <p:nvPicPr>
-          <p:cNvPr id="5" name="Chỗ dành sẵn cho Nội dung 4" descr="Ảnh có chứa ảnh chụp màn hình, màn hình, máy tính xách tay, máy tính&#10;&#10;Mô tả được tạo tự động">
-            <a:extLst>
-              <a:ext uri="{FF2B5EF4-FFF2-40B4-BE49-F238E27FC236}">
-                <a16:creationId xmlns:a16="http://schemas.microsoft.com/office/drawing/2014/main" id="{76D93489-DA6F-42CE-BB3B-A15AF0EFD996}"/>
-              </a:ext>
-            </a:extLst>
-          </p:cNvPr>
-          <p:cNvPicPr>
-            <a:picLocks noGrp="1" noChangeAspect="1"/>
-          </p:cNvPicPr>
-          <p:nvPr>
-            <p:ph idx="1"/>
-          </p:nvPr>
-        </p:nvPicPr>
-        <p:blipFill>
-          <a:blip r:embed="rId2">
-            <a:extLst>
-              <a:ext uri="{28A0092B-C50C-407E-A947-70E740481C1C}">
-                <a14:useLocalDpi xmlns:a14="http://schemas.microsoft.com/office/drawing/2010/main" val="0"/>
-              </a:ext>
-            </a:extLst>
-          </a:blip>
-          <a:stretch>
-            <a:fillRect/>
-          </a:stretch>
-        </p:blipFill>
-        <p:spPr>
-          <a:xfrm>
-            <a:off x="1917077" y="2160588"/>
-            <a:ext cx="6117884" cy="3881437"/>
-          </a:xfrm>
-        </p:spPr>
-      </p:pic>
-    </p:spTree>
-    <p:extLst>
-      <p:ext uri="{BB962C8B-B14F-4D97-AF65-F5344CB8AC3E}">
-        <p14:creationId xmlns:p14="http://schemas.microsoft.com/office/powerpoint/2010/main" val="3379142297"/>
-      </p:ext>
-    </p:extLst>
-  </p:cSld>
-  <p:clrMapOvr>
-    <a:masterClrMapping/>
-  </p:clrMapOvr>
-</p:sld>
-</file>
-
-<file path=ppt/slides/slide25.xml><?xml version="1.0" encoding="utf-8"?>
-<p:sld xmlns:a="http://schemas.openxmlformats.org/drawingml/2006/main" xmlns:r="http://schemas.openxmlformats.org/officeDocument/2006/relationships" xmlns:p="http://schemas.openxmlformats.org/presentationml/2006/main">
-  <p:cSld>
-    <p:spTree>
-      <p:nvGrpSpPr>
-        <p:cNvPr id="1" name=""/>
-        <p:cNvGrpSpPr/>
-        <p:nvPr/>
-      </p:nvGrpSpPr>
-      <p:grpSpPr>
-        <a:xfrm>
-          <a:off x="0" y="0"/>
-          <a:ext cx="0" cy="0"/>
-          <a:chOff x="0" y="0"/>
-          <a:chExt cx="0" cy="0"/>
-        </a:xfrm>
-      </p:grpSpPr>
-      <p:sp>
-        <p:nvSpPr>
-          <p:cNvPr id="2" name="Tiêu đề 1">
-            <a:extLst>
-              <a:ext uri="{FF2B5EF4-FFF2-40B4-BE49-F238E27FC236}">
-                <a16:creationId xmlns:a16="http://schemas.microsoft.com/office/drawing/2014/main" id="{C482A8F4-1EEC-46F9-B68A-45AD80E1CAC9}"/>
-              </a:ext>
-            </a:extLst>
-          </p:cNvPr>
-          <p:cNvSpPr>
-            <a:spLocks noGrp="1"/>
-          </p:cNvSpPr>
-          <p:nvPr>
-            <p:ph type="title"/>
-          </p:nvPr>
-        </p:nvSpPr>
-        <p:spPr/>
-        <p:txBody>
-          <a:bodyPr/>
-          <a:lstStyle/>
-          <a:p>
-            <a:r>
-              <a:rPr lang="en-US" dirty="0"/>
-              <a:t>Version 6</a:t>
-            </a:r>
-          </a:p>
-        </p:txBody>
-      </p:sp>
-      <p:pic>
-        <p:nvPicPr>
-          <p:cNvPr id="5" name="Chỗ dành sẵn cho Nội dung 4" descr="Ảnh có chứa ảnh chụp màn hình, màn hình&#10;&#10;Mô tả được tạo tự động">
-            <a:extLst>
-              <a:ext uri="{FF2B5EF4-FFF2-40B4-BE49-F238E27FC236}">
-                <a16:creationId xmlns:a16="http://schemas.microsoft.com/office/drawing/2014/main" id="{55A4C516-C941-4C1D-B44D-DD247C1C1621}"/>
-              </a:ext>
-            </a:extLst>
-          </p:cNvPr>
-          <p:cNvPicPr>
-            <a:picLocks noGrp="1" noChangeAspect="1"/>
-          </p:cNvPicPr>
-          <p:nvPr>
-            <p:ph idx="1"/>
-          </p:nvPr>
-        </p:nvPicPr>
-        <p:blipFill>
-          <a:blip r:embed="rId2">
-            <a:extLst>
-              <a:ext uri="{28A0092B-C50C-407E-A947-70E740481C1C}">
-                <a14:useLocalDpi xmlns:a14="http://schemas.microsoft.com/office/drawing/2010/main" val="0"/>
-              </a:ext>
-            </a:extLst>
-          </a:blip>
-          <a:stretch>
-            <a:fillRect/>
-          </a:stretch>
-        </p:blipFill>
-        <p:spPr>
-          <a:xfrm>
-            <a:off x="1901660" y="2160588"/>
-            <a:ext cx="6148718" cy="3881437"/>
-          </a:xfrm>
-        </p:spPr>
-      </p:pic>
-    </p:spTree>
-    <p:extLst>
-      <p:ext uri="{BB962C8B-B14F-4D97-AF65-F5344CB8AC3E}">
-        <p14:creationId xmlns:p14="http://schemas.microsoft.com/office/powerpoint/2010/main" val="754054349"/>
-      </p:ext>
-    </p:extLst>
-  </p:cSld>
-  <p:clrMapOvr>
-    <a:masterClrMapping/>
-  </p:clrMapOvr>
-</p:sld>
-</file>
-
-<file path=ppt/slides/slide26.xml><?xml version="1.0" encoding="utf-8"?>
-<p:sld xmlns:a="http://schemas.openxmlformats.org/drawingml/2006/main" xmlns:r="http://schemas.openxmlformats.org/officeDocument/2006/relationships" xmlns:p="http://schemas.openxmlformats.org/presentationml/2006/main">
-  <p:cSld>
-    <p:spTree>
-      <p:nvGrpSpPr>
-        <p:cNvPr id="1" name=""/>
-        <p:cNvGrpSpPr/>
-        <p:nvPr/>
-      </p:nvGrpSpPr>
-      <p:grpSpPr>
-        <a:xfrm>
-          <a:off x="0" y="0"/>
-          <a:ext cx="0" cy="0"/>
-          <a:chOff x="0" y="0"/>
-          <a:chExt cx="0" cy="0"/>
-        </a:xfrm>
-      </p:grpSpPr>
-      <p:sp>
-        <p:nvSpPr>
-          <p:cNvPr id="2" name="Tiêu đề 1">
-            <a:extLst>
-              <a:ext uri="{FF2B5EF4-FFF2-40B4-BE49-F238E27FC236}">
-                <a16:creationId xmlns:a16="http://schemas.microsoft.com/office/drawing/2014/main" id="{72BFC725-117E-428F-95DC-12AE68DCB9B1}"/>
-              </a:ext>
-            </a:extLst>
-          </p:cNvPr>
-          <p:cNvSpPr>
-            <a:spLocks noGrp="1"/>
-          </p:cNvSpPr>
-          <p:nvPr>
-            <p:ph type="title"/>
-          </p:nvPr>
-        </p:nvSpPr>
-        <p:spPr/>
-        <p:txBody>
-          <a:bodyPr/>
-          <a:lstStyle/>
-          <a:p>
-            <a:endParaRPr lang="en-US"/>
-          </a:p>
-        </p:txBody>
-      </p:sp>
-      <p:pic>
-        <p:nvPicPr>
-          <p:cNvPr id="5" name="Chỗ dành sẵn cho Nội dung 4" descr="Ảnh có chứa màn hình, đang ngồi, đen, bàn&#10;&#10;Mô tả được tạo tự động">
-            <a:extLst>
-              <a:ext uri="{FF2B5EF4-FFF2-40B4-BE49-F238E27FC236}">
-                <a16:creationId xmlns:a16="http://schemas.microsoft.com/office/drawing/2014/main" id="{9337AF60-9ECB-4C0E-AB46-E21009CBCFFC}"/>
-              </a:ext>
-            </a:extLst>
-          </p:cNvPr>
-          <p:cNvPicPr>
-            <a:picLocks noGrp="1" noChangeAspect="1"/>
-          </p:cNvPicPr>
-          <p:nvPr>
-            <p:ph idx="1"/>
-          </p:nvPr>
-        </p:nvPicPr>
-        <p:blipFill>
-          <a:blip r:embed="rId2">
-            <a:extLst>
-              <a:ext uri="{28A0092B-C50C-407E-A947-70E740481C1C}">
-                <a14:useLocalDpi xmlns:a14="http://schemas.microsoft.com/office/drawing/2010/main" val="0"/>
-              </a:ext>
-            </a:extLst>
-          </a:blip>
-          <a:stretch>
-            <a:fillRect/>
-          </a:stretch>
-        </p:blipFill>
-        <p:spPr>
-          <a:xfrm>
-            <a:off x="1916370" y="2160588"/>
-            <a:ext cx="6119298" cy="3881437"/>
-          </a:xfrm>
-        </p:spPr>
-      </p:pic>
-    </p:spTree>
-    <p:extLst>
-      <p:ext uri="{BB962C8B-B14F-4D97-AF65-F5344CB8AC3E}">
-        <p14:creationId xmlns:p14="http://schemas.microsoft.com/office/powerpoint/2010/main" val="3135946505"/>
-      </p:ext>
-    </p:extLst>
-  </p:cSld>
-  <p:clrMapOvr>
-    <a:masterClrMapping/>
-  </p:clrMapOvr>
-</p:sld>
-</file>
-
-<file path=ppt/slides/slide27.xml><?xml version="1.0" encoding="utf-8"?>
-<p:sld xmlns:a="http://schemas.openxmlformats.org/drawingml/2006/main" xmlns:r="http://schemas.openxmlformats.org/officeDocument/2006/relationships" xmlns:p="http://schemas.openxmlformats.org/presentationml/2006/main">
-  <p:cSld>
-    <p:spTree>
-      <p:nvGrpSpPr>
-        <p:cNvPr id="1" name=""/>
-        <p:cNvGrpSpPr/>
-        <p:nvPr/>
-      </p:nvGrpSpPr>
-      <p:grpSpPr>
-        <a:xfrm>
-          <a:off x="0" y="0"/>
-          <a:ext cx="0" cy="0"/>
-          <a:chOff x="0" y="0"/>
-          <a:chExt cx="0" cy="0"/>
-        </a:xfrm>
-      </p:grpSpPr>
-      <p:sp>
-        <p:nvSpPr>
-          <p:cNvPr id="2" name="Tiêu đề 1">
-            <a:extLst>
-              <a:ext uri="{FF2B5EF4-FFF2-40B4-BE49-F238E27FC236}">
-                <a16:creationId xmlns:a16="http://schemas.microsoft.com/office/drawing/2014/main" id="{C15FAD8F-5246-4472-AD6D-A5B7627E6947}"/>
-              </a:ext>
-            </a:extLst>
-          </p:cNvPr>
-          <p:cNvSpPr>
-            <a:spLocks noGrp="1"/>
-          </p:cNvSpPr>
-          <p:nvPr>
-            <p:ph type="title"/>
-          </p:nvPr>
-        </p:nvSpPr>
-        <p:spPr/>
-        <p:txBody>
-          <a:bodyPr/>
-          <a:lstStyle/>
-          <a:p>
-            <a:endParaRPr lang="en-US"/>
-          </a:p>
-        </p:txBody>
-      </p:sp>
-      <p:pic>
-        <p:nvPicPr>
-          <p:cNvPr id="5" name="Chỗ dành sẵn cho Nội dung 4" descr="Ảnh có chứa ảnh chụp màn hình, màn hình, đang ngồi, máy tính&#10;&#10;Mô tả được tạo tự động">
-            <a:extLst>
-              <a:ext uri="{FF2B5EF4-FFF2-40B4-BE49-F238E27FC236}">
-                <a16:creationId xmlns:a16="http://schemas.microsoft.com/office/drawing/2014/main" id="{48A82D5C-A4EA-4262-AC96-1AF21FFB2D0D}"/>
-              </a:ext>
-            </a:extLst>
-          </p:cNvPr>
-          <p:cNvPicPr>
-            <a:picLocks noGrp="1" noChangeAspect="1"/>
-          </p:cNvPicPr>
-          <p:nvPr>
-            <p:ph idx="1"/>
-          </p:nvPr>
-        </p:nvPicPr>
-        <p:blipFill>
-          <a:blip r:embed="rId2">
-            <a:extLst>
-              <a:ext uri="{28A0092B-C50C-407E-A947-70E740481C1C}">
-                <a14:useLocalDpi xmlns:a14="http://schemas.microsoft.com/office/drawing/2010/main" val="0"/>
-              </a:ext>
-            </a:extLst>
-          </a:blip>
-          <a:stretch>
-            <a:fillRect/>
-          </a:stretch>
-        </p:blipFill>
-        <p:spPr>
-          <a:xfrm>
-            <a:off x="1926318" y="2160588"/>
-            <a:ext cx="6099401" cy="3881437"/>
-          </a:xfrm>
-        </p:spPr>
-      </p:pic>
-    </p:spTree>
-    <p:extLst>
-      <p:ext uri="{BB962C8B-B14F-4D97-AF65-F5344CB8AC3E}">
-        <p14:creationId xmlns:p14="http://schemas.microsoft.com/office/powerpoint/2010/main" val="357533564"/>
-      </p:ext>
-    </p:extLst>
-  </p:cSld>
-  <p:clrMapOvr>
-    <a:masterClrMapping/>
-  </p:clrMapOvr>
-</p:sld>
-</file>
-
-<file path=ppt/slides/slide28.xml><?xml version="1.0" encoding="utf-8"?>
-<p:sld xmlns:a="http://schemas.openxmlformats.org/drawingml/2006/main" xmlns:r="http://schemas.openxmlformats.org/officeDocument/2006/relationships" xmlns:p="http://schemas.openxmlformats.org/presentationml/2006/main">
-  <p:cSld>
-    <p:spTree>
-      <p:nvGrpSpPr>
-        <p:cNvPr id="1" name=""/>
-        <p:cNvGrpSpPr/>
-        <p:nvPr/>
-      </p:nvGrpSpPr>
-      <p:grpSpPr>
-        <a:xfrm>
-          <a:off x="0" y="0"/>
-          <a:ext cx="0" cy="0"/>
-          <a:chOff x="0" y="0"/>
-          <a:chExt cx="0" cy="0"/>
-        </a:xfrm>
-      </p:grpSpPr>
-      <p:sp>
-        <p:nvSpPr>
-          <p:cNvPr id="2" name="Tiêu đề 1">
-            <a:extLst>
-              <a:ext uri="{FF2B5EF4-FFF2-40B4-BE49-F238E27FC236}">
-                <a16:creationId xmlns:a16="http://schemas.microsoft.com/office/drawing/2014/main" id="{4961BE18-D884-495B-836F-6B00F17EDD95}"/>
-              </a:ext>
-            </a:extLst>
-          </p:cNvPr>
-          <p:cNvSpPr>
-            <a:spLocks noGrp="1"/>
-          </p:cNvSpPr>
-          <p:nvPr>
-            <p:ph type="title"/>
-          </p:nvPr>
-        </p:nvSpPr>
-        <p:spPr/>
-        <p:txBody>
-          <a:bodyPr/>
-          <a:lstStyle/>
-          <a:p>
-            <a:r>
-              <a:rPr lang="en-US" dirty="0" err="1"/>
-              <a:t>Tổng</a:t>
-            </a:r>
-            <a:r>
-              <a:rPr lang="en-US" dirty="0"/>
-              <a:t> </a:t>
-            </a:r>
-            <a:r>
-              <a:rPr lang="en-US" dirty="0" err="1"/>
-              <a:t>quát</a:t>
-            </a:r>
-            <a:endParaRPr lang="en-US" dirty="0"/>
-          </a:p>
-        </p:txBody>
-      </p:sp>
-      <p:sp>
-        <p:nvSpPr>
-          <p:cNvPr id="3" name="Chỗ dành sẵn cho Nội dung 2">
-            <a:extLst>
-              <a:ext uri="{FF2B5EF4-FFF2-40B4-BE49-F238E27FC236}">
-                <a16:creationId xmlns:a16="http://schemas.microsoft.com/office/drawing/2014/main" id="{7D543481-18F6-498B-852C-D60FB43208FB}"/>
-              </a:ext>
-            </a:extLst>
-          </p:cNvPr>
-          <p:cNvSpPr>
-            <a:spLocks noGrp="1"/>
-          </p:cNvSpPr>
-          <p:nvPr>
-            <p:ph idx="1"/>
-          </p:nvPr>
-        </p:nvSpPr>
-        <p:spPr/>
-        <p:txBody>
-          <a:bodyPr/>
-          <a:lstStyle/>
-          <a:p>
-            <a:endParaRPr lang="en-US"/>
-          </a:p>
-        </p:txBody>
-      </p:sp>
-    </p:spTree>
-    <p:extLst>
-      <p:ext uri="{BB962C8B-B14F-4D97-AF65-F5344CB8AC3E}">
-        <p14:creationId xmlns:p14="http://schemas.microsoft.com/office/powerpoint/2010/main" val="3086330828"/>
-      </p:ext>
-    </p:extLst>
-  </p:cSld>
-  <p:clrMapOvr>
-    <a:masterClrMapping/>
-  </p:clrMapOvr>
-</p:sld>
-</file>
-
-<file path=ppt/slides/slide29.xml><?xml version="1.0" encoding="utf-8"?>
-<p:sld xmlns:a="http://schemas.openxmlformats.org/drawingml/2006/main" xmlns:r="http://schemas.openxmlformats.org/officeDocument/2006/relationships" xmlns:p="http://schemas.openxmlformats.org/presentationml/2006/main">
-  <p:cSld>
-    <p:spTree>
-      <p:nvGrpSpPr>
-        <p:cNvPr id="1" name=""/>
-        <p:cNvGrpSpPr/>
-        <p:nvPr/>
-      </p:nvGrpSpPr>
-      <p:grpSpPr>
-        <a:xfrm>
-          <a:off x="0" y="0"/>
-          <a:ext cx="0" cy="0"/>
-          <a:chOff x="0" y="0"/>
-          <a:chExt cx="0" cy="0"/>
-        </a:xfrm>
-      </p:grpSpPr>
-      <p:sp>
-        <p:nvSpPr>
-          <p:cNvPr id="2" name="Tiêu đề 1">
-            <a:extLst>
-              <a:ext uri="{FF2B5EF4-FFF2-40B4-BE49-F238E27FC236}">
-                <a16:creationId xmlns:a16="http://schemas.microsoft.com/office/drawing/2014/main" id="{1F5F8870-D9CC-4896-B655-99DC1639BF75}"/>
-              </a:ext>
-            </a:extLst>
-          </p:cNvPr>
-          <p:cNvSpPr>
-            <a:spLocks noGrp="1"/>
-          </p:cNvSpPr>
-          <p:nvPr>
-            <p:ph type="title"/>
-          </p:nvPr>
-        </p:nvSpPr>
-        <p:spPr/>
-        <p:txBody>
-          <a:bodyPr/>
-          <a:lstStyle/>
-          <a:p>
-            <a:r>
-              <a:rPr lang="en-US" dirty="0"/>
-              <a:t>N = 2^24</a:t>
-            </a:r>
-          </a:p>
-        </p:txBody>
-      </p:sp>
-      <p:pic>
-        <p:nvPicPr>
-          <p:cNvPr id="5" name="Chỗ dành sẵn cho Nội dung 4" descr="Ảnh có chứa ảnh chụp màn hình, màn hình, đang ngồi, máy tính&#10;&#10;Mô tả được tạo tự động">
-            <a:extLst>
-              <a:ext uri="{FF2B5EF4-FFF2-40B4-BE49-F238E27FC236}">
-                <a16:creationId xmlns:a16="http://schemas.microsoft.com/office/drawing/2014/main" id="{9D7039C5-1875-4FEF-AEEC-84EBF6895FB8}"/>
-              </a:ext>
-            </a:extLst>
-          </p:cNvPr>
-          <p:cNvPicPr>
-            <a:picLocks noGrp="1" noChangeAspect="1"/>
-          </p:cNvPicPr>
-          <p:nvPr>
-            <p:ph idx="1"/>
-          </p:nvPr>
-        </p:nvPicPr>
-        <p:blipFill>
-          <a:blip r:embed="rId2">
-            <a:extLst>
-              <a:ext uri="{28A0092B-C50C-407E-A947-70E740481C1C}">
-                <a14:useLocalDpi xmlns:a14="http://schemas.microsoft.com/office/drawing/2010/main" val="0"/>
-              </a:ext>
-            </a:extLst>
-          </a:blip>
-          <a:stretch>
-            <a:fillRect/>
-          </a:stretch>
-        </p:blipFill>
-        <p:spPr>
-          <a:xfrm>
-            <a:off x="1930939" y="2160588"/>
-            <a:ext cx="6090159" cy="3881437"/>
-          </a:xfrm>
-        </p:spPr>
-      </p:pic>
-    </p:spTree>
-    <p:extLst>
-      <p:ext uri="{BB962C8B-B14F-4D97-AF65-F5344CB8AC3E}">
-        <p14:creationId xmlns:p14="http://schemas.microsoft.com/office/powerpoint/2010/main" val="4152428826"/>
-      </p:ext>
-    </p:extLst>
-  </p:cSld>
-  <p:clrMapOvr>
-    <a:masterClrMapping/>
-  </p:clrMapOvr>
-</p:sld>
-</file>
-
-<file path=ppt/slides/slide3.xml><?xml version="1.0" encoding="utf-8"?>
-<p:sld xmlns:a="http://schemas.openxmlformats.org/drawingml/2006/main" xmlns:r="http://schemas.openxmlformats.org/officeDocument/2006/relationships" xmlns:p="http://schemas.openxmlformats.org/presentationml/2006/main">
-  <p:cSld>
-    <p:spTree>
-      <p:nvGrpSpPr>
-        <p:cNvPr id="1" name=""/>
-        <p:cNvGrpSpPr/>
-        <p:nvPr/>
-      </p:nvGrpSpPr>
-      <p:grpSpPr>
-        <a:xfrm>
-          <a:off x="0" y="0"/>
-          <a:ext cx="0" cy="0"/>
-          <a:chOff x="0" y="0"/>
-          <a:chExt cx="0" cy="0"/>
-        </a:xfrm>
-      </p:grpSpPr>
-      <p:sp>
-        <p:nvSpPr>
-          <p:cNvPr id="2" name="Tiêu đề 1">
-            <a:extLst>
-              <a:ext uri="{FF2B5EF4-FFF2-40B4-BE49-F238E27FC236}">
-                <a16:creationId xmlns:a16="http://schemas.microsoft.com/office/drawing/2014/main" id="{BAA95A9D-C725-483E-B9C1-4B7849F06925}"/>
-              </a:ext>
-            </a:extLst>
-          </p:cNvPr>
-          <p:cNvSpPr>
-            <a:spLocks noGrp="1"/>
-          </p:cNvSpPr>
-          <p:nvPr>
-            <p:ph type="title"/>
-          </p:nvPr>
-        </p:nvSpPr>
-        <p:spPr/>
-        <p:txBody>
-          <a:bodyPr/>
-          <a:lstStyle/>
-          <a:p>
-            <a:r>
-              <a:rPr lang="en-US" dirty="0"/>
-              <a:t>1. </a:t>
-            </a:r>
-            <a:r>
-              <a:rPr lang="en-US" dirty="0" err="1"/>
-              <a:t>Tuần</a:t>
-            </a:r>
-            <a:r>
-              <a:rPr lang="en-US" dirty="0"/>
-              <a:t> </a:t>
-            </a:r>
-            <a:r>
-              <a:rPr lang="en-US" dirty="0" err="1"/>
-              <a:t>tư</a:t>
-            </a:r>
-            <a:r>
-              <a:rPr lang="en-US" dirty="0"/>
-              <a:t>̣</a:t>
-            </a:r>
-          </a:p>
-        </p:txBody>
-      </p:sp>
-      <p:pic>
-        <p:nvPicPr>
-          <p:cNvPr id="5" name="Chỗ dành sẵn cho Nội dung 4" descr="Ảnh có chứa ảnh chụp màn hình, màn hình, máy tính, máy tính xách tay&#10;&#10;Mô tả được tạo tự động">
-            <a:extLst>
-              <a:ext uri="{FF2B5EF4-FFF2-40B4-BE49-F238E27FC236}">
-                <a16:creationId xmlns:a16="http://schemas.microsoft.com/office/drawing/2014/main" id="{4592222B-7AAF-43CB-B506-ACFE532F2E64}"/>
-              </a:ext>
-            </a:extLst>
-          </p:cNvPr>
-          <p:cNvPicPr>
-            <a:picLocks noGrp="1" noChangeAspect="1"/>
-          </p:cNvPicPr>
-          <p:nvPr>
-            <p:ph idx="1"/>
-          </p:nvPr>
-        </p:nvPicPr>
-        <p:blipFill>
-          <a:blip r:embed="rId2">
-            <a:extLst>
-              <a:ext uri="{28A0092B-C50C-407E-A947-70E740481C1C}">
-                <a14:useLocalDpi xmlns:a14="http://schemas.microsoft.com/office/drawing/2010/main" val="0"/>
-              </a:ext>
-            </a:extLst>
-          </a:blip>
-          <a:stretch>
-            <a:fillRect/>
-          </a:stretch>
-        </p:blipFill>
-        <p:spPr>
-          <a:xfrm>
-            <a:off x="1940772" y="2160588"/>
-            <a:ext cx="6070493" cy="3881437"/>
-          </a:xfrm>
-        </p:spPr>
-      </p:pic>
-    </p:spTree>
-    <p:extLst>
-      <p:ext uri="{BB962C8B-B14F-4D97-AF65-F5344CB8AC3E}">
-        <p14:creationId xmlns:p14="http://schemas.microsoft.com/office/powerpoint/2010/main" val="3868387849"/>
-      </p:ext>
-    </p:extLst>
-  </p:cSld>
-  <p:clrMapOvr>
-    <a:masterClrMapping/>
-  </p:clrMapOvr>
-</p:sld>
-</file>
-
-<file path=ppt/slides/slide30.xml><?xml version="1.0" encoding="utf-8"?>
-<p:sld xmlns:a="http://schemas.openxmlformats.org/drawingml/2006/main" xmlns:r="http://schemas.openxmlformats.org/officeDocument/2006/relationships" xmlns:p="http://schemas.openxmlformats.org/presentationml/2006/main">
-  <p:cSld>
-    <p:spTree>
-      <p:nvGrpSpPr>
-        <p:cNvPr id="1" name=""/>
-        <p:cNvGrpSpPr/>
-        <p:nvPr/>
-      </p:nvGrpSpPr>
-      <p:grpSpPr>
-        <a:xfrm>
-          <a:off x="0" y="0"/>
-          <a:ext cx="0" cy="0"/>
-          <a:chOff x="0" y="0"/>
-          <a:chExt cx="0" cy="0"/>
-        </a:xfrm>
-      </p:grpSpPr>
-      <p:sp>
-        <p:nvSpPr>
-          <p:cNvPr id="2" name="Tiêu đề 1">
-            <a:extLst>
-              <a:ext uri="{FF2B5EF4-FFF2-40B4-BE49-F238E27FC236}">
-                <a16:creationId xmlns:a16="http://schemas.microsoft.com/office/drawing/2014/main" id="{4EA95A4E-B784-4532-8519-727FEC65BA09}"/>
-              </a:ext>
-            </a:extLst>
-          </p:cNvPr>
-          <p:cNvSpPr>
-            <a:spLocks noGrp="1"/>
-          </p:cNvSpPr>
-          <p:nvPr>
-            <p:ph type="title"/>
-          </p:nvPr>
-        </p:nvSpPr>
-        <p:spPr/>
-        <p:txBody>
-          <a:bodyPr/>
-          <a:lstStyle/>
-          <a:p>
-            <a:r>
-              <a:rPr lang="en-US" dirty="0"/>
-              <a:t>K = 8 bit</a:t>
-            </a:r>
-          </a:p>
-        </p:txBody>
-      </p:sp>
-      <p:pic>
-        <p:nvPicPr>
-          <p:cNvPr id="5" name="Chỗ dành sẵn cho Nội dung 4" descr="Ảnh có chứa ảnh chụp màn hình, máy tính&#10;&#10;Mô tả được tạo tự động">
-            <a:extLst>
-              <a:ext uri="{FF2B5EF4-FFF2-40B4-BE49-F238E27FC236}">
-                <a16:creationId xmlns:a16="http://schemas.microsoft.com/office/drawing/2014/main" id="{62ACFB06-CA30-4AE3-A757-05D9A58CAE76}"/>
-              </a:ext>
-            </a:extLst>
-          </p:cNvPr>
-          <p:cNvPicPr>
-            <a:picLocks noGrp="1" noChangeAspect="1"/>
-          </p:cNvPicPr>
-          <p:nvPr>
-            <p:ph idx="1"/>
-          </p:nvPr>
-        </p:nvPicPr>
-        <p:blipFill>
-          <a:blip r:embed="rId2">
-            <a:extLst>
-              <a:ext uri="{28A0092B-C50C-407E-A947-70E740481C1C}">
-                <a14:useLocalDpi xmlns:a14="http://schemas.microsoft.com/office/drawing/2010/main" val="0"/>
-              </a:ext>
-            </a:extLst>
-          </a:blip>
-          <a:stretch>
-            <a:fillRect/>
-          </a:stretch>
-        </p:blipFill>
-        <p:spPr>
-          <a:xfrm>
-            <a:off x="1905145" y="2160588"/>
-            <a:ext cx="6141748" cy="3881437"/>
-          </a:xfrm>
-        </p:spPr>
-      </p:pic>
-    </p:spTree>
-    <p:extLst>
-      <p:ext uri="{BB962C8B-B14F-4D97-AF65-F5344CB8AC3E}">
-        <p14:creationId xmlns:p14="http://schemas.microsoft.com/office/powerpoint/2010/main" val="3735987154"/>
-      </p:ext>
-    </p:extLst>
-  </p:cSld>
-  <p:clrMapOvr>
-    <a:masterClrMapping/>
-  </p:clrMapOvr>
-</p:sld>
-</file>
-
-<file path=ppt/slides/slide31.xml><?xml version="1.0" encoding="utf-8"?>
-<p:sld xmlns:a="http://schemas.openxmlformats.org/drawingml/2006/main" xmlns:r="http://schemas.openxmlformats.org/officeDocument/2006/relationships" xmlns:p="http://schemas.openxmlformats.org/presentationml/2006/main">
-  <p:cSld>
-    <p:spTree>
-      <p:nvGrpSpPr>
-        <p:cNvPr id="1" name=""/>
-        <p:cNvGrpSpPr/>
-        <p:nvPr/>
-      </p:nvGrpSpPr>
-      <p:grpSpPr>
-        <a:xfrm>
-          <a:off x="0" y="0"/>
-          <a:ext cx="0" cy="0"/>
-          <a:chOff x="0" y="0"/>
-          <a:chExt cx="0" cy="0"/>
-        </a:xfrm>
-      </p:grpSpPr>
-      <p:sp>
-        <p:nvSpPr>
-          <p:cNvPr id="2" name="Tiêu đề 1">
-            <a:extLst>
-              <a:ext uri="{FF2B5EF4-FFF2-40B4-BE49-F238E27FC236}">
-                <a16:creationId xmlns:a16="http://schemas.microsoft.com/office/drawing/2014/main" id="{4173C9B0-5F00-4C9F-B416-3EAC6C965843}"/>
-              </a:ext>
-            </a:extLst>
-          </p:cNvPr>
-          <p:cNvSpPr>
-            <a:spLocks noGrp="1"/>
-          </p:cNvSpPr>
-          <p:nvPr>
-            <p:ph type="title"/>
-          </p:nvPr>
-        </p:nvSpPr>
-        <p:spPr/>
-        <p:txBody>
-          <a:bodyPr/>
-          <a:lstStyle/>
-          <a:p>
-            <a:r>
-              <a:rPr lang="en-US" dirty="0"/>
-              <a:t>K = 2 bit</a:t>
-            </a:r>
-          </a:p>
-        </p:txBody>
-      </p:sp>
-      <p:pic>
-        <p:nvPicPr>
-          <p:cNvPr id="5" name="Chỗ dành sẵn cho Nội dung 4" descr="Ảnh có chứa ảnh chụp màn hình, máy tính, bàn&#10;&#10;Mô tả được tạo tự động">
-            <a:extLst>
-              <a:ext uri="{FF2B5EF4-FFF2-40B4-BE49-F238E27FC236}">
-                <a16:creationId xmlns:a16="http://schemas.microsoft.com/office/drawing/2014/main" id="{C75C7CB4-3981-4739-A77D-EE3273D4BB80}"/>
-              </a:ext>
-            </a:extLst>
-          </p:cNvPr>
-          <p:cNvPicPr>
-            <a:picLocks noGrp="1" noChangeAspect="1"/>
-          </p:cNvPicPr>
-          <p:nvPr>
-            <p:ph idx="1"/>
-          </p:nvPr>
-        </p:nvPicPr>
-        <p:blipFill>
-          <a:blip r:embed="rId2">
-            <a:extLst>
-              <a:ext uri="{28A0092B-C50C-407E-A947-70E740481C1C}">
-                <a14:useLocalDpi xmlns:a14="http://schemas.microsoft.com/office/drawing/2010/main" val="0"/>
-              </a:ext>
-            </a:extLst>
-          </a:blip>
-          <a:stretch>
-            <a:fillRect/>
-          </a:stretch>
-        </p:blipFill>
-        <p:spPr>
-          <a:xfrm>
-            <a:off x="1926318" y="2160588"/>
-            <a:ext cx="6099401" cy="3881437"/>
-          </a:xfrm>
-        </p:spPr>
-      </p:pic>
-    </p:spTree>
-    <p:extLst>
-      <p:ext uri="{BB962C8B-B14F-4D97-AF65-F5344CB8AC3E}">
-        <p14:creationId xmlns:p14="http://schemas.microsoft.com/office/powerpoint/2010/main" val="1912260976"/>
-      </p:ext>
-    </p:extLst>
-  </p:cSld>
-  <p:clrMapOvr>
-    <a:masterClrMapping/>
-  </p:clrMapOvr>
-</p:sld>
-</file>
-
-<file path=ppt/slides/slide32.xml><?xml version="1.0" encoding="utf-8"?>
-<p:sld xmlns:a="http://schemas.openxmlformats.org/drawingml/2006/main" xmlns:r="http://schemas.openxmlformats.org/officeDocument/2006/relationships" xmlns:p="http://schemas.openxmlformats.org/presentationml/2006/main">
-  <p:cSld>
-    <p:spTree>
-      <p:nvGrpSpPr>
-        <p:cNvPr id="1" name=""/>
-        <p:cNvGrpSpPr/>
-        <p:nvPr/>
-      </p:nvGrpSpPr>
-      <p:grpSpPr>
-        <a:xfrm>
-          <a:off x="0" y="0"/>
-          <a:ext cx="0" cy="0"/>
-          <a:chOff x="0" y="0"/>
-          <a:chExt cx="0" cy="0"/>
-        </a:xfrm>
-      </p:grpSpPr>
-      <p:sp>
-        <p:nvSpPr>
-          <p:cNvPr id="2" name="Tiêu đề 1">
-            <a:extLst>
-              <a:ext uri="{FF2B5EF4-FFF2-40B4-BE49-F238E27FC236}">
-                <a16:creationId xmlns:a16="http://schemas.microsoft.com/office/drawing/2014/main" id="{F7F14548-8B9E-46E1-AAEF-1C24730A6707}"/>
-              </a:ext>
-            </a:extLst>
-          </p:cNvPr>
-          <p:cNvSpPr>
-            <a:spLocks noGrp="1"/>
-          </p:cNvSpPr>
-          <p:nvPr>
-            <p:ph type="title"/>
-          </p:nvPr>
-        </p:nvSpPr>
-        <p:spPr/>
-        <p:txBody>
-          <a:bodyPr/>
-          <a:lstStyle/>
-          <a:p>
-            <a:r>
-              <a:rPr lang="en-US" dirty="0"/>
-              <a:t>Block Size = 256</a:t>
-            </a:r>
-          </a:p>
-        </p:txBody>
-      </p:sp>
-      <p:pic>
-        <p:nvPicPr>
-          <p:cNvPr id="5" name="Chỗ dành sẵn cho Nội dung 4" descr="Ảnh có chứa ảnh chụp màn hình, đang ngồi, bàn, máy tính&#10;&#10;Mô tả được tạo tự động">
-            <a:extLst>
-              <a:ext uri="{FF2B5EF4-FFF2-40B4-BE49-F238E27FC236}">
-                <a16:creationId xmlns:a16="http://schemas.microsoft.com/office/drawing/2014/main" id="{62ADE9FF-8E6B-41CF-B018-5D8DD4918F34}"/>
-              </a:ext>
-            </a:extLst>
-          </p:cNvPr>
-          <p:cNvPicPr>
-            <a:picLocks noGrp="1" noChangeAspect="1"/>
-          </p:cNvPicPr>
-          <p:nvPr>
-            <p:ph idx="1"/>
-          </p:nvPr>
-        </p:nvPicPr>
-        <p:blipFill>
-          <a:blip r:embed="rId2">
-            <a:extLst>
-              <a:ext uri="{28A0092B-C50C-407E-A947-70E740481C1C}">
-                <a14:useLocalDpi xmlns:a14="http://schemas.microsoft.com/office/drawing/2010/main" val="0"/>
-              </a:ext>
-            </a:extLst>
-          </a:blip>
-          <a:stretch>
-            <a:fillRect/>
-          </a:stretch>
-        </p:blipFill>
-        <p:spPr>
-          <a:xfrm>
-            <a:off x="1904378" y="2160588"/>
-            <a:ext cx="6143281" cy="3881437"/>
-          </a:xfrm>
-        </p:spPr>
-      </p:pic>
-    </p:spTree>
-    <p:extLst>
-      <p:ext uri="{BB962C8B-B14F-4D97-AF65-F5344CB8AC3E}">
-        <p14:creationId xmlns:p14="http://schemas.microsoft.com/office/powerpoint/2010/main" val="1105771727"/>
-      </p:ext>
-    </p:extLst>
-  </p:cSld>
-  <p:clrMapOvr>
-    <a:masterClrMapping/>
-  </p:clrMapOvr>
-</p:sld>
-</file>
-
-<file path=ppt/slides/slide33.xml><?xml version="1.0" encoding="utf-8"?>
-<p:sld xmlns:a="http://schemas.openxmlformats.org/drawingml/2006/main" xmlns:r="http://schemas.openxmlformats.org/officeDocument/2006/relationships" xmlns:p="http://schemas.openxmlformats.org/presentationml/2006/main">
-  <p:cSld>
-    <p:spTree>
-      <p:nvGrpSpPr>
-        <p:cNvPr id="1" name=""/>
-        <p:cNvGrpSpPr/>
-        <p:nvPr/>
-      </p:nvGrpSpPr>
-      <p:grpSpPr>
-        <a:xfrm>
-          <a:off x="0" y="0"/>
-          <a:ext cx="0" cy="0"/>
-          <a:chOff x="0" y="0"/>
-          <a:chExt cx="0" cy="0"/>
-        </a:xfrm>
-      </p:grpSpPr>
-      <p:sp>
-        <p:nvSpPr>
-          <p:cNvPr id="2" name="Tiêu đề 1">
-            <a:extLst>
-              <a:ext uri="{FF2B5EF4-FFF2-40B4-BE49-F238E27FC236}">
-                <a16:creationId xmlns:a16="http://schemas.microsoft.com/office/drawing/2014/main" id="{E93749AC-17E8-498A-B6E1-AEA092043921}"/>
-              </a:ext>
-            </a:extLst>
-          </p:cNvPr>
-          <p:cNvSpPr>
-            <a:spLocks noGrp="1"/>
-          </p:cNvSpPr>
-          <p:nvPr>
-            <p:ph type="title"/>
-          </p:nvPr>
-        </p:nvSpPr>
-        <p:spPr/>
-        <p:txBody>
-          <a:bodyPr/>
-          <a:lstStyle/>
-          <a:p>
-            <a:r>
-              <a:rPr lang="en-US" dirty="0"/>
-              <a:t>Block Size = 1024</a:t>
-            </a:r>
-          </a:p>
-        </p:txBody>
-      </p:sp>
-      <p:pic>
-        <p:nvPicPr>
-          <p:cNvPr id="5" name="Chỗ dành sẵn cho Nội dung 4" descr="Ảnh có chứa ảnh chụp màn hình, máy tính, máy tính xách tay&#10;&#10;Mô tả được tạo tự động">
-            <a:extLst>
-              <a:ext uri="{FF2B5EF4-FFF2-40B4-BE49-F238E27FC236}">
-                <a16:creationId xmlns:a16="http://schemas.microsoft.com/office/drawing/2014/main" id="{1E8A15C0-7022-480F-8B1E-FA704AD72574}"/>
-              </a:ext>
-            </a:extLst>
-          </p:cNvPr>
-          <p:cNvPicPr>
-            <a:picLocks noGrp="1" noChangeAspect="1"/>
-          </p:cNvPicPr>
-          <p:nvPr>
-            <p:ph idx="1"/>
-          </p:nvPr>
-        </p:nvPicPr>
-        <p:blipFill>
-          <a:blip r:embed="rId2">
-            <a:extLst>
-              <a:ext uri="{28A0092B-C50C-407E-A947-70E740481C1C}">
-                <a14:useLocalDpi xmlns:a14="http://schemas.microsoft.com/office/drawing/2010/main" val="0"/>
-              </a:ext>
-            </a:extLst>
-          </a:blip>
-          <a:stretch>
-            <a:fillRect/>
-          </a:stretch>
-        </p:blipFill>
-        <p:spPr>
-          <a:xfrm>
-            <a:off x="1897798" y="2160588"/>
-            <a:ext cx="6156441" cy="3881437"/>
+            <a:off x="1888513" y="2160588"/>
+            <a:ext cx="6175012" cy="3881437"/>
           </a:xfrm>
         </p:spPr>
       </p:pic>
@@ -8800,7 +7733,7 @@
 </p:sld>
 </file>
 
-<file path=ppt/slides/slide34.xml><?xml version="1.0" encoding="utf-8"?>
+<file path=ppt/slides/slide23.xml><?xml version="1.0" encoding="utf-8"?>
 <p:sld xmlns:a="http://schemas.openxmlformats.org/drawingml/2006/main" xmlns:r="http://schemas.openxmlformats.org/officeDocument/2006/relationships" xmlns:p="http://schemas.openxmlformats.org/presentationml/2006/main">
   <p:cSld>
     <p:spTree>
@@ -8890,6 +7823,345 @@
 </p:sld>
 </file>
 
+<file path=ppt/slides/slide3.xml><?xml version="1.0" encoding="utf-8"?>
+<p:sld xmlns:a="http://schemas.openxmlformats.org/drawingml/2006/main" xmlns:r="http://schemas.openxmlformats.org/officeDocument/2006/relationships" xmlns:p="http://schemas.openxmlformats.org/presentationml/2006/main">
+  <p:cSld>
+    <p:spTree>
+      <p:nvGrpSpPr>
+        <p:cNvPr id="1" name=""/>
+        <p:cNvGrpSpPr/>
+        <p:nvPr/>
+      </p:nvGrpSpPr>
+      <p:grpSpPr>
+        <a:xfrm>
+          <a:off x="0" y="0"/>
+          <a:ext cx="0" cy="0"/>
+          <a:chOff x="0" y="0"/>
+          <a:chExt cx="0" cy="0"/>
+        </a:xfrm>
+      </p:grpSpPr>
+      <p:sp>
+        <p:nvSpPr>
+          <p:cNvPr id="2" name="Tiêu đề 1">
+            <a:extLst>
+              <a:ext uri="{FF2B5EF4-FFF2-40B4-BE49-F238E27FC236}">
+                <a16:creationId xmlns:a16="http://schemas.microsoft.com/office/drawing/2014/main" id="{EE17EAA4-6D19-4057-82F4-36FD1CB79157}"/>
+              </a:ext>
+            </a:extLst>
+          </p:cNvPr>
+          <p:cNvSpPr>
+            <a:spLocks noGrp="1"/>
+          </p:cNvSpPr>
+          <p:nvPr>
+            <p:ph type="title"/>
+          </p:nvPr>
+        </p:nvSpPr>
+        <p:spPr/>
+        <p:txBody>
+          <a:bodyPr/>
+          <a:lstStyle/>
+          <a:p>
+            <a:r>
+              <a:rPr lang="en-US" dirty="0"/>
+              <a:t>(</a:t>
+            </a:r>
+            <a:r>
+              <a:rPr lang="en-US" dirty="0" err="1"/>
+              <a:t>Cập</a:t>
+            </a:r>
+            <a:r>
+              <a:rPr lang="en-US" dirty="0"/>
+              <a:t> </a:t>
+            </a:r>
+            <a:r>
+              <a:rPr lang="en-US" dirty="0" err="1"/>
+              <a:t>nhật</a:t>
+            </a:r>
+            <a:r>
+              <a:rPr lang="en-US" dirty="0"/>
+              <a:t>) </a:t>
+            </a:r>
+            <a:r>
+              <a:rPr lang="en-US" dirty="0" err="1"/>
+              <a:t>Các</a:t>
+            </a:r>
+            <a:r>
+              <a:rPr lang="en-US" dirty="0"/>
+              <a:t> </a:t>
+            </a:r>
+            <a:r>
+              <a:rPr lang="en-US" dirty="0" err="1"/>
+              <a:t>phần</a:t>
+            </a:r>
+            <a:r>
+              <a:rPr lang="en-US" dirty="0"/>
+              <a:t> </a:t>
+            </a:r>
+            <a:r>
+              <a:rPr lang="en-US" dirty="0" err="1"/>
+              <a:t>trong</a:t>
+            </a:r>
+            <a:r>
+              <a:rPr lang="en-US" dirty="0"/>
+              <a:t> Satish </a:t>
+            </a:r>
+            <a:r>
+              <a:rPr lang="en-US" dirty="0" err="1"/>
+              <a:t>tuần</a:t>
+            </a:r>
+            <a:r>
+              <a:rPr lang="en-US" dirty="0"/>
+              <a:t> </a:t>
+            </a:r>
+            <a:r>
+              <a:rPr lang="en-US" dirty="0" err="1"/>
+              <a:t>tư</a:t>
+            </a:r>
+            <a:r>
+              <a:rPr lang="en-US" dirty="0"/>
+              <a:t>̣</a:t>
+            </a:r>
+          </a:p>
+        </p:txBody>
+      </p:sp>
+      <p:graphicFrame>
+        <p:nvGraphicFramePr>
+          <p:cNvPr id="4" name="Bảng 4">
+            <a:extLst>
+              <a:ext uri="{FF2B5EF4-FFF2-40B4-BE49-F238E27FC236}">
+                <a16:creationId xmlns:a16="http://schemas.microsoft.com/office/drawing/2014/main" id="{9FD1F636-25AD-4DF5-B09E-8DC989341DC5}"/>
+              </a:ext>
+            </a:extLst>
+          </p:cNvPr>
+          <p:cNvGraphicFramePr>
+            <a:graphicFrameLocks noGrp="1"/>
+          </p:cNvGraphicFramePr>
+          <p:nvPr>
+            <p:ph idx="1"/>
+            <p:extLst>
+              <p:ext uri="{D42A27DB-BD31-4B8C-83A1-F6EECF244321}">
+                <p14:modId xmlns:p14="http://schemas.microsoft.com/office/powerpoint/2010/main" val="1395313712"/>
+              </p:ext>
+            </p:extLst>
+          </p:nvPr>
+        </p:nvGraphicFramePr>
+        <p:xfrm>
+          <a:off x="677863" y="2160588"/>
+          <a:ext cx="8596312" cy="1854200"/>
+        </p:xfrm>
+        <a:graphic>
+          <a:graphicData uri="http://schemas.openxmlformats.org/drawingml/2006/table">
+            <a:tbl>
+              <a:tblPr firstRow="1" bandRow="1">
+                <a:tableStyleId>{5C22544A-7EE6-4342-B048-85BDC9FD1C3A}</a:tableStyleId>
+              </a:tblPr>
+              <a:tblGrid>
+                <a:gridCol w="4298156">
+                  <a:extLst>
+                    <a:ext uri="{9D8B030D-6E8A-4147-A177-3AD203B41FA5}">
+                      <a16:colId xmlns:a16="http://schemas.microsoft.com/office/drawing/2014/main" val="260682703"/>
+                    </a:ext>
+                  </a:extLst>
+                </a:gridCol>
+                <a:gridCol w="4298156">
+                  <a:extLst>
+                    <a:ext uri="{9D8B030D-6E8A-4147-A177-3AD203B41FA5}">
+                      <a16:colId xmlns:a16="http://schemas.microsoft.com/office/drawing/2014/main" val="4225612419"/>
+                    </a:ext>
+                  </a:extLst>
+                </a:gridCol>
+              </a:tblGrid>
+              <a:tr h="370840">
+                <a:tc>
+                  <a:txBody>
+                    <a:bodyPr/>
+                    <a:lstStyle/>
+                    <a:p>
+                      <a:r>
+                        <a:rPr lang="en-US" dirty="0"/>
+                        <a:t>N = 2^20</a:t>
+                      </a:r>
+                    </a:p>
+                  </a:txBody>
+                  <a:tcPr/>
+                </a:tc>
+                <a:tc>
+                  <a:txBody>
+                    <a:bodyPr/>
+                    <a:lstStyle/>
+                    <a:p>
+                      <a:r>
+                        <a:rPr lang="en-US" dirty="0"/>
+                        <a:t>Time(</a:t>
+                      </a:r>
+                      <a:r>
+                        <a:rPr lang="en-US" dirty="0" err="1"/>
+                        <a:t>ms</a:t>
+                      </a:r>
+                      <a:r>
+                        <a:rPr lang="en-US" dirty="0"/>
+                        <a:t>)</a:t>
+                      </a:r>
+                    </a:p>
+                  </a:txBody>
+                  <a:tcPr/>
+                </a:tc>
+                <a:extLst>
+                  <a:ext uri="{0D108BD9-81ED-4DB2-BD59-A6C34878D82A}">
+                    <a16:rowId xmlns:a16="http://schemas.microsoft.com/office/drawing/2014/main" val="1740753069"/>
+                  </a:ext>
+                </a:extLst>
+              </a:tr>
+              <a:tr h="370840">
+                <a:tc>
+                  <a:txBody>
+                    <a:bodyPr/>
+                    <a:lstStyle/>
+                    <a:p>
+                      <a:r>
+                        <a:rPr lang="en-US" dirty="0"/>
+                        <a:t>Sort Local</a:t>
+                      </a:r>
+                    </a:p>
+                  </a:txBody>
+                  <a:tcPr/>
+                </a:tc>
+                <a:tc>
+                  <a:txBody>
+                    <a:bodyPr/>
+                    <a:lstStyle/>
+                    <a:p>
+                      <a:r>
+                        <a:rPr lang="en-US" dirty="0"/>
+                        <a:t>12232.22</a:t>
+                      </a:r>
+                    </a:p>
+                  </a:txBody>
+                  <a:tcPr/>
+                </a:tc>
+                <a:extLst>
+                  <a:ext uri="{0D108BD9-81ED-4DB2-BD59-A6C34878D82A}">
+                    <a16:rowId xmlns:a16="http://schemas.microsoft.com/office/drawing/2014/main" val="1819698177"/>
+                  </a:ext>
+                </a:extLst>
+              </a:tr>
+              <a:tr h="370840">
+                <a:tc>
+                  <a:txBody>
+                    <a:bodyPr/>
+                    <a:lstStyle/>
+                    <a:p>
+                      <a:r>
+                        <a:rPr lang="en-US" dirty="0"/>
+                        <a:t>Hist</a:t>
+                      </a:r>
+                    </a:p>
+                  </a:txBody>
+                  <a:tcPr/>
+                </a:tc>
+                <a:tc>
+                  <a:txBody>
+                    <a:bodyPr/>
+                    <a:lstStyle/>
+                    <a:p>
+                      <a:r>
+                        <a:rPr lang="en-US" dirty="0"/>
+                        <a:t>54.8102</a:t>
+                      </a:r>
+                    </a:p>
+                  </a:txBody>
+                  <a:tcPr/>
+                </a:tc>
+                <a:extLst>
+                  <a:ext uri="{0D108BD9-81ED-4DB2-BD59-A6C34878D82A}">
+                    <a16:rowId xmlns:a16="http://schemas.microsoft.com/office/drawing/2014/main" val="1458165274"/>
+                  </a:ext>
+                </a:extLst>
+              </a:tr>
+              <a:tr h="370840">
+                <a:tc>
+                  <a:txBody>
+                    <a:bodyPr/>
+                    <a:lstStyle/>
+                    <a:p>
+                      <a:r>
+                        <a:rPr lang="en-US" dirty="0"/>
+                        <a:t>Scan</a:t>
+                      </a:r>
+                    </a:p>
+                  </a:txBody>
+                  <a:tcPr/>
+                </a:tc>
+                <a:tc>
+                  <a:txBody>
+                    <a:bodyPr/>
+                    <a:lstStyle/>
+                    <a:p>
+                      <a:r>
+                        <a:rPr lang="en-US" dirty="0"/>
+                        <a:t>0.9562</a:t>
+                      </a:r>
+                    </a:p>
+                  </a:txBody>
+                  <a:tcPr/>
+                </a:tc>
+                <a:extLst>
+                  <a:ext uri="{0D108BD9-81ED-4DB2-BD59-A6C34878D82A}">
+                    <a16:rowId xmlns:a16="http://schemas.microsoft.com/office/drawing/2014/main" val="3817960361"/>
+                  </a:ext>
+                </a:extLst>
+              </a:tr>
+              <a:tr h="370840">
+                <a:tc>
+                  <a:txBody>
+                    <a:bodyPr/>
+                    <a:lstStyle/>
+                    <a:p>
+                      <a:r>
+                        <a:rPr lang="en-US" dirty="0"/>
+                        <a:t>Scatter</a:t>
+                      </a:r>
+                    </a:p>
+                  </a:txBody>
+                  <a:tcPr/>
+                </a:tc>
+                <a:tc>
+                  <a:txBody>
+                    <a:bodyPr/>
+                    <a:lstStyle/>
+                    <a:p>
+                      <a:r>
+                        <a:rPr lang="en-US"/>
+                        <a:t>3420.141</a:t>
+                      </a:r>
+                      <a:endParaRPr lang="en-US" dirty="0"/>
+                    </a:p>
+                  </a:txBody>
+                  <a:tcPr/>
+                </a:tc>
+                <a:extLst>
+                  <a:ext uri="{0D108BD9-81ED-4DB2-BD59-A6C34878D82A}">
+                    <a16:rowId xmlns:a16="http://schemas.microsoft.com/office/drawing/2014/main" val="1035851437"/>
+                  </a:ext>
+                </a:extLst>
+              </a:tr>
+            </a:tbl>
+          </a:graphicData>
+        </a:graphic>
+      </p:graphicFrame>
+    </p:spTree>
+    <p:extLst>
+      <p:ext uri="{BB962C8B-B14F-4D97-AF65-F5344CB8AC3E}">
+        <p14:creationId xmlns:p14="http://schemas.microsoft.com/office/powerpoint/2010/main" val="3848908010"/>
+      </p:ext>
+    </p:extLst>
+  </p:cSld>
+  <p:clrMapOvr>
+    <a:masterClrMapping/>
+  </p:clrMapOvr>
+</p:sld>
+</file>
+
 <file path=ppt/slides/slide4.xml><?xml version="1.0" encoding="utf-8"?>
 <p:sld xmlns:a="http://schemas.openxmlformats.org/drawingml/2006/main" xmlns:r="http://schemas.openxmlformats.org/officeDocument/2006/relationships" xmlns:p="http://schemas.openxmlformats.org/presentationml/2006/main">
   <p:cSld>
@@ -8912,7 +8184,7 @@
           <p:cNvPr id="2" name="Tiêu đề 1">
             <a:extLst>
               <a:ext uri="{FF2B5EF4-FFF2-40B4-BE49-F238E27FC236}">
-                <a16:creationId xmlns:a16="http://schemas.microsoft.com/office/drawing/2014/main" id="{CB38C725-A1A4-4915-8B9C-1D6A52417B19}"/>
+                <a16:creationId xmlns:a16="http://schemas.microsoft.com/office/drawing/2014/main" id="{BAA95A9D-C725-483E-B9C1-4B7849F06925}"/>
               </a:ext>
             </a:extLst>
           </p:cNvPr>
@@ -8930,33 +8202,49 @@
           <a:p>
             <a:r>
               <a:rPr lang="en-US" dirty="0"/>
-              <a:t>2. Song </a:t>
+              <a:t>1. </a:t>
             </a:r>
             <a:r>
               <a:rPr lang="en-US" dirty="0" err="1"/>
-              <a:t>song</a:t>
-            </a:r>
-            <a:r>
-              <a:rPr lang="en-US" dirty="0"/>
-              <a:t> hist </a:t>
+              <a:t>Tuần</a:t>
+            </a:r>
+            <a:r>
+              <a:rPr lang="en-US" dirty="0"/>
+              <a:t> </a:t>
             </a:r>
             <a:r>
               <a:rPr lang="en-US" dirty="0" err="1"/>
-              <a:t>va</a:t>
-            </a:r>
-            <a:r>
-              <a:rPr lang="en-US" dirty="0"/>
-              <a:t>̀ scan</a:t>
+              <a:t>tư</a:t>
+            </a:r>
+            <a:r>
+              <a:rPr lang="en-US" dirty="0"/>
+              <a:t>̣ (</a:t>
+            </a:r>
+            <a:r>
+              <a:rPr lang="en-US" dirty="0" err="1"/>
+              <a:t>Cập</a:t>
+            </a:r>
+            <a:r>
+              <a:rPr lang="en-US" dirty="0"/>
+              <a:t> </a:t>
+            </a:r>
+            <a:r>
+              <a:rPr lang="en-US" dirty="0" err="1"/>
+              <a:t>nhật</a:t>
+            </a:r>
+            <a:r>
+              <a:rPr lang="en-US" dirty="0"/>
+              <a:t> n = 2^20)</a:t>
             </a:r>
           </a:p>
         </p:txBody>
       </p:sp>
       <p:pic>
         <p:nvPicPr>
-          <p:cNvPr id="5" name="Chỗ dành sẵn cho Nội dung 4" descr="Ảnh có chứa ảnh chụp màn hình, màn hình, đang ngồi, máy tính&#10;&#10;Mô tả được tạo tự động">
+          <p:cNvPr id="7" name="Chỗ dành sẵn cho Nội dung 6" descr="Ảnh có chứa ảnh chụp màn hình, màn hình, đang ngồi, máy tính&#10;&#10;Mô tả được tạo tự động">
             <a:extLst>
               <a:ext uri="{FF2B5EF4-FFF2-40B4-BE49-F238E27FC236}">
-                <a16:creationId xmlns:a16="http://schemas.microsoft.com/office/drawing/2014/main" id="{CADAE16A-0A01-4A91-86FB-114581989E92}"/>
+                <a16:creationId xmlns:a16="http://schemas.microsoft.com/office/drawing/2014/main" id="{D5015837-29C7-4DA5-BA53-2E5C5855996F}"/>
               </a:ext>
             </a:extLst>
           </p:cNvPr>
@@ -8981,15 +8269,15 @@
         </p:blipFill>
         <p:spPr>
           <a:xfrm>
-            <a:off x="1905145" y="2160588"/>
-            <a:ext cx="6141748" cy="3881437"/>
+            <a:off x="1904378" y="2160588"/>
+            <a:ext cx="6143281" cy="3881437"/>
           </a:xfrm>
         </p:spPr>
       </p:pic>
     </p:spTree>
     <p:extLst>
       <p:ext uri="{BB962C8B-B14F-4D97-AF65-F5344CB8AC3E}">
-        <p14:creationId xmlns:p14="http://schemas.microsoft.com/office/powerpoint/2010/main" val="4244214110"/>
+        <p14:creationId xmlns:p14="http://schemas.microsoft.com/office/powerpoint/2010/main" val="3868387849"/>
       </p:ext>
     </p:extLst>
   </p:cSld>
@@ -9021,7 +8309,7 @@
           <p:cNvPr id="2" name="Tiêu đề 1">
             <a:extLst>
               <a:ext uri="{FF2B5EF4-FFF2-40B4-BE49-F238E27FC236}">
-                <a16:creationId xmlns:a16="http://schemas.microsoft.com/office/drawing/2014/main" id="{2B08E2C0-AEF1-4A85-99E0-9EA51BF63D9F}"/>
+                <a16:creationId xmlns:a16="http://schemas.microsoft.com/office/drawing/2014/main" id="{CB38C725-A1A4-4915-8B9C-1D6A52417B19}"/>
               </a:ext>
             </a:extLst>
           </p:cNvPr>
@@ -9039,7 +8327,7 @@
           <a:p>
             <a:r>
               <a:rPr lang="en-US" dirty="0"/>
-              <a:t>3. Song </a:t>
+              <a:t>2. Song </a:t>
             </a:r>
             <a:r>
               <a:rPr lang="en-US" dirty="0" err="1"/>
@@ -9047,17 +8335,33 @@
             </a:r>
             <a:r>
               <a:rPr lang="en-US" dirty="0"/>
-              <a:t> 1 bit</a:t>
+              <a:t> hist (</a:t>
+            </a:r>
+            <a:r>
+              <a:rPr lang="en-US" dirty="0" err="1"/>
+              <a:t>Cập</a:t>
+            </a:r>
+            <a:r>
+              <a:rPr lang="en-US" dirty="0"/>
+              <a:t> </a:t>
+            </a:r>
+            <a:r>
+              <a:rPr lang="en-US" dirty="0" err="1"/>
+              <a:t>nhật</a:t>
+            </a:r>
+            <a:r>
+              <a:rPr lang="en-US" dirty="0"/>
+              <a:t> n = 2^20)</a:t>
             </a:r>
           </a:p>
         </p:txBody>
       </p:sp>
       <p:pic>
         <p:nvPicPr>
-          <p:cNvPr id="5" name="Chỗ dành sẵn cho Nội dung 4" descr="Ảnh có chứa ảnh chụp màn hình&#10;&#10;Mô tả được tạo tự động">
+          <p:cNvPr id="7" name="Chỗ dành sẵn cho Nội dung 6">
             <a:extLst>
               <a:ext uri="{FF2B5EF4-FFF2-40B4-BE49-F238E27FC236}">
-                <a16:creationId xmlns:a16="http://schemas.microsoft.com/office/drawing/2014/main" id="{A5FDCA0C-9C80-4CC1-B387-8D82CF010C01}"/>
+                <a16:creationId xmlns:a16="http://schemas.microsoft.com/office/drawing/2014/main" id="{F8045C19-5698-44F1-BED1-07FC2A86BE9C}"/>
               </a:ext>
             </a:extLst>
           </p:cNvPr>
@@ -9082,15 +8386,15 @@
         </p:blipFill>
         <p:spPr>
           <a:xfrm>
-            <a:off x="2289184" y="2160588"/>
-            <a:ext cx="5373669" cy="3881437"/>
+            <a:off x="1945371" y="2160588"/>
+            <a:ext cx="6061296" cy="3881437"/>
           </a:xfrm>
         </p:spPr>
       </p:pic>
     </p:spTree>
     <p:extLst>
       <p:ext uri="{BB962C8B-B14F-4D97-AF65-F5344CB8AC3E}">
-        <p14:creationId xmlns:p14="http://schemas.microsoft.com/office/powerpoint/2010/main" val="2662814471"/>
+        <p14:creationId xmlns:p14="http://schemas.microsoft.com/office/powerpoint/2010/main" val="4244214110"/>
       </p:ext>
     </p:extLst>
   </p:cSld>
@@ -9140,7 +8444,7 @@
           <a:p>
             <a:r>
               <a:rPr lang="en-US" dirty="0"/>
-              <a:t>4. Radix sort by Satish </a:t>
+              <a:t>3. Radix sort by Satish </a:t>
             </a:r>
             <a:r>
               <a:rPr lang="en-US" dirty="0" err="1"/>
@@ -9155,19 +8459,34 @@
               <a:t>tư</a:t>
             </a:r>
             <a:r>
-              <a:rPr lang="en-US"/>
-              <a:t>̣</a:t>
-            </a:r>
-            <a:endParaRPr lang="en-US" dirty="0"/>
+              <a:rPr lang="en-US" dirty="0"/>
+              <a:t> (</a:t>
+            </a:r>
+            <a:r>
+              <a:rPr lang="en-US" dirty="0" err="1"/>
+              <a:t>Cập</a:t>
+            </a:r>
+            <a:r>
+              <a:rPr lang="en-US" dirty="0"/>
+              <a:t> </a:t>
+            </a:r>
+            <a:r>
+              <a:rPr lang="en-US" dirty="0" err="1"/>
+              <a:t>nhật</a:t>
+            </a:r>
+            <a:r>
+              <a:rPr lang="en-US" dirty="0"/>
+              <a:t> n = 2^20) ̣</a:t>
+            </a:r>
           </a:p>
         </p:txBody>
       </p:sp>
       <p:pic>
         <p:nvPicPr>
-          <p:cNvPr id="5" name="Chỗ dành sẵn cho Nội dung 4" descr="Ảnh có chứa ảnh chụp màn hình, màn hình, máy tính&#10;&#10;Mô tả được tạo tự động">
+          <p:cNvPr id="7" name="Chỗ dành sẵn cho Nội dung 6" descr="Ảnh có chứa ảnh chụp màn hình, màn hình, đang ngồi, máy tính xách tay&#10;&#10;Mô tả được tạo tự động">
             <a:extLst>
               <a:ext uri="{FF2B5EF4-FFF2-40B4-BE49-F238E27FC236}">
-                <a16:creationId xmlns:a16="http://schemas.microsoft.com/office/drawing/2014/main" id="{7633DAF2-D8CE-498D-9A85-0213F7B7E5BD}"/>
+                <a16:creationId xmlns:a16="http://schemas.microsoft.com/office/drawing/2014/main" id="{A22C4D95-76EB-4F0E-A702-B3C4AFEFF1AB}"/>
               </a:ext>
             </a:extLst>
           </p:cNvPr>
@@ -9192,8 +8511,8 @@
         </p:blipFill>
         <p:spPr>
           <a:xfrm>
-            <a:off x="1887664" y="2160588"/>
-            <a:ext cx="6176709" cy="3881437"/>
+            <a:off x="1921697" y="2160588"/>
+            <a:ext cx="6108643" cy="3881437"/>
           </a:xfrm>
         </p:spPr>
       </p:pic>
@@ -9254,10 +8573,10 @@
       </p:sp>
       <p:pic>
         <p:nvPicPr>
-          <p:cNvPr id="5" name="Chỗ dành sẵn cho Nội dung 4" descr="Ảnh có chứa ảnh chụp màn hình, màn hình, máy tính, đen&#10;&#10;Mô tả được tạo tự động">
+          <p:cNvPr id="7" name="Chỗ dành sẵn cho Nội dung 6" descr="Ảnh có chứa ảnh chụp màn hình, màn hình, đen, máy tính xách tay&#10;&#10;Mô tả được tạo tự động">
             <a:extLst>
               <a:ext uri="{FF2B5EF4-FFF2-40B4-BE49-F238E27FC236}">
-                <a16:creationId xmlns:a16="http://schemas.microsoft.com/office/drawing/2014/main" id="{BD2D0110-4AB8-43C6-BCEA-62A7FB10C192}"/>
+                <a16:creationId xmlns:a16="http://schemas.microsoft.com/office/drawing/2014/main" id="{7B132828-581C-4623-87FB-3CBFD50F36BC}"/>
               </a:ext>
             </a:extLst>
           </p:cNvPr>
@@ -9282,8 +8601,8 @@
         </p:blipFill>
         <p:spPr>
           <a:xfrm>
-            <a:off x="1919040" y="2160588"/>
-            <a:ext cx="6113957" cy="3881437"/>
+            <a:off x="1913686" y="2160588"/>
+            <a:ext cx="6124666" cy="3881437"/>
           </a:xfrm>
         </p:spPr>
       </p:pic>
@@ -9354,7 +8673,34 @@
               <a:rPr lang="en-US" dirty="0" err="1"/>
               <a:t>tiến</a:t>
             </a:r>
-            <a:endParaRPr lang="en-US" dirty="0"/>
+            <a:r>
+              <a:rPr lang="en-US" dirty="0"/>
+              <a:t> (</a:t>
+            </a:r>
+            <a:r>
+              <a:rPr lang="en-US" dirty="0" err="1"/>
+              <a:t>Cập</a:t>
+            </a:r>
+            <a:r>
+              <a:rPr lang="en-US" dirty="0"/>
+              <a:t> </a:t>
+            </a:r>
+            <a:r>
+              <a:rPr lang="en-US" dirty="0" err="1"/>
+              <a:t>nhật</a:t>
+            </a:r>
+            <a:r>
+              <a:rPr lang="en-US" dirty="0"/>
+              <a:t> </a:t>
+            </a:r>
+            <a:r>
+              <a:rPr lang="en-US" dirty="0" err="1"/>
+              <a:t>với</a:t>
+            </a:r>
+            <a:r>
+              <a:rPr lang="en-US" dirty="0"/>
+              <a:t> n = 2^20)</a:t>
+            </a:r>
           </a:p>
         </p:txBody>
       </p:sp>
@@ -9429,7 +8775,15 @@
             </a:r>
             <a:r>
               <a:rPr lang="en-US" dirty="0"/>
-              <a:t>̣ sort digit (1 block): 9.9628 </a:t>
+              <a:t>̣ sort digit (</a:t>
+            </a:r>
+            <a:r>
+              <a:rPr lang="en-US" dirty="0" err="1"/>
+              <a:t>Nhiều</a:t>
+            </a:r>
+            <a:r>
+              <a:rPr lang="en-US" dirty="0"/>
+              <a:t> block): 1576.948 </a:t>
             </a:r>
             <a:r>
               <a:rPr lang="en-US" dirty="0" err="1"/>
@@ -9440,7 +8794,50 @@
           <a:p>
             <a:r>
               <a:rPr lang="en-US" dirty="0"/>
-              <a:t>2. Song </a:t>
+              <a:t>2. </a:t>
+            </a:r>
+            <a:r>
+              <a:rPr lang="en-US" dirty="0" err="1"/>
+              <a:t>Sư</a:t>
+            </a:r>
+            <a:r>
+              <a:rPr lang="en-US" dirty="0"/>
+              <a:t>̉ </a:t>
+            </a:r>
+            <a:r>
+              <a:rPr lang="en-US" dirty="0" err="1"/>
+              <a:t>dụng</a:t>
+            </a:r>
+            <a:r>
+              <a:rPr lang="en-US" dirty="0"/>
+              <a:t> </a:t>
+            </a:r>
+            <a:r>
+              <a:rPr lang="en-US" dirty="0" err="1"/>
+              <a:t>smem</a:t>
+            </a:r>
+            <a:r>
+              <a:rPr lang="en-US" dirty="0"/>
+              <a:t> </a:t>
+            </a:r>
+            <a:r>
+              <a:rPr lang="en-US" dirty="0" err="1"/>
+              <a:t>vào</a:t>
+            </a:r>
+            <a:r>
+              <a:rPr lang="en-US" dirty="0"/>
+              <a:t> histogram: 1577.046 </a:t>
+            </a:r>
+            <a:r>
+              <a:rPr lang="en-US" dirty="0" err="1"/>
+              <a:t>ms</a:t>
+            </a:r>
+            <a:endParaRPr lang="en-US" dirty="0"/>
+          </a:p>
+          <a:p>
+            <a:r>
+              <a:rPr lang="en-US" dirty="0"/>
+              <a:t>3. Song </a:t>
             </a:r>
             <a:r>
               <a:rPr lang="en-US" dirty="0" err="1"/>
@@ -9452,51 +8849,11 @@
             </a:r>
             <a:r>
               <a:rPr lang="en-US" dirty="0" err="1"/>
-              <a:t>các</a:t>
-            </a:r>
-            <a:r>
-              <a:rPr lang="en-US" dirty="0"/>
-              <a:t> </a:t>
-            </a:r>
-            <a:r>
-              <a:rPr lang="en-US" dirty="0" err="1"/>
               <a:t>hàm</a:t>
             </a:r>
             <a:r>
               <a:rPr lang="en-US" dirty="0"/>
-              <a:t> sort bit, hist, scan, scatter </a:t>
-            </a:r>
-            <a:r>
-              <a:rPr lang="en-US" dirty="0" err="1"/>
-              <a:t>va</a:t>
-            </a:r>
-            <a:r>
-              <a:rPr lang="en-US" dirty="0"/>
-              <a:t>̀ </a:t>
-            </a:r>
-            <a:r>
-              <a:rPr lang="en-US" dirty="0" err="1"/>
-              <a:t>tuần</a:t>
-            </a:r>
-            <a:r>
-              <a:rPr lang="en-US" dirty="0"/>
-              <a:t> </a:t>
-            </a:r>
-            <a:r>
-              <a:rPr lang="en-US" dirty="0" err="1"/>
-              <a:t>tư</a:t>
-            </a:r>
-            <a:r>
-              <a:rPr lang="en-US" dirty="0"/>
-              <a:t>̣ sort digit (</a:t>
-            </a:r>
-            <a:r>
-              <a:rPr lang="en-US" dirty="0" err="1"/>
-              <a:t>Nhiều</a:t>
-            </a:r>
-            <a:r>
-              <a:rPr lang="en-US" dirty="0"/>
-              <a:t> block): 32.9526 </a:t>
+              <a:t> sort digit: 268.6356 </a:t>
             </a:r>
             <a:r>
               <a:rPr lang="en-US" dirty="0" err="1"/>
@@ -9507,7 +8864,7 @@
           <a:p>
             <a:r>
               <a:rPr lang="en-US" dirty="0"/>
-              <a:t>3. </a:t>
+              <a:t>4. </a:t>
             </a:r>
             <a:r>
               <a:rPr lang="en-US" dirty="0" err="1"/>
@@ -9527,19 +8884,11 @@
             </a:r>
             <a:r>
               <a:rPr lang="en-US" dirty="0" err="1"/>
-              <a:t>smem</a:t>
-            </a:r>
-            <a:r>
-              <a:rPr lang="en-US" dirty="0"/>
-              <a:t> </a:t>
-            </a:r>
-            <a:r>
-              <a:rPr lang="en-US" dirty="0" err="1"/>
-              <a:t>vào</a:t>
-            </a:r>
-            <a:r>
-              <a:rPr lang="en-US" dirty="0"/>
-              <a:t> histogram: 32.9918 </a:t>
+              <a:t>luồng</a:t>
+            </a:r>
+            <a:r>
+              <a:rPr lang="en-US" dirty="0"/>
+              <a:t> CUDA: 267.8074 </a:t>
             </a:r>
             <a:r>
               <a:rPr lang="en-US" dirty="0" err="1"/>
@@ -9548,116 +8897,6 @@
             <a:endParaRPr lang="en-US" dirty="0"/>
           </a:p>
           <a:p>
-            <a:r>
-              <a:rPr lang="en-US" dirty="0"/>
-              <a:t>4. Song </a:t>
-            </a:r>
-            <a:r>
-              <a:rPr lang="en-US" dirty="0" err="1"/>
-              <a:t>song</a:t>
-            </a:r>
-            <a:r>
-              <a:rPr lang="en-US" dirty="0"/>
-              <a:t> </a:t>
-            </a:r>
-            <a:r>
-              <a:rPr lang="en-US" dirty="0" err="1"/>
-              <a:t>hàm</a:t>
-            </a:r>
-            <a:r>
-              <a:rPr lang="en-US" dirty="0"/>
-              <a:t> sort digit: 11.6814 </a:t>
-            </a:r>
-            <a:r>
-              <a:rPr lang="en-US" dirty="0" err="1"/>
-              <a:t>ms</a:t>
-            </a:r>
-            <a:endParaRPr lang="en-US" dirty="0"/>
-          </a:p>
-          <a:p>
-            <a:r>
-              <a:rPr lang="en-US" dirty="0"/>
-              <a:t>5. </a:t>
-            </a:r>
-            <a:r>
-              <a:rPr lang="en-US" dirty="0" err="1"/>
-              <a:t>Sư</a:t>
-            </a:r>
-            <a:r>
-              <a:rPr lang="en-US" dirty="0"/>
-              <a:t>̉ </a:t>
-            </a:r>
-            <a:r>
-              <a:rPr lang="en-US" dirty="0" err="1"/>
-              <a:t>dụng</a:t>
-            </a:r>
-            <a:r>
-              <a:rPr lang="en-US" dirty="0"/>
-              <a:t> </a:t>
-            </a:r>
-            <a:r>
-              <a:rPr lang="en-US" dirty="0" err="1"/>
-              <a:t>luồng</a:t>
-            </a:r>
-            <a:r>
-              <a:rPr lang="en-US" dirty="0"/>
-              <a:t> CUDA: 10.9792 </a:t>
-            </a:r>
-            <a:r>
-              <a:rPr lang="en-US" dirty="0" err="1"/>
-              <a:t>ms</a:t>
-            </a:r>
-            <a:endParaRPr lang="en-US" dirty="0"/>
-          </a:p>
-          <a:p>
-            <a:r>
-              <a:rPr lang="en-US" dirty="0"/>
-              <a:t>6. </a:t>
-            </a:r>
-            <a:r>
-              <a:rPr lang="en-US" dirty="0" err="1"/>
-              <a:t>Đổi</a:t>
-            </a:r>
-            <a:r>
-              <a:rPr lang="en-US" dirty="0"/>
-              <a:t> </a:t>
-            </a:r>
-            <a:r>
-              <a:rPr lang="en-US" dirty="0" err="1"/>
-              <a:t>hàm</a:t>
-            </a:r>
-            <a:r>
-              <a:rPr lang="en-US" dirty="0"/>
-              <a:t> Exclusive Scan </a:t>
-            </a:r>
-            <a:r>
-              <a:rPr lang="en-US" dirty="0" err="1"/>
-              <a:t>thành</a:t>
-            </a:r>
-            <a:r>
-              <a:rPr lang="en-US" dirty="0"/>
-              <a:t> </a:t>
-            </a:r>
-            <a:r>
-              <a:rPr lang="en-US" dirty="0" err="1"/>
-              <a:t>tuần</a:t>
-            </a:r>
-            <a:r>
-              <a:rPr lang="en-US" dirty="0"/>
-              <a:t> </a:t>
-            </a:r>
-            <a:r>
-              <a:rPr lang="en-US" dirty="0" err="1"/>
-              <a:t>tư</a:t>
-            </a:r>
-            <a:r>
-              <a:rPr lang="en-US" dirty="0"/>
-              <a:t>̣: 10.9994 </a:t>
-            </a:r>
-            <a:r>
-              <a:rPr lang="en-US" dirty="0" err="1"/>
-              <a:t>ms</a:t>
-            </a:r>
             <a:endParaRPr lang="en-US" dirty="0"/>
           </a:p>
         </p:txBody>
@@ -9759,17 +8998,41 @@
             </a:r>
             <a:r>
               <a:rPr lang="en-US" dirty="0"/>
-              <a:t>)</a:t>
+              <a:t>) (</a:t>
+            </a:r>
+            <a:r>
+              <a:rPr lang="en-US" dirty="0" err="1"/>
+              <a:t>Cập</a:t>
+            </a:r>
+            <a:r>
+              <a:rPr lang="en-US" dirty="0"/>
+              <a:t> </a:t>
+            </a:r>
+            <a:r>
+              <a:rPr lang="en-US" dirty="0" err="1"/>
+              <a:t>nhật</a:t>
+            </a:r>
+            <a:r>
+              <a:rPr lang="en-US" dirty="0"/>
+              <a:t> </a:t>
+            </a:r>
+            <a:r>
+              <a:rPr lang="en-US" dirty="0" err="1"/>
+              <a:t>với</a:t>
+            </a:r>
+            <a:r>
+              <a:rPr lang="en-US" dirty="0"/>
+              <a:t> n = 2^20)</a:t>
             </a:r>
           </a:p>
         </p:txBody>
       </p:sp>
       <p:graphicFrame>
         <p:nvGraphicFramePr>
-          <p:cNvPr id="6" name="Bảng 6">
+          <p:cNvPr id="5" name="Bảng 6">
             <a:extLst>
               <a:ext uri="{FF2B5EF4-FFF2-40B4-BE49-F238E27FC236}">
-                <a16:creationId xmlns:a16="http://schemas.microsoft.com/office/drawing/2014/main" id="{13A8BE04-EC66-4189-9E1D-7D0543C5C22C}"/>
+                <a16:creationId xmlns:a16="http://schemas.microsoft.com/office/drawing/2014/main" id="{77E0DA26-D376-421C-A431-5BA7EF7AB9F6}"/>
               </a:ext>
             </a:extLst>
           </p:cNvPr>
@@ -9780,14 +9043,14 @@
             <p:ph idx="1"/>
             <p:extLst>
               <p:ext uri="{D42A27DB-BD31-4B8C-83A1-F6EECF244321}">
-                <p14:modId xmlns:p14="http://schemas.microsoft.com/office/powerpoint/2010/main" val="2250989242"/>
+                <p14:modId xmlns:p14="http://schemas.microsoft.com/office/powerpoint/2010/main" val="3969832965"/>
               </p:ext>
             </p:extLst>
           </p:nvPr>
         </p:nvGraphicFramePr>
         <p:xfrm>
           <a:off x="677863" y="2160588"/>
-          <a:ext cx="8596311" cy="2595880"/>
+          <a:ext cx="8596311" cy="1854200"/>
         </p:xfrm>
         <a:graphic>
           <a:graphicData uri="http://schemas.openxmlformats.org/drawingml/2006/table">
@@ -9799,21 +9062,21 @@
                 <a:gridCol w="2865437">
                   <a:extLst>
                     <a:ext uri="{9D8B030D-6E8A-4147-A177-3AD203B41FA5}">
-                      <a16:colId xmlns:a16="http://schemas.microsoft.com/office/drawing/2014/main" val="3501868520"/>
+                      <a16:colId xmlns:a16="http://schemas.microsoft.com/office/drawing/2014/main" val="2317547704"/>
                     </a:ext>
                   </a:extLst>
                 </a:gridCol>
                 <a:gridCol w="2865437">
                   <a:extLst>
                     <a:ext uri="{9D8B030D-6E8A-4147-A177-3AD203B41FA5}">
-                      <a16:colId xmlns:a16="http://schemas.microsoft.com/office/drawing/2014/main" val="203089047"/>
+                      <a16:colId xmlns:a16="http://schemas.microsoft.com/office/drawing/2014/main" val="740133658"/>
                     </a:ext>
                   </a:extLst>
                 </a:gridCol>
                 <a:gridCol w="2865437">
                   <a:extLst>
                     <a:ext uri="{9D8B030D-6E8A-4147-A177-3AD203B41FA5}">
-                      <a16:colId xmlns:a16="http://schemas.microsoft.com/office/drawing/2014/main" val="310941545"/>
+                      <a16:colId xmlns:a16="http://schemas.microsoft.com/office/drawing/2014/main" val="3796604983"/>
                     </a:ext>
                   </a:extLst>
                 </a:gridCol>
@@ -9826,7 +9089,7 @@
                     <a:p>
                       <a:r>
                         <a:rPr lang="en-US" dirty="0"/>
-                        <a:t>Version (N = 2^14)</a:t>
+                        <a:t>N = 2^20</a:t>
                       </a:r>
                     </a:p>
                   </a:txBody>
@@ -9839,15 +9102,7 @@
                     <a:p>
                       <a:r>
                         <a:rPr lang="en-US" dirty="0"/>
-                        <a:t>Code (</a:t>
-                      </a:r>
-                      <a:r>
-                        <a:rPr lang="en-US" dirty="0" err="1"/>
-                        <a:t>ms</a:t>
-                      </a:r>
-                      <a:r>
-                        <a:rPr lang="en-US" dirty="0"/>
-                        <a:t>)</a:t>
+                        <a:t>Code</a:t>
                       </a:r>
                     </a:p>
                   </a:txBody>
@@ -9860,15 +9115,7 @@
                     <a:p>
                       <a:r>
                         <a:rPr lang="en-US" dirty="0"/>
-                        <a:t>Thrust (</a:t>
-                      </a:r>
-                      <a:r>
-                        <a:rPr lang="en-US" dirty="0" err="1"/>
-                        <a:t>ms</a:t>
-                      </a:r>
-                      <a:r>
-                        <a:rPr lang="en-US" dirty="0"/>
-                        <a:t>)</a:t>
+                        <a:t>Thrust</a:t>
                       </a:r>
                     </a:p>
                   </a:txBody>
@@ -9876,7 +9123,7 @@
                 </a:tc>
                 <a:extLst>
                   <a:ext uri="{0D108BD9-81ED-4DB2-BD59-A6C34878D82A}">
-                    <a16:rowId xmlns:a16="http://schemas.microsoft.com/office/drawing/2014/main" val="879966172"/>
+                    <a16:rowId xmlns:a16="http://schemas.microsoft.com/office/drawing/2014/main" val="2464336074"/>
                   </a:ext>
                 </a:extLst>
               </a:tr>
@@ -9888,7 +9135,7 @@
                     <a:p>
                       <a:r>
                         <a:rPr lang="en-US" dirty="0"/>
-                        <a:t>1</a:t>
+                        <a:t>Version 1</a:t>
                       </a:r>
                     </a:p>
                   </a:txBody>
@@ -9901,7 +9148,7 @@
                     <a:p>
                       <a:r>
                         <a:rPr lang="en-US" dirty="0"/>
-                        <a:t>9.9628</a:t>
+                        <a:t>1576.948</a:t>
                       </a:r>
                     </a:p>
                   </a:txBody>
@@ -9914,7 +9161,7 @@
                     <a:p>
                       <a:r>
                         <a:rPr lang="en-US" dirty="0"/>
-                        <a:t>0.2378</a:t>
+                        <a:t>7.222</a:t>
                       </a:r>
                     </a:p>
                   </a:txBody>
@@ -9922,7 +9169,7 @@
                 </a:tc>
                 <a:extLst>
                   <a:ext uri="{0D108BD9-81ED-4DB2-BD59-A6C34878D82A}">
-                    <a16:rowId xmlns:a16="http://schemas.microsoft.com/office/drawing/2014/main" val="1241246755"/>
+                    <a16:rowId xmlns:a16="http://schemas.microsoft.com/office/drawing/2014/main" val="2713063690"/>
                   </a:ext>
                 </a:extLst>
               </a:tr>
@@ -9932,9 +9179,26 @@
                     <a:bodyPr/>
                     <a:lstStyle/>
                     <a:p>
+                      <a:pPr marL="0" marR="0" lvl="0" indent="0" algn="l" defTabSz="457200" rtl="0" eaLnBrk="1" fontAlgn="auto" latinLnBrk="0" hangingPunct="1">
+                        <a:lnSpc>
+                          <a:spcPct val="100000"/>
+                        </a:lnSpc>
+                        <a:spcBef>
+                          <a:spcPts val="0"/>
+                        </a:spcBef>
+                        <a:spcAft>
+                          <a:spcPts val="0"/>
+                        </a:spcAft>
+                        <a:buClrTx/>
+                        <a:buSzTx/>
+                        <a:buFontTx/>
+                        <a:buNone/>
+                        <a:tabLst/>
+                        <a:defRPr/>
+                      </a:pPr>
                       <a:r>
                         <a:rPr lang="en-US" dirty="0"/>
-                        <a:t>2</a:t>
+                        <a:t>Version 2</a:t>
                       </a:r>
                     </a:p>
                   </a:txBody>
@@ -9947,53 +9211,7 @@
                     <a:p>
                       <a:r>
                         <a:rPr lang="en-US" dirty="0"/>
-                        <a:t>32.9526</a:t>
-                      </a:r>
-                    </a:p>
-                  </a:txBody>
-                  <a:tcPr/>
-                </a:tc>
-                <a:tc>
-                  <a:txBody>
-                    <a:bodyPr/>
-                    <a:lstStyle/>
-                    <a:p>
-                      <a:r>
-                        <a:rPr lang="en-US" dirty="0"/>
-                        <a:t>2.1956</a:t>
-                      </a:r>
-                    </a:p>
-                  </a:txBody>
-                  <a:tcPr/>
-                </a:tc>
-                <a:extLst>
-                  <a:ext uri="{0D108BD9-81ED-4DB2-BD59-A6C34878D82A}">
-                    <a16:rowId xmlns:a16="http://schemas.microsoft.com/office/drawing/2014/main" val="607739934"/>
-                  </a:ext>
-                </a:extLst>
-              </a:tr>
-              <a:tr h="370840">
-                <a:tc>
-                  <a:txBody>
-                    <a:bodyPr/>
-                    <a:lstStyle/>
-                    <a:p>
-                      <a:r>
-                        <a:rPr lang="en-US" dirty="0"/>
-                        <a:t>3</a:t>
-                      </a:r>
-                    </a:p>
-                  </a:txBody>
-                  <a:tcPr/>
-                </a:tc>
-                <a:tc>
-                  <a:txBody>
-                    <a:bodyPr/>
-                    <a:lstStyle/>
-                    <a:p>
-                      <a:r>
-                        <a:rPr lang="en-US" dirty="0"/>
-                        <a:t>32.9918</a:t>
+                        <a:t>1577.046</a:t>
                       </a:r>
                     </a:p>
                   </a:txBody>
@@ -10023,7 +9241,7 @@
                       </a:pPr>
                       <a:r>
                         <a:rPr lang="en-US" dirty="0"/>
-                        <a:t>2.1956</a:t>
+                        <a:t>7.222</a:t>
                       </a:r>
                     </a:p>
                   </a:txBody>
@@ -10031,7 +9249,7 @@
                 </a:tc>
                 <a:extLst>
                   <a:ext uri="{0D108BD9-81ED-4DB2-BD59-A6C34878D82A}">
-                    <a16:rowId xmlns:a16="http://schemas.microsoft.com/office/drawing/2014/main" val="572318056"/>
+                    <a16:rowId xmlns:a16="http://schemas.microsoft.com/office/drawing/2014/main" val="3669285567"/>
                   </a:ext>
                 </a:extLst>
               </a:tr>
@@ -10041,9 +9259,26 @@
                     <a:bodyPr/>
                     <a:lstStyle/>
                     <a:p>
+                      <a:pPr marL="0" marR="0" lvl="0" indent="0" algn="l" defTabSz="457200" rtl="0" eaLnBrk="1" fontAlgn="auto" latinLnBrk="0" hangingPunct="1">
+                        <a:lnSpc>
+                          <a:spcPct val="100000"/>
+                        </a:lnSpc>
+                        <a:spcBef>
+                          <a:spcPts val="0"/>
+                        </a:spcBef>
+                        <a:spcAft>
+                          <a:spcPts val="0"/>
+                        </a:spcAft>
+                        <a:buClrTx/>
+                        <a:buSzTx/>
+                        <a:buFontTx/>
+                        <a:buNone/>
+                        <a:tabLst/>
+                        <a:defRPr/>
+                      </a:pPr>
                       <a:r>
                         <a:rPr lang="en-US" dirty="0"/>
-                        <a:t>4</a:t>
+                        <a:t>Version 3</a:t>
                       </a:r>
                     </a:p>
                   </a:txBody>
@@ -10056,7 +9291,7 @@
                     <a:p>
                       <a:r>
                         <a:rPr lang="en-US" dirty="0"/>
-                        <a:t>11.6814</a:t>
+                        <a:t>268.6356</a:t>
                       </a:r>
                     </a:p>
                   </a:txBody>
@@ -10086,7 +9321,7 @@
                       </a:pPr>
                       <a:r>
                         <a:rPr lang="en-US" dirty="0"/>
-                        <a:t>2.1956</a:t>
+                        <a:t>7.222</a:t>
                       </a:r>
                     </a:p>
                   </a:txBody>
@@ -10094,7 +9329,7 @@
                 </a:tc>
                 <a:extLst>
                   <a:ext uri="{0D108BD9-81ED-4DB2-BD59-A6C34878D82A}">
-                    <a16:rowId xmlns:a16="http://schemas.microsoft.com/office/drawing/2014/main" val="3584856289"/>
+                    <a16:rowId xmlns:a16="http://schemas.microsoft.com/office/drawing/2014/main" val="3509438768"/>
                   </a:ext>
                 </a:extLst>
               </a:tr>
@@ -10104,9 +9339,26 @@
                     <a:bodyPr/>
                     <a:lstStyle/>
                     <a:p>
+                      <a:pPr marL="0" marR="0" lvl="0" indent="0" algn="l" defTabSz="457200" rtl="0" eaLnBrk="1" fontAlgn="auto" latinLnBrk="0" hangingPunct="1">
+                        <a:lnSpc>
+                          <a:spcPct val="100000"/>
+                        </a:lnSpc>
+                        <a:spcBef>
+                          <a:spcPts val="0"/>
+                        </a:spcBef>
+                        <a:spcAft>
+                          <a:spcPts val="0"/>
+                        </a:spcAft>
+                        <a:buClrTx/>
+                        <a:buSzTx/>
+                        <a:buFontTx/>
+                        <a:buNone/>
+                        <a:tabLst/>
+                        <a:defRPr/>
+                      </a:pPr>
                       <a:r>
                         <a:rPr lang="en-US" dirty="0"/>
-                        <a:t>5</a:t>
+                        <a:t>Version 4</a:t>
                       </a:r>
                     </a:p>
                   </a:txBody>
@@ -10119,7 +9371,7 @@
                     <a:p>
                       <a:r>
                         <a:rPr lang="en-US" dirty="0"/>
-                        <a:t>10.9792</a:t>
+                        <a:t>267.8074</a:t>
                       </a:r>
                     </a:p>
                   </a:txBody>
@@ -10149,7 +9401,7 @@
                       </a:pPr>
                       <a:r>
                         <a:rPr lang="en-US" dirty="0"/>
-                        <a:t>2.1956</a:t>
+                        <a:t>7.222</a:t>
                       </a:r>
                     </a:p>
                   </a:txBody>
@@ -10157,70 +9409,7 @@
                 </a:tc>
                 <a:extLst>
                   <a:ext uri="{0D108BD9-81ED-4DB2-BD59-A6C34878D82A}">
-                    <a16:rowId xmlns:a16="http://schemas.microsoft.com/office/drawing/2014/main" val="11944145"/>
-                  </a:ext>
-                </a:extLst>
-              </a:tr>
-              <a:tr h="370840">
-                <a:tc>
-                  <a:txBody>
-                    <a:bodyPr/>
-                    <a:lstStyle/>
-                    <a:p>
-                      <a:r>
-                        <a:rPr lang="en-US" dirty="0"/>
-                        <a:t>6</a:t>
-                      </a:r>
-                    </a:p>
-                  </a:txBody>
-                  <a:tcPr/>
-                </a:tc>
-                <a:tc>
-                  <a:txBody>
-                    <a:bodyPr/>
-                    <a:lstStyle/>
-                    <a:p>
-                      <a:r>
-                        <a:rPr lang="en-US" dirty="0"/>
-                        <a:t>10.9994</a:t>
-                      </a:r>
-                    </a:p>
-                  </a:txBody>
-                  <a:tcPr/>
-                </a:tc>
-                <a:tc>
-                  <a:txBody>
-                    <a:bodyPr/>
-                    <a:lstStyle/>
-                    <a:p>
-                      <a:pPr marL="0" marR="0" lvl="0" indent="0" algn="l" defTabSz="457200" rtl="0" eaLnBrk="1" fontAlgn="auto" latinLnBrk="0" hangingPunct="1">
-                        <a:lnSpc>
-                          <a:spcPct val="100000"/>
-                        </a:lnSpc>
-                        <a:spcBef>
-                          <a:spcPts val="0"/>
-                        </a:spcBef>
-                        <a:spcAft>
-                          <a:spcPts val="0"/>
-                        </a:spcAft>
-                        <a:buClrTx/>
-                        <a:buSzTx/>
-                        <a:buFontTx/>
-                        <a:buNone/>
-                        <a:tabLst/>
-                        <a:defRPr/>
-                      </a:pPr>
-                      <a:r>
-                        <a:rPr lang="en-US" dirty="0"/>
-                        <a:t>2.1956</a:t>
-                      </a:r>
-                    </a:p>
-                  </a:txBody>
-                  <a:tcPr/>
-                </a:tc>
-                <a:extLst>
-                  <a:ext uri="{0D108BD9-81ED-4DB2-BD59-A6C34878D82A}">
-                    <a16:rowId xmlns:a16="http://schemas.microsoft.com/office/drawing/2014/main" val="3853479403"/>
+                    <a16:rowId xmlns:a16="http://schemas.microsoft.com/office/drawing/2014/main" val="2083212213"/>
                   </a:ext>
                 </a:extLst>
               </a:tr>
